--- a/Back-End/NodeJS/NPM 개발 도구.pptx
+++ b/Back-End/NodeJS/NPM 개발 도구.pptx
@@ -5,20 +5,25 @@
     <p:sldMasterId id="2147483659" r:id="rId1"/>
   </p:sldMasterIdLst>
   <p:notesMasterIdLst>
-    <p:notesMasterId r:id="rId10"/>
+    <p:notesMasterId r:id="rId15"/>
   </p:notesMasterIdLst>
   <p:handoutMasterIdLst>
-    <p:handoutMasterId r:id="rId11"/>
+    <p:handoutMasterId r:id="rId16"/>
   </p:handoutMasterIdLst>
   <p:sldIdLst>
     <p:sldId id="615" r:id="rId2"/>
     <p:sldId id="617" r:id="rId3"/>
-    <p:sldId id="618" r:id="rId4"/>
-    <p:sldId id="616" r:id="rId5"/>
-    <p:sldId id="622" r:id="rId6"/>
-    <p:sldId id="619" r:id="rId7"/>
-    <p:sldId id="620" r:id="rId8"/>
-    <p:sldId id="621" r:id="rId9"/>
+    <p:sldId id="627" r:id="rId4"/>
+    <p:sldId id="630" r:id="rId5"/>
+    <p:sldId id="623" r:id="rId6"/>
+    <p:sldId id="628" r:id="rId7"/>
+    <p:sldId id="629" r:id="rId8"/>
+    <p:sldId id="625" r:id="rId9"/>
+    <p:sldId id="616" r:id="rId10"/>
+    <p:sldId id="618" r:id="rId11"/>
+    <p:sldId id="619" r:id="rId12"/>
+    <p:sldId id="620" r:id="rId13"/>
+    <p:sldId id="621" r:id="rId14"/>
   </p:sldIdLst>
   <p:sldSz cx="9144000" cy="6858000" type="screen4x3"/>
   <p:notesSz cx="6865938" cy="9998075"/>
@@ -251,7 +256,7 @@
           <a:p>
             <a:fld id="{0701E38F-D71B-4628-B377-F26FA834EB07}" type="datetimeFigureOut">
               <a:rPr lang="ko-KR" altLang="en-US" smtClean="0"/>
-              <a:t>2022-12-07</a:t>
+              <a:t>2022-12-13</a:t>
             </a:fld>
             <a:endParaRPr lang="ko-KR" altLang="en-US"/>
           </a:p>
@@ -417,7 +422,7 @@
             <a:fld id="{BC75A1C1-99F9-4ED1-B968-97F8F766565C}" type="datetimeFigureOut">
               <a:rPr lang="ko-KR" altLang="en-US" smtClean="0"/>
               <a:pPr/>
-              <a:t>2022-12-07</a:t>
+              <a:t>2022-12-13</a:t>
             </a:fld>
             <a:endParaRPr lang="ko-KR" altLang="en-US"/>
           </a:p>
@@ -754,7 +759,7 @@
             <a:fld id="{2925679C-3CF1-4175-AC10-4B4E045DB2D3}" type="slidenum">
               <a:rPr lang="ko-KR" altLang="en-US" smtClean="0"/>
               <a:pPr/>
-              <a:t>5</a:t>
+              <a:t>4</a:t>
             </a:fld>
             <a:endParaRPr lang="ko-KR" altLang="en-US"/>
           </a:p>
@@ -763,7 +768,7 @@
     </p:spTree>
     <p:extLst>
       <p:ext uri="{BB962C8B-B14F-4D97-AF65-F5344CB8AC3E}">
-        <p14:creationId xmlns:p14="http://schemas.microsoft.com/office/powerpoint/2010/main" val="1974894141"/>
+        <p14:creationId xmlns:p14="http://schemas.microsoft.com/office/powerpoint/2010/main" val="37942991"/>
       </p:ext>
     </p:extLst>
   </p:cSld>
@@ -839,7 +844,177 @@
             <a:fld id="{2925679C-3CF1-4175-AC10-4B4E045DB2D3}" type="slidenum">
               <a:rPr lang="ko-KR" altLang="en-US" smtClean="0"/>
               <a:pPr/>
-              <a:t>8</a:t>
+              <a:t>6</a:t>
+            </a:fld>
+            <a:endParaRPr lang="ko-KR" altLang="en-US"/>
+          </a:p>
+        </p:txBody>
+      </p:sp>
+    </p:spTree>
+    <p:extLst>
+      <p:ext uri="{BB962C8B-B14F-4D97-AF65-F5344CB8AC3E}">
+        <p14:creationId xmlns:p14="http://schemas.microsoft.com/office/powerpoint/2010/main" val="676188895"/>
+      </p:ext>
+    </p:extLst>
+  </p:cSld>
+  <p:clrMapOvr>
+    <a:masterClrMapping/>
+  </p:clrMapOvr>
+</p:notes>
+</file>
+
+<file path=ppt/notesSlides/notesSlide3.xml><?xml version="1.0" encoding="utf-8"?>
+<p:notes xmlns:a="http://schemas.openxmlformats.org/drawingml/2006/main" xmlns:r="http://schemas.openxmlformats.org/officeDocument/2006/relationships" xmlns:p="http://schemas.openxmlformats.org/presentationml/2006/main">
+  <p:cSld>
+    <p:spTree>
+      <p:nvGrpSpPr>
+        <p:cNvPr id="1" name=""/>
+        <p:cNvGrpSpPr/>
+        <p:nvPr/>
+      </p:nvGrpSpPr>
+      <p:grpSpPr>
+        <a:xfrm>
+          <a:off x="0" y="0"/>
+          <a:ext cx="0" cy="0"/>
+          <a:chOff x="0" y="0"/>
+          <a:chExt cx="0" cy="0"/>
+        </a:xfrm>
+      </p:grpSpPr>
+      <p:sp>
+        <p:nvSpPr>
+          <p:cNvPr id="2" name="슬라이드 이미지 개체 틀 1"/>
+          <p:cNvSpPr>
+            <a:spLocks noGrp="1" noRot="1" noChangeAspect="1"/>
+          </p:cNvSpPr>
+          <p:nvPr>
+            <p:ph type="sldImg"/>
+          </p:nvPr>
+        </p:nvSpPr>
+        <p:spPr/>
+      </p:sp>
+      <p:sp>
+        <p:nvSpPr>
+          <p:cNvPr id="3" name="슬라이드 노트 개체 틀 2"/>
+          <p:cNvSpPr>
+            <a:spLocks noGrp="1"/>
+          </p:cNvSpPr>
+          <p:nvPr>
+            <p:ph type="body" idx="1"/>
+          </p:nvPr>
+        </p:nvSpPr>
+        <p:spPr/>
+        <p:txBody>
+          <a:bodyPr/>
+          <a:lstStyle/>
+          <a:p>
+            <a:endParaRPr lang="ko-KR" altLang="en-US" dirty="0"/>
+          </a:p>
+        </p:txBody>
+      </p:sp>
+      <p:sp>
+        <p:nvSpPr>
+          <p:cNvPr id="4" name="슬라이드 번호 개체 틀 3"/>
+          <p:cNvSpPr>
+            <a:spLocks noGrp="1"/>
+          </p:cNvSpPr>
+          <p:nvPr>
+            <p:ph type="sldNum" sz="quarter" idx="10"/>
+          </p:nvPr>
+        </p:nvSpPr>
+        <p:spPr/>
+        <p:txBody>
+          <a:bodyPr/>
+          <a:lstStyle/>
+          <a:p>
+            <a:fld id="{2925679C-3CF1-4175-AC10-4B4E045DB2D3}" type="slidenum">
+              <a:rPr lang="ko-KR" altLang="en-US" smtClean="0"/>
+              <a:pPr/>
+              <a:t>7</a:t>
+            </a:fld>
+            <a:endParaRPr lang="ko-KR" altLang="en-US"/>
+          </a:p>
+        </p:txBody>
+      </p:sp>
+    </p:spTree>
+    <p:extLst>
+      <p:ext uri="{BB962C8B-B14F-4D97-AF65-F5344CB8AC3E}">
+        <p14:creationId xmlns:p14="http://schemas.microsoft.com/office/powerpoint/2010/main" val="4231290420"/>
+      </p:ext>
+    </p:extLst>
+  </p:cSld>
+  <p:clrMapOvr>
+    <a:masterClrMapping/>
+  </p:clrMapOvr>
+</p:notes>
+</file>
+
+<file path=ppt/notesSlides/notesSlide4.xml><?xml version="1.0" encoding="utf-8"?>
+<p:notes xmlns:a="http://schemas.openxmlformats.org/drawingml/2006/main" xmlns:r="http://schemas.openxmlformats.org/officeDocument/2006/relationships" xmlns:p="http://schemas.openxmlformats.org/presentationml/2006/main">
+  <p:cSld>
+    <p:spTree>
+      <p:nvGrpSpPr>
+        <p:cNvPr id="1" name=""/>
+        <p:cNvGrpSpPr/>
+        <p:nvPr/>
+      </p:nvGrpSpPr>
+      <p:grpSpPr>
+        <a:xfrm>
+          <a:off x="0" y="0"/>
+          <a:ext cx="0" cy="0"/>
+          <a:chOff x="0" y="0"/>
+          <a:chExt cx="0" cy="0"/>
+        </a:xfrm>
+      </p:grpSpPr>
+      <p:sp>
+        <p:nvSpPr>
+          <p:cNvPr id="2" name="슬라이드 이미지 개체 틀 1"/>
+          <p:cNvSpPr>
+            <a:spLocks noGrp="1" noRot="1" noChangeAspect="1"/>
+          </p:cNvSpPr>
+          <p:nvPr>
+            <p:ph type="sldImg"/>
+          </p:nvPr>
+        </p:nvSpPr>
+        <p:spPr/>
+      </p:sp>
+      <p:sp>
+        <p:nvSpPr>
+          <p:cNvPr id="3" name="슬라이드 노트 개체 틀 2"/>
+          <p:cNvSpPr>
+            <a:spLocks noGrp="1"/>
+          </p:cNvSpPr>
+          <p:nvPr>
+            <p:ph type="body" idx="1"/>
+          </p:nvPr>
+        </p:nvSpPr>
+        <p:spPr/>
+        <p:txBody>
+          <a:bodyPr/>
+          <a:lstStyle/>
+          <a:p>
+            <a:endParaRPr lang="ko-KR" altLang="en-US" dirty="0"/>
+          </a:p>
+        </p:txBody>
+      </p:sp>
+      <p:sp>
+        <p:nvSpPr>
+          <p:cNvPr id="4" name="슬라이드 번호 개체 틀 3"/>
+          <p:cNvSpPr>
+            <a:spLocks noGrp="1"/>
+          </p:cNvSpPr>
+          <p:nvPr>
+            <p:ph type="sldNum" sz="quarter" idx="10"/>
+          </p:nvPr>
+        </p:nvSpPr>
+        <p:spPr/>
+        <p:txBody>
+          <a:bodyPr/>
+          <a:lstStyle/>
+          <a:p>
+            <a:fld id="{2925679C-3CF1-4175-AC10-4B4E045DB2D3}" type="slidenum">
+              <a:rPr lang="ko-KR" altLang="en-US" smtClean="0"/>
+              <a:pPr/>
+              <a:t>13</a:t>
             </a:fld>
             <a:endParaRPr lang="ko-KR" altLang="en-US"/>
           </a:p>
@@ -2647,7 +2822,7 @@
 </p:sld>
 </file>
 
-<file path=ppt/slides/slide2.xml><?xml version="1.0" encoding="utf-8"?>
+<file path=ppt/slides/slide10.xml><?xml version="1.0" encoding="utf-8"?>
 <p:sld xmlns:a="http://schemas.openxmlformats.org/drawingml/2006/main" xmlns:r="http://schemas.openxmlformats.org/officeDocument/2006/relationships" xmlns:p="http://schemas.openxmlformats.org/presentationml/2006/main">
   <p:cSld>
     <p:spTree>
@@ -2691,7 +2866,21 @@
                 <a:latin typeface="HY헤드라인M" pitchFamily="18" charset="-127"/>
                 <a:ea typeface="HY헤드라인M" pitchFamily="18" charset="-127"/>
               </a:rPr>
-              <a:t>NPM</a:t>
+              <a:t>NPM </a:t>
+            </a:r>
+            <a:r>
+              <a:rPr lang="ko-KR" altLang="en-US" sz="2400" dirty="0" smtClean="0">
+                <a:latin typeface="HY헤드라인M" pitchFamily="18" charset="-127"/>
+                <a:ea typeface="HY헤드라인M" pitchFamily="18" charset="-127"/>
+              </a:rPr>
+              <a:t>프로젝트 </a:t>
+            </a:r>
+            <a:r>
+              <a:rPr lang="ko-KR" altLang="en-US" sz="2400" dirty="0" smtClean="0">
+                <a:latin typeface="HY헤드라인M" pitchFamily="18" charset="-127"/>
+                <a:ea typeface="HY헤드라인M" pitchFamily="18" charset="-127"/>
+              </a:rPr>
+              <a:t>만들기</a:t>
             </a:r>
             <a:endParaRPr lang="ko-KR" altLang="en-US" sz="2400" dirty="0">
               <a:latin typeface="HY헤드라인M" pitchFamily="18" charset="-127"/>
@@ -2780,7 +2969,7 @@
                 </a:solidFill>
                 <a:latin typeface="+mn-ea"/>
               </a:rPr>
-              <a:t>개요</a:t>
+              <a:t>절차</a:t>
             </a:r>
             <a:endParaRPr lang="en-US" altLang="ko-KR" sz="2000" dirty="0">
               <a:solidFill>
@@ -2798,45 +2987,49 @@
               <a:buChar char="•"/>
             </a:pPr>
             <a:r>
-              <a:rPr lang="en-US" altLang="ko-KR" sz="1600" dirty="0" err="1"/>
-              <a:t>npm</a:t>
-            </a:r>
-            <a:r>
-              <a:rPr lang="en-US" altLang="ko-KR" sz="1600" dirty="0"/>
-              <a:t> (</a:t>
-            </a:r>
-            <a:r>
-              <a:rPr lang="ko-KR" altLang="en-US" sz="1600" dirty="0"/>
-              <a:t>노드 패키지 매니저</a:t>
-            </a:r>
-            <a:r>
-              <a:rPr lang="en-US" altLang="ko-KR" sz="1600" dirty="0"/>
-              <a:t>/Node Package Manager)</a:t>
-            </a:r>
-            <a:r>
-              <a:rPr lang="ko-KR" altLang="en-US" sz="1600" dirty="0"/>
-              <a:t>은 자바스크립트 프로그래밍 언어를 위한 패키지 관리자이다</a:t>
-            </a:r>
-            <a:r>
-              <a:rPr lang="en-US" altLang="ko-KR" sz="1600" dirty="0"/>
-              <a:t>. </a:t>
-            </a:r>
-            <a:r>
-              <a:rPr lang="ko-KR" altLang="en-US" sz="1600" dirty="0"/>
-              <a:t>자바스크립트 런타임 환경 </a:t>
-            </a:r>
-            <a:r>
-              <a:rPr lang="en-US" altLang="ko-KR" sz="1600" dirty="0"/>
-              <a:t>Node.js</a:t>
-            </a:r>
-            <a:r>
-              <a:rPr lang="ko-KR" altLang="en-US" sz="1600" dirty="0"/>
-              <a:t>의 기본 패키지 관리자이다</a:t>
-            </a:r>
-            <a:r>
-              <a:rPr lang="en-US" altLang="ko-KR" sz="1600" dirty="0"/>
-              <a:t>. </a:t>
-            </a:r>
+              <a:rPr lang="ko-KR" altLang="en-US" sz="1600" dirty="0" smtClean="0"/>
+              <a:t>프로젝트 폴더 생성</a:t>
+            </a:r>
+            <a:endParaRPr lang="en-US" altLang="ko-KR" sz="1600" dirty="0" smtClean="0"/>
+          </a:p>
+          <a:p>
+            <a:pPr marL="1200150" lvl="2" indent="-285750" latinLnBrk="0">
+              <a:lnSpc>
+                <a:spcPct val="150000"/>
+              </a:lnSpc>
+              <a:buFont typeface="Wingdings" panose="05000000000000000000" pitchFamily="2" charset="2"/>
+              <a:buChar char="ü"/>
+            </a:pPr>
+            <a:r>
+              <a:rPr lang="en-US" altLang="ko-KR" sz="1600" dirty="0" err="1" smtClean="0"/>
+              <a:t>mkdir</a:t>
+            </a:r>
+            <a:r>
+              <a:rPr lang="en-US" altLang="ko-KR" sz="1600" dirty="0" smtClean="0"/>
+              <a:t> math</a:t>
+            </a:r>
+          </a:p>
+          <a:p>
+            <a:pPr marL="1200150" lvl="2" indent="-285750" latinLnBrk="0">
+              <a:lnSpc>
+                <a:spcPct val="150000"/>
+              </a:lnSpc>
+              <a:buFont typeface="Wingdings" panose="05000000000000000000" pitchFamily="2" charset="2"/>
+              <a:buChar char="ü"/>
+            </a:pPr>
+            <a:r>
+              <a:rPr lang="en-US" altLang="ko-KR" sz="1600" dirty="0" smtClean="0"/>
+              <a:t>code .</a:t>
+            </a:r>
+          </a:p>
+          <a:p>
+            <a:pPr marL="1200150" lvl="2" indent="-285750" latinLnBrk="0">
+              <a:lnSpc>
+                <a:spcPct val="150000"/>
+              </a:lnSpc>
+              <a:buFont typeface="Wingdings" panose="05000000000000000000" pitchFamily="2" charset="2"/>
+              <a:buChar char="ü"/>
+            </a:pPr>
             <a:endParaRPr lang="en-US" altLang="ko-KR" sz="1600" dirty="0" smtClean="0"/>
           </a:p>
           <a:p>
@@ -2848,175 +3041,237 @@
               <a:buChar char="•"/>
             </a:pPr>
             <a:r>
-              <a:rPr lang="ko-KR" altLang="en-US" dirty="0" smtClean="0">
+              <a:rPr lang="en-US" altLang="ko-KR" sz="1600" dirty="0" smtClean="0"/>
+              <a:t>NPM </a:t>
+            </a:r>
+            <a:r>
+              <a:rPr lang="ko-KR" altLang="en-US" sz="1600" dirty="0" smtClean="0"/>
+              <a:t>초기화</a:t>
+            </a:r>
+            <a:endParaRPr lang="en-US" altLang="ko-KR" sz="1600" dirty="0"/>
+          </a:p>
+          <a:p>
+            <a:pPr marL="1200150" lvl="2" indent="-285750" latinLnBrk="0">
+              <a:lnSpc>
+                <a:spcPct val="150000"/>
+              </a:lnSpc>
+              <a:buFont typeface="Wingdings" panose="05000000000000000000" pitchFamily="2" charset="2"/>
+              <a:buChar char="ü"/>
+            </a:pPr>
+            <a:r>
+              <a:rPr lang="en-US" altLang="ko-KR" sz="1600" dirty="0" err="1" smtClean="0">
+                <a:solidFill>
+                  <a:srgbClr val="00B0F0"/>
+                </a:solidFill>
+              </a:rPr>
+              <a:t>npm</a:t>
+            </a:r>
+            <a:r>
+              <a:rPr lang="en-US" altLang="ko-KR" sz="1600" dirty="0" smtClean="0">
+                <a:solidFill>
+                  <a:srgbClr val="00B0F0"/>
+                </a:solidFill>
+              </a:rPr>
+              <a:t> -v (</a:t>
+            </a:r>
+            <a:r>
+              <a:rPr lang="en-US" altLang="ko-KR" sz="1600" dirty="0" err="1" smtClean="0">
+                <a:solidFill>
+                  <a:srgbClr val="00B0F0"/>
+                </a:solidFill>
+              </a:rPr>
+              <a:t>npm</a:t>
+            </a:r>
+            <a:r>
+              <a:rPr lang="en-US" altLang="ko-KR" sz="1600" dirty="0" smtClean="0">
+                <a:solidFill>
+                  <a:srgbClr val="00B0F0"/>
+                </a:solidFill>
+              </a:rPr>
+              <a:t> --version)</a:t>
+            </a:r>
+          </a:p>
+          <a:p>
+            <a:pPr marL="1200150" lvl="2" indent="-285750" latinLnBrk="0">
+              <a:lnSpc>
+                <a:spcPct val="150000"/>
+              </a:lnSpc>
+              <a:buFont typeface="Wingdings" panose="05000000000000000000" pitchFamily="2" charset="2"/>
+              <a:buChar char="ü"/>
+            </a:pPr>
+            <a:r>
+              <a:rPr lang="en-US" altLang="ko-KR" sz="1600" dirty="0" err="1" smtClean="0">
+                <a:solidFill>
+                  <a:srgbClr val="00B0F0"/>
+                </a:solidFill>
+              </a:rPr>
+              <a:t>npm</a:t>
+            </a:r>
+            <a:r>
+              <a:rPr lang="en-US" altLang="ko-KR" sz="1600" dirty="0" smtClean="0">
+                <a:solidFill>
+                  <a:srgbClr val="00B0F0"/>
+                </a:solidFill>
+              </a:rPr>
+              <a:t> </a:t>
+            </a:r>
+            <a:r>
+              <a:rPr lang="en-US" altLang="ko-KR" sz="1600" dirty="0" err="1" smtClean="0">
+                <a:solidFill>
+                  <a:srgbClr val="00B0F0"/>
+                </a:solidFill>
+              </a:rPr>
+              <a:t>init</a:t>
+            </a:r>
+            <a:r>
+              <a:rPr lang="en-US" altLang="ko-KR" sz="1600" dirty="0" smtClean="0">
+                <a:solidFill>
+                  <a:srgbClr val="00B0F0"/>
+                </a:solidFill>
+              </a:rPr>
+              <a:t> </a:t>
+            </a:r>
+            <a:r>
+              <a:rPr lang="en-US" altLang="ko-KR" sz="1600" dirty="0" smtClean="0"/>
+              <a:t>or </a:t>
+            </a:r>
+            <a:r>
+              <a:rPr lang="en-US" altLang="ko-KR" sz="1600" dirty="0" err="1" smtClean="0">
+                <a:solidFill>
+                  <a:srgbClr val="00B0F0"/>
+                </a:solidFill>
+              </a:rPr>
+              <a:t>npm</a:t>
+            </a:r>
+            <a:r>
+              <a:rPr lang="en-US" altLang="ko-KR" sz="1600" dirty="0" smtClean="0">
+                <a:solidFill>
+                  <a:srgbClr val="00B0F0"/>
+                </a:solidFill>
+              </a:rPr>
+              <a:t> </a:t>
+            </a:r>
+            <a:r>
+              <a:rPr lang="en-US" altLang="ko-KR" sz="1600" dirty="0" err="1" smtClean="0">
+                <a:solidFill>
+                  <a:srgbClr val="00B0F0"/>
+                </a:solidFill>
+              </a:rPr>
+              <a:t>init</a:t>
+            </a:r>
+            <a:r>
+              <a:rPr lang="en-US" altLang="ko-KR" sz="1600" dirty="0" smtClean="0">
+                <a:solidFill>
+                  <a:srgbClr val="00B0F0"/>
+                </a:solidFill>
+              </a:rPr>
+              <a:t> –</a:t>
+            </a:r>
+            <a:r>
+              <a:rPr lang="en-US" altLang="ko-KR" sz="1600" dirty="0" smtClean="0">
+                <a:solidFill>
+                  <a:srgbClr val="00B0F0"/>
+                </a:solidFill>
+              </a:rPr>
+              <a:t>y</a:t>
+            </a:r>
+          </a:p>
+          <a:p>
+            <a:pPr marL="1657350" lvl="3" indent="-285750" latinLnBrk="0">
+              <a:lnSpc>
+                <a:spcPct val="150000"/>
+              </a:lnSpc>
+              <a:buFont typeface="Wingdings" panose="05000000000000000000" pitchFamily="2" charset="2"/>
+              <a:buChar char="v"/>
+            </a:pPr>
+            <a:r>
+              <a:rPr lang="en-US" altLang="ko-KR" sz="1400" dirty="0" err="1" smtClean="0">
                 <a:solidFill>
                   <a:srgbClr val="FF0000"/>
                 </a:solidFill>
               </a:rPr>
-              <a:t>명령 </a:t>
-            </a:r>
-            <a:r>
-              <a:rPr lang="ko-KR" altLang="en-US" dirty="0">
+              <a:t>package.json</a:t>
+            </a:r>
+            <a:r>
+              <a:rPr lang="en-US" altLang="ko-KR" sz="1400" dirty="0" smtClean="0">
                 <a:solidFill>
                   <a:srgbClr val="FF0000"/>
                 </a:solidFill>
               </a:rPr>
-              <a:t>줄 클라이언트</a:t>
-            </a:r>
-            <a:r>
-              <a:rPr lang="en-US" altLang="ko-KR" dirty="0">
+              <a:t> </a:t>
+            </a:r>
+            <a:r>
+              <a:rPr lang="ko-KR" altLang="en-US" sz="1400" dirty="0" smtClean="0">
                 <a:solidFill>
                   <a:srgbClr val="FF0000"/>
                 </a:solidFill>
               </a:rPr>
-              <a:t>(</a:t>
-            </a:r>
-            <a:r>
-              <a:rPr lang="en-US" altLang="ko-KR" dirty="0" err="1">
-                <a:solidFill>
-                  <a:srgbClr val="FF0000"/>
-                </a:solidFill>
-              </a:rPr>
-              <a:t>npm</a:t>
-            </a:r>
-            <a:r>
-              <a:rPr lang="en-US" altLang="ko-KR" dirty="0">
-                <a:solidFill>
-                  <a:srgbClr val="FF0000"/>
-                </a:solidFill>
-              </a:rPr>
-              <a:t>), </a:t>
-            </a:r>
-            <a:r>
-              <a:rPr lang="ko-KR" altLang="en-US" dirty="0">
-                <a:solidFill>
-                  <a:srgbClr val="FF0000"/>
-                </a:solidFill>
-              </a:rPr>
-              <a:t>그리고 공개 패키지와 지불 방식의 개인 패키지의 온라인 데이터베이스</a:t>
-            </a:r>
-            <a:r>
-              <a:rPr lang="en-US" altLang="ko-KR" dirty="0">
-                <a:solidFill>
-                  <a:srgbClr val="FF0000"/>
-                </a:solidFill>
-              </a:rPr>
-              <a:t>(</a:t>
-            </a:r>
-            <a:r>
-              <a:rPr lang="en-US" altLang="ko-KR" dirty="0" err="1">
-                <a:solidFill>
-                  <a:srgbClr val="FF0000"/>
-                </a:solidFill>
-              </a:rPr>
-              <a:t>npm</a:t>
-            </a:r>
-            <a:r>
-              <a:rPr lang="en-US" altLang="ko-KR" dirty="0">
-                <a:solidFill>
-                  <a:srgbClr val="FF0000"/>
-                </a:solidFill>
-              </a:rPr>
-              <a:t> </a:t>
-            </a:r>
-            <a:r>
-              <a:rPr lang="ko-KR" altLang="en-US" dirty="0">
-                <a:solidFill>
-                  <a:srgbClr val="FF0000"/>
-                </a:solidFill>
-              </a:rPr>
-              <a:t>레지스트리</a:t>
-            </a:r>
-            <a:r>
-              <a:rPr lang="en-US" altLang="ko-KR" dirty="0">
-                <a:solidFill>
-                  <a:srgbClr val="FF0000"/>
-                </a:solidFill>
-              </a:rPr>
-              <a:t>)</a:t>
-            </a:r>
-            <a:r>
-              <a:rPr lang="ko-KR" altLang="en-US" dirty="0">
-                <a:solidFill>
-                  <a:srgbClr val="FF0000"/>
-                </a:solidFill>
-              </a:rPr>
-              <a:t>로 이루어져 있다</a:t>
-            </a:r>
-            <a:r>
-              <a:rPr lang="en-US" altLang="ko-KR" dirty="0">
-                <a:solidFill>
-                  <a:srgbClr val="FF0000"/>
-                </a:solidFill>
-              </a:rPr>
-              <a:t>. </a:t>
-            </a:r>
-            <a:endParaRPr lang="en-US" altLang="ko-KR" dirty="0" smtClean="0">
+              <a:t>생성</a:t>
+            </a:r>
+            <a:endParaRPr lang="en-US" altLang="ko-KR" sz="1400" dirty="0" smtClean="0">
               <a:solidFill>
                 <a:srgbClr val="FF0000"/>
               </a:solidFill>
             </a:endParaRPr>
           </a:p>
           <a:p>
-            <a:pPr marL="742950" lvl="1" indent="-285750" latinLnBrk="0">
+            <a:pPr marL="1200150" lvl="2" indent="-285750" latinLnBrk="0">
+              <a:lnSpc>
+                <a:spcPct val="150000"/>
+              </a:lnSpc>
+              <a:buFont typeface="Wingdings" panose="05000000000000000000" pitchFamily="2" charset="2"/>
+              <a:buChar char="ü"/>
+            </a:pPr>
+            <a:r>
+              <a:rPr lang="en-US" altLang="ko-KR" sz="1600" dirty="0" smtClean="0">
+                <a:solidFill>
+                  <a:srgbClr val="00B0F0"/>
+                </a:solidFill>
+              </a:rPr>
+              <a:t>main.js </a:t>
+            </a:r>
+            <a:r>
+              <a:rPr lang="ko-KR" altLang="en-US" sz="1600" dirty="0" smtClean="0">
+                <a:solidFill>
+                  <a:srgbClr val="00B0F0"/>
+                </a:solidFill>
+              </a:rPr>
+              <a:t>파일 생성</a:t>
+            </a:r>
+            <a:endParaRPr lang="en-US" altLang="ko-KR" sz="1600" dirty="0" smtClean="0">
+              <a:solidFill>
+                <a:srgbClr val="00B0F0"/>
+              </a:solidFill>
+            </a:endParaRPr>
+          </a:p>
+          <a:p>
+            <a:pPr lvl="2" latinLnBrk="0">
+              <a:lnSpc>
+                <a:spcPct val="150000"/>
+              </a:lnSpc>
+            </a:pPr>
+            <a:endParaRPr lang="en-US" altLang="ko-KR" sz="1600" dirty="0">
+              <a:solidFill>
+                <a:srgbClr val="00B0F0"/>
+              </a:solidFill>
+            </a:endParaRPr>
+          </a:p>
+          <a:p>
+            <a:pPr marL="1200150" lvl="2" indent="-285750" latinLnBrk="0">
               <a:lnSpc>
                 <a:spcPct val="150000"/>
               </a:lnSpc>
               <a:buFont typeface="Arial" panose="020B0604020202020204" pitchFamily="34" charset="0"/>
               <a:buChar char="•"/>
             </a:pPr>
-            <a:r>
-              <a:rPr lang="ko-KR" altLang="en-US" sz="1600" dirty="0" smtClean="0"/>
-              <a:t>이 </a:t>
-            </a:r>
-            <a:r>
-              <a:rPr lang="ko-KR" altLang="en-US" sz="1600" dirty="0"/>
-              <a:t>레지스트리는 클라이언트를 통해 접근되며 사용 가능한 패키지들은 </a:t>
-            </a:r>
-            <a:r>
-              <a:rPr lang="en-US" altLang="ko-KR" sz="1600" dirty="0" err="1"/>
-              <a:t>npm</a:t>
-            </a:r>
-            <a:r>
-              <a:rPr lang="en-US" altLang="ko-KR" sz="1600" dirty="0"/>
-              <a:t> </a:t>
-            </a:r>
-            <a:r>
-              <a:rPr lang="ko-KR" altLang="en-US" sz="1600" dirty="0"/>
-              <a:t>웹사이트를 통해 찾아보고 검색할 수 있다</a:t>
-            </a:r>
-            <a:r>
-              <a:rPr lang="en-US" altLang="ko-KR" sz="1600" dirty="0"/>
-              <a:t>. </a:t>
-            </a:r>
-            <a:r>
-              <a:rPr lang="ko-KR" altLang="en-US" sz="1600" dirty="0"/>
-              <a:t>패키지 관리자와 레지스트리는 </a:t>
-            </a:r>
-            <a:r>
-              <a:rPr lang="en-US" altLang="ko-KR" sz="1600" dirty="0" err="1"/>
-              <a:t>npm</a:t>
-            </a:r>
-            <a:r>
-              <a:rPr lang="ko-KR" altLang="en-US" sz="1600" dirty="0"/>
-              <a:t>사에 의해 관리된다</a:t>
-            </a:r>
-            <a:r>
-              <a:rPr lang="en-US" altLang="ko-KR" sz="1600" dirty="0" smtClean="0"/>
-              <a:t>.</a:t>
-            </a:r>
-            <a:endParaRPr lang="en-US" altLang="ko-KR" sz="1600" dirty="0" smtClean="0">
-              <a:solidFill>
-                <a:srgbClr val="FF0000"/>
-              </a:solidFill>
-            </a:endParaRPr>
+            <a:endParaRPr lang="en-US" altLang="ko-KR" sz="1600" dirty="0" smtClean="0"/>
           </a:p>
         </p:txBody>
       </p:sp>
     </p:spTree>
     <p:extLst>
       <p:ext uri="{BB962C8B-B14F-4D97-AF65-F5344CB8AC3E}">
-        <p14:creationId xmlns:p14="http://schemas.microsoft.com/office/powerpoint/2010/main" val="924941134"/>
+        <p14:creationId xmlns:p14="http://schemas.microsoft.com/office/powerpoint/2010/main" val="2508818240"/>
       </p:ext>
     </p:extLst>
   </p:cSld>
@@ -3033,7 +3288,7 @@
 </p:sld>
 </file>
 
-<file path=ppt/slides/slide3.xml><?xml version="1.0" encoding="utf-8"?>
+<file path=ppt/slides/slide11.xml><?xml version="1.0" encoding="utf-8"?>
 <p:sld xmlns:a="http://schemas.openxmlformats.org/drawingml/2006/main" xmlns:r="http://schemas.openxmlformats.org/officeDocument/2006/relationships" xmlns:p="http://schemas.openxmlformats.org/presentationml/2006/main">
   <p:cSld>
     <p:spTree>
@@ -3173,7 +3428,16 @@
                 </a:solidFill>
                 <a:latin typeface="+mn-ea"/>
               </a:rPr>
-              <a:t>절차</a:t>
+              <a:t>등록 </a:t>
+            </a:r>
+            <a:r>
+              <a:rPr lang="en-US" altLang="ko-KR" sz="2000" dirty="0" smtClean="0">
+                <a:solidFill>
+                  <a:srgbClr val="0000FF"/>
+                </a:solidFill>
+                <a:latin typeface="+mn-ea"/>
+              </a:rPr>
+              <a:t>(NPM Registry)</a:t>
             </a:r>
             <a:endParaRPr lang="en-US" altLang="ko-KR" sz="2000" dirty="0">
               <a:solidFill>
@@ -3191,50 +3455,21 @@
               <a:buChar char="•"/>
             </a:pPr>
             <a:r>
-              <a:rPr lang="ko-KR" altLang="en-US" sz="1600" dirty="0" smtClean="0"/>
-              <a:t>프로젝트 폴더 생성</a:t>
-            </a:r>
-            <a:endParaRPr lang="en-US" altLang="ko-KR" sz="1600" dirty="0" smtClean="0"/>
-          </a:p>
-          <a:p>
-            <a:pPr marL="1200150" lvl="2" indent="-285750" latinLnBrk="0">
-              <a:lnSpc>
-                <a:spcPct val="150000"/>
-              </a:lnSpc>
-              <a:buFont typeface="Wingdings" panose="05000000000000000000" pitchFamily="2" charset="2"/>
-              <a:buChar char="ü"/>
-            </a:pPr>
-            <a:r>
-              <a:rPr lang="en-US" altLang="ko-KR" sz="1600" dirty="0" err="1" smtClean="0"/>
-              <a:t>mkdir</a:t>
-            </a:r>
-            <a:r>
-              <a:rPr lang="en-US" altLang="ko-KR" sz="1600" dirty="0" smtClean="0"/>
-              <a:t> math</a:t>
-            </a:r>
-          </a:p>
-          <a:p>
-            <a:pPr marL="1200150" lvl="2" indent="-285750" latinLnBrk="0">
-              <a:lnSpc>
-                <a:spcPct val="150000"/>
-              </a:lnSpc>
-              <a:buFont typeface="Wingdings" panose="05000000000000000000" pitchFamily="2" charset="2"/>
-              <a:buChar char="ü"/>
-            </a:pPr>
-            <a:r>
-              <a:rPr lang="en-US" altLang="ko-KR" sz="1600" dirty="0" smtClean="0"/>
-              <a:t>code .</a:t>
-            </a:r>
-          </a:p>
-          <a:p>
-            <a:pPr marL="1200150" lvl="2" indent="-285750" latinLnBrk="0">
-              <a:lnSpc>
-                <a:spcPct val="150000"/>
-              </a:lnSpc>
-              <a:buFont typeface="Wingdings" panose="05000000000000000000" pitchFamily="2" charset="2"/>
-              <a:buChar char="ü"/>
-            </a:pPr>
-            <a:endParaRPr lang="en-US" altLang="ko-KR" sz="1600" dirty="0" smtClean="0"/>
+              <a:rPr lang="en-US" altLang="ko-KR" sz="1600" dirty="0" err="1">
+                <a:solidFill>
+                  <a:srgbClr val="00B0F0"/>
+                </a:solidFill>
+              </a:rPr>
+              <a:t>npm</a:t>
+            </a:r>
+            <a:r>
+              <a:rPr lang="en-US" altLang="ko-KR" sz="1600" dirty="0">
+                <a:solidFill>
+                  <a:srgbClr val="00B0F0"/>
+                </a:solidFill>
+              </a:rPr>
+              <a:t> login</a:t>
+            </a:r>
           </a:p>
           <a:p>
             <a:pPr marL="742950" lvl="1" indent="-285750" latinLnBrk="0">
@@ -3245,127 +3480,75 @@
               <a:buChar char="•"/>
             </a:pPr>
             <a:r>
+              <a:rPr lang="en-US" altLang="ko-KR" sz="1600" dirty="0" err="1">
+                <a:solidFill>
+                  <a:schemeClr val="tx1"/>
+                </a:solidFill>
+              </a:rPr>
+              <a:t>npm</a:t>
+            </a:r>
+            <a:r>
+              <a:rPr lang="en-US" altLang="ko-KR" sz="1600" dirty="0">
+                <a:solidFill>
+                  <a:schemeClr val="tx1"/>
+                </a:solidFill>
+              </a:rPr>
+              <a:t> info </a:t>
+            </a:r>
+            <a:r>
+              <a:rPr lang="en-US" altLang="ko-KR" sz="1600" dirty="0"/>
+              <a:t>@</a:t>
+            </a:r>
+            <a:r>
               <a:rPr lang="en-US" altLang="ko-KR" sz="1600" dirty="0" smtClean="0"/>
-              <a:t>NPM </a:t>
-            </a:r>
-            <a:r>
-              <a:rPr lang="ko-KR" altLang="en-US" sz="1600" dirty="0" smtClean="0"/>
-              <a:t>초기화</a:t>
-            </a:r>
-            <a:endParaRPr lang="en-US" altLang="ko-KR" sz="1600" dirty="0"/>
-          </a:p>
-          <a:p>
-            <a:pPr marL="1200150" lvl="2" indent="-285750" latinLnBrk="0">
-              <a:lnSpc>
-                <a:spcPct val="150000"/>
-              </a:lnSpc>
-              <a:buFont typeface="Wingdings" panose="05000000000000000000" pitchFamily="2" charset="2"/>
-              <a:buChar char="ü"/>
-            </a:pPr>
-            <a:r>
-              <a:rPr lang="en-US" altLang="ko-KR" sz="1600" dirty="0" err="1" smtClean="0">
-                <a:solidFill>
-                  <a:srgbClr val="00B0F0"/>
-                </a:solidFill>
-              </a:rPr>
-              <a:t>npm</a:t>
-            </a:r>
-            <a:r>
-              <a:rPr lang="en-US" altLang="ko-KR" sz="1600" dirty="0" smtClean="0">
-                <a:solidFill>
-                  <a:srgbClr val="00B0F0"/>
-                </a:solidFill>
-              </a:rPr>
-              <a:t> </a:t>
-            </a:r>
-            <a:r>
-              <a:rPr lang="en-US" altLang="ko-KR" sz="1600" dirty="0" err="1" smtClean="0">
-                <a:solidFill>
-                  <a:srgbClr val="00B0F0"/>
-                </a:solidFill>
-              </a:rPr>
-              <a:t>init</a:t>
-            </a:r>
-            <a:r>
-              <a:rPr lang="en-US" altLang="ko-KR" sz="1600" dirty="0" smtClean="0">
-                <a:solidFill>
-                  <a:srgbClr val="00B0F0"/>
-                </a:solidFill>
-              </a:rPr>
-              <a:t> </a:t>
-            </a:r>
-            <a:r>
-              <a:rPr lang="en-US" altLang="ko-KR" sz="1600" dirty="0" smtClean="0"/>
-              <a:t>or </a:t>
-            </a:r>
-            <a:r>
-              <a:rPr lang="en-US" altLang="ko-KR" sz="1600" dirty="0" err="1" smtClean="0">
-                <a:solidFill>
-                  <a:srgbClr val="00B0F0"/>
-                </a:solidFill>
-              </a:rPr>
-              <a:t>npm</a:t>
-            </a:r>
-            <a:r>
-              <a:rPr lang="en-US" altLang="ko-KR" sz="1600" dirty="0" smtClean="0">
-                <a:solidFill>
-                  <a:srgbClr val="00B0F0"/>
-                </a:solidFill>
-              </a:rPr>
-              <a:t> </a:t>
-            </a:r>
-            <a:r>
-              <a:rPr lang="en-US" altLang="ko-KR" sz="1600" dirty="0" err="1" smtClean="0">
-                <a:solidFill>
-                  <a:srgbClr val="00B0F0"/>
-                </a:solidFill>
-              </a:rPr>
-              <a:t>init</a:t>
-            </a:r>
-            <a:r>
-              <a:rPr lang="en-US" altLang="ko-KR" sz="1600" dirty="0" smtClean="0">
-                <a:solidFill>
-                  <a:srgbClr val="00B0F0"/>
-                </a:solidFill>
-              </a:rPr>
-              <a:t> –y</a:t>
-            </a:r>
-          </a:p>
-          <a:p>
-            <a:pPr marL="1200150" lvl="2" indent="-285750" latinLnBrk="0">
-              <a:lnSpc>
-                <a:spcPct val="150000"/>
-              </a:lnSpc>
-              <a:buFont typeface="Wingdings" panose="05000000000000000000" pitchFamily="2" charset="2"/>
-              <a:buChar char="ü"/>
-            </a:pPr>
-            <a:r>
-              <a:rPr lang="en-US" altLang="ko-KR" sz="1600" dirty="0" smtClean="0">
-                <a:solidFill>
-                  <a:srgbClr val="00B0F0"/>
-                </a:solidFill>
-              </a:rPr>
-              <a:t>main.js </a:t>
-            </a:r>
-            <a:r>
-              <a:rPr lang="ko-KR" altLang="en-US" sz="1600" dirty="0" smtClean="0">
-                <a:solidFill>
-                  <a:srgbClr val="00B0F0"/>
-                </a:solidFill>
-              </a:rPr>
-              <a:t>파일 생성</a:t>
-            </a:r>
-            <a:endParaRPr lang="en-US" altLang="ko-KR" sz="1600" dirty="0" smtClean="0">
+              <a:t>btjsh1235/sum</a:t>
+            </a:r>
+            <a:endParaRPr lang="en-US" altLang="ko-KR" sz="1600" dirty="0">
               <a:solidFill>
-                <a:srgbClr val="00B0F0"/>
+                <a:schemeClr val="tx1"/>
               </a:solidFill>
             </a:endParaRPr>
           </a:p>
           <a:p>
-            <a:pPr lvl="2" latinLnBrk="0">
-              <a:lnSpc>
-                <a:spcPct val="150000"/>
-              </a:lnSpc>
+            <a:pPr marL="742950" lvl="1" indent="-285750" latinLnBrk="0">
+              <a:lnSpc>
+                <a:spcPct val="150000"/>
+              </a:lnSpc>
+              <a:buFont typeface="Arial" panose="020B0604020202020204" pitchFamily="34" charset="0"/>
+              <a:buChar char="•"/>
+            </a:pPr>
+            <a:r>
+              <a:rPr lang="en-US" altLang="ko-KR" sz="1600" dirty="0" err="1">
+                <a:solidFill>
+                  <a:srgbClr val="00B0F0"/>
+                </a:solidFill>
+              </a:rPr>
+              <a:t>npm</a:t>
+            </a:r>
+            <a:r>
+              <a:rPr lang="en-US" altLang="ko-KR" sz="1600" dirty="0">
+                <a:solidFill>
+                  <a:srgbClr val="00B0F0"/>
+                </a:solidFill>
+              </a:rPr>
+              <a:t> publish --access </a:t>
+            </a:r>
+            <a:r>
+              <a:rPr lang="en-US" altLang="ko-KR" sz="1600" dirty="0" smtClean="0">
+                <a:solidFill>
+                  <a:srgbClr val="00B0F0"/>
+                </a:solidFill>
+              </a:rPr>
+              <a:t>public</a:t>
+            </a:r>
+          </a:p>
+          <a:p>
+            <a:pPr marL="742950" lvl="1" indent="-285750" latinLnBrk="0">
+              <a:lnSpc>
+                <a:spcPct val="150000"/>
+              </a:lnSpc>
+              <a:buFont typeface="Arial" panose="020B0604020202020204" pitchFamily="34" charset="0"/>
+              <a:buChar char="•"/>
             </a:pPr>
             <a:endParaRPr lang="en-US" altLang="ko-KR" sz="1600" dirty="0">
               <a:solidFill>
@@ -3374,6 +3557,421 @@
             </a:endParaRPr>
           </a:p>
           <a:p>
+            <a:pPr marL="285750" indent="-285750">
+              <a:lnSpc>
+                <a:spcPct val="150000"/>
+              </a:lnSpc>
+              <a:buFont typeface="Wingdings" panose="05000000000000000000" pitchFamily="2" charset="2"/>
+              <a:buChar char="Ø"/>
+            </a:pPr>
+            <a:r>
+              <a:rPr lang="ko-KR" altLang="en-US" sz="2000" dirty="0" smtClean="0">
+                <a:solidFill>
+                  <a:srgbClr val="0000FF"/>
+                </a:solidFill>
+                <a:latin typeface="+mn-ea"/>
+              </a:rPr>
+              <a:t>등록 </a:t>
+            </a:r>
+            <a:r>
+              <a:rPr lang="en-US" altLang="ko-KR" sz="2000" dirty="0">
+                <a:solidFill>
+                  <a:srgbClr val="0000FF"/>
+                </a:solidFill>
+                <a:latin typeface="+mn-ea"/>
+              </a:rPr>
+              <a:t>(NPM Registry)</a:t>
+            </a:r>
+          </a:p>
+          <a:p>
+            <a:pPr marL="742950" lvl="1" indent="-285750" latinLnBrk="0">
+              <a:lnSpc>
+                <a:spcPct val="150000"/>
+              </a:lnSpc>
+              <a:buFont typeface="Arial" panose="020B0604020202020204" pitchFamily="34" charset="0"/>
+              <a:buChar char="•"/>
+            </a:pPr>
+            <a:r>
+              <a:rPr lang="en-US" altLang="ko-KR" sz="1600" dirty="0" err="1" smtClean="0">
+                <a:solidFill>
+                  <a:schemeClr val="tx1"/>
+                </a:solidFill>
+              </a:rPr>
+              <a:t>npm</a:t>
+            </a:r>
+            <a:r>
+              <a:rPr lang="en-US" altLang="ko-KR" sz="1600" dirty="0" smtClean="0">
+                <a:solidFill>
+                  <a:schemeClr val="tx1"/>
+                </a:solidFill>
+              </a:rPr>
+              <a:t> </a:t>
+            </a:r>
+            <a:r>
+              <a:rPr lang="en-US" altLang="ko-KR" sz="1600" dirty="0">
+                <a:solidFill>
+                  <a:schemeClr val="tx1"/>
+                </a:solidFill>
+              </a:rPr>
+              <a:t>version patch</a:t>
+            </a:r>
+          </a:p>
+          <a:p>
+            <a:pPr marL="742950" lvl="1" indent="-285750" latinLnBrk="0">
+              <a:lnSpc>
+                <a:spcPct val="150000"/>
+              </a:lnSpc>
+              <a:buFont typeface="Arial" panose="020B0604020202020204" pitchFamily="34" charset="0"/>
+              <a:buChar char="•"/>
+            </a:pPr>
+            <a:r>
+              <a:rPr lang="en-US" altLang="ko-KR" sz="1600" dirty="0" err="1">
+                <a:solidFill>
+                  <a:schemeClr val="tx1"/>
+                </a:solidFill>
+              </a:rPr>
+              <a:t>npm</a:t>
+            </a:r>
+            <a:r>
+              <a:rPr lang="en-US" altLang="ko-KR" sz="1600" dirty="0">
+                <a:solidFill>
+                  <a:schemeClr val="tx1"/>
+                </a:solidFill>
+              </a:rPr>
+              <a:t> </a:t>
+            </a:r>
+            <a:r>
+              <a:rPr lang="en-US" altLang="ko-KR" sz="1600" dirty="0" smtClean="0">
+                <a:solidFill>
+                  <a:schemeClr val="tx1"/>
+                </a:solidFill>
+              </a:rPr>
+              <a:t>publish</a:t>
+            </a:r>
+          </a:p>
+          <a:p>
+            <a:pPr marL="742950" lvl="1" indent="-285750" latinLnBrk="0">
+              <a:lnSpc>
+                <a:spcPct val="150000"/>
+              </a:lnSpc>
+              <a:buFont typeface="Arial" panose="020B0604020202020204" pitchFamily="34" charset="0"/>
+              <a:buChar char="•"/>
+            </a:pPr>
+            <a:endParaRPr lang="en-US" altLang="ko-KR" sz="1600" dirty="0">
+              <a:solidFill>
+                <a:srgbClr val="00B0F0"/>
+              </a:solidFill>
+            </a:endParaRPr>
+          </a:p>
+          <a:p>
+            <a:pPr marL="285750" indent="-285750">
+              <a:lnSpc>
+                <a:spcPct val="150000"/>
+              </a:lnSpc>
+              <a:buFont typeface="Wingdings" panose="05000000000000000000" pitchFamily="2" charset="2"/>
+              <a:buChar char="Ø"/>
+            </a:pPr>
+            <a:r>
+              <a:rPr lang="ko-KR" altLang="en-US" sz="2000" dirty="0" smtClean="0">
+                <a:solidFill>
+                  <a:srgbClr val="0000FF"/>
+                </a:solidFill>
+                <a:latin typeface="+mn-ea"/>
+              </a:rPr>
+              <a:t>삭제 </a:t>
+            </a:r>
+            <a:r>
+              <a:rPr lang="en-US" altLang="ko-KR" sz="2000" dirty="0">
+                <a:solidFill>
+                  <a:srgbClr val="0000FF"/>
+                </a:solidFill>
+                <a:latin typeface="+mn-ea"/>
+              </a:rPr>
+              <a:t>(NPM Registry)</a:t>
+            </a:r>
+          </a:p>
+          <a:p>
+            <a:pPr marL="742950" lvl="1" indent="-285750" latinLnBrk="0">
+              <a:lnSpc>
+                <a:spcPct val="150000"/>
+              </a:lnSpc>
+              <a:buFont typeface="Arial" panose="020B0604020202020204" pitchFamily="34" charset="0"/>
+              <a:buChar char="•"/>
+            </a:pPr>
+            <a:r>
+              <a:rPr lang="ko-KR" altLang="en-US" sz="1600" dirty="0" smtClean="0">
+                <a:solidFill>
+                  <a:schemeClr val="tx1"/>
+                </a:solidFill>
+              </a:rPr>
+              <a:t>특정 </a:t>
+            </a:r>
+            <a:r>
+              <a:rPr lang="ko-KR" altLang="en-US" sz="1600" dirty="0">
+                <a:solidFill>
+                  <a:schemeClr val="tx1"/>
+                </a:solidFill>
+              </a:rPr>
+              <a:t>버전 </a:t>
+            </a:r>
+            <a:r>
+              <a:rPr lang="ko-KR" altLang="en-US" sz="1600" dirty="0" smtClean="0">
+                <a:solidFill>
+                  <a:schemeClr val="tx1"/>
+                </a:solidFill>
+              </a:rPr>
+              <a:t>삭제 </a:t>
+            </a:r>
+            <a:r>
+              <a:rPr lang="en-US" altLang="ko-KR" sz="1600" dirty="0" smtClean="0">
+                <a:solidFill>
+                  <a:schemeClr val="tx1"/>
+                </a:solidFill>
+              </a:rPr>
+              <a:t>: </a:t>
+            </a:r>
+            <a:r>
+              <a:rPr lang="en-US" altLang="ko-KR" sz="1600" dirty="0" err="1">
+                <a:solidFill>
+                  <a:schemeClr val="tx1"/>
+                </a:solidFill>
+              </a:rPr>
+              <a:t>npm</a:t>
+            </a:r>
+            <a:r>
+              <a:rPr lang="en-US" altLang="ko-KR" sz="1600" dirty="0">
+                <a:solidFill>
+                  <a:schemeClr val="tx1"/>
+                </a:solidFill>
+              </a:rPr>
+              <a:t> </a:t>
+            </a:r>
+            <a:r>
+              <a:rPr lang="en-US" altLang="ko-KR" sz="1600" dirty="0" err="1">
+                <a:solidFill>
+                  <a:schemeClr val="tx1"/>
+                </a:solidFill>
+              </a:rPr>
+              <a:t>unpublish</a:t>
+            </a:r>
+            <a:r>
+              <a:rPr lang="en-US" altLang="ko-KR" sz="1600" dirty="0">
+                <a:solidFill>
+                  <a:schemeClr val="tx1"/>
+                </a:solidFill>
+              </a:rPr>
+              <a:t> </a:t>
+            </a:r>
+            <a:r>
+              <a:rPr lang="en-US" altLang="ko-KR" sz="1600" dirty="0"/>
+              <a:t>@</a:t>
+            </a:r>
+            <a:r>
+              <a:rPr lang="en-US" altLang="ko-KR" sz="1600" dirty="0" smtClean="0"/>
+              <a:t>btjsh1235/sum</a:t>
+            </a:r>
+            <a:r>
+              <a:rPr lang="en-US" altLang="ko-KR" sz="1600" dirty="0" smtClean="0">
+                <a:solidFill>
+                  <a:schemeClr val="tx1"/>
+                </a:solidFill>
+              </a:rPr>
+              <a:t>@1.0.0</a:t>
+            </a:r>
+            <a:endParaRPr lang="en-US" altLang="ko-KR" sz="1600" dirty="0" smtClean="0">
+              <a:solidFill>
+                <a:schemeClr val="tx1"/>
+              </a:solidFill>
+            </a:endParaRPr>
+          </a:p>
+          <a:p>
+            <a:pPr marL="742950" lvl="1" indent="-285750" latinLnBrk="0">
+              <a:lnSpc>
+                <a:spcPct val="150000"/>
+              </a:lnSpc>
+              <a:buFont typeface="Arial" panose="020B0604020202020204" pitchFamily="34" charset="0"/>
+              <a:buChar char="•"/>
+            </a:pPr>
+            <a:r>
+              <a:rPr lang="ko-KR" altLang="en-US" sz="1600" dirty="0">
+                <a:solidFill>
+                  <a:schemeClr val="tx1"/>
+                </a:solidFill>
+              </a:rPr>
+              <a:t>전체 </a:t>
+            </a:r>
+            <a:r>
+              <a:rPr lang="ko-KR" altLang="en-US" sz="1600" dirty="0" smtClean="0">
+                <a:solidFill>
+                  <a:schemeClr val="tx1"/>
+                </a:solidFill>
+              </a:rPr>
+              <a:t>삭제</a:t>
+            </a:r>
+            <a:r>
+              <a:rPr lang="en-US" altLang="ko-KR" sz="1600" dirty="0" smtClean="0">
+                <a:solidFill>
+                  <a:schemeClr val="tx1"/>
+                </a:solidFill>
+              </a:rPr>
+              <a:t> : </a:t>
+            </a:r>
+            <a:r>
+              <a:rPr lang="en-US" altLang="ko-KR" sz="1600" dirty="0" err="1" smtClean="0">
+                <a:solidFill>
+                  <a:schemeClr val="tx1"/>
+                </a:solidFill>
+              </a:rPr>
+              <a:t>npm</a:t>
+            </a:r>
+            <a:r>
+              <a:rPr lang="en-US" altLang="ko-KR" sz="1600" dirty="0" smtClean="0">
+                <a:solidFill>
+                  <a:schemeClr val="tx1"/>
+                </a:solidFill>
+              </a:rPr>
+              <a:t> </a:t>
+            </a:r>
+            <a:r>
+              <a:rPr lang="en-US" altLang="ko-KR" sz="1600" dirty="0" err="1" smtClean="0">
+                <a:solidFill>
+                  <a:schemeClr val="tx1"/>
+                </a:solidFill>
+              </a:rPr>
+              <a:t>unpublish</a:t>
+            </a:r>
+            <a:r>
+              <a:rPr lang="en-US" altLang="ko-KR" sz="1600" dirty="0" smtClean="0">
+                <a:solidFill>
+                  <a:schemeClr val="tx1"/>
+                </a:solidFill>
+              </a:rPr>
+              <a:t> </a:t>
+            </a:r>
+            <a:r>
+              <a:rPr lang="en-US" altLang="ko-KR" sz="1600" dirty="0"/>
+              <a:t>@btjsh1235/sum</a:t>
+            </a:r>
+            <a:r>
+              <a:rPr lang="en-US" altLang="ko-KR" sz="1600" dirty="0" smtClean="0">
+                <a:solidFill>
+                  <a:schemeClr val="tx1"/>
+                </a:solidFill>
+              </a:rPr>
+              <a:t> </a:t>
+            </a:r>
+            <a:r>
+              <a:rPr lang="en-US" altLang="ko-KR" sz="1600" dirty="0">
+                <a:solidFill>
+                  <a:schemeClr val="tx1"/>
+                </a:solidFill>
+              </a:rPr>
+              <a:t>-</a:t>
+            </a:r>
+            <a:r>
+              <a:rPr lang="en-US" altLang="ko-KR" sz="1600" dirty="0" err="1">
+                <a:solidFill>
+                  <a:schemeClr val="tx1"/>
+                </a:solidFill>
+              </a:rPr>
+              <a:t>npm</a:t>
+            </a:r>
+            <a:r>
+              <a:rPr lang="en-US" altLang="ko-KR" sz="1600" dirty="0">
+                <a:solidFill>
+                  <a:schemeClr val="tx1"/>
+                </a:solidFill>
+              </a:rPr>
+              <a:t> </a:t>
+            </a:r>
+            <a:r>
+              <a:rPr lang="en-US" altLang="ko-KR" sz="1600" dirty="0" smtClean="0">
+                <a:solidFill>
+                  <a:schemeClr val="tx1"/>
+                </a:solidFill>
+              </a:rPr>
+              <a:t>-</a:t>
+            </a:r>
+            <a:r>
+              <a:rPr lang="en-US" altLang="ko-KR" sz="1600" dirty="0" smtClean="0">
+                <a:solidFill>
+                  <a:schemeClr val="tx1"/>
+                </a:solidFill>
+              </a:rPr>
+              <a:t>f</a:t>
+            </a:r>
+          </a:p>
+          <a:p>
+            <a:pPr marL="742950" lvl="1" indent="-285750" latinLnBrk="0">
+              <a:lnSpc>
+                <a:spcPct val="150000"/>
+              </a:lnSpc>
+              <a:buFont typeface="Arial" panose="020B0604020202020204" pitchFamily="34" charset="0"/>
+              <a:buChar char="•"/>
+            </a:pPr>
+            <a:r>
+              <a:rPr lang="en-US" altLang="ko-KR" sz="1600" dirty="0" err="1">
+                <a:solidFill>
+                  <a:srgbClr val="FF0000"/>
+                </a:solidFill>
+              </a:rPr>
+              <a:t>unpublish</a:t>
+            </a:r>
+            <a:r>
+              <a:rPr lang="ko-KR" altLang="en-US" sz="1600" dirty="0">
+                <a:solidFill>
+                  <a:srgbClr val="FF0000"/>
+                </a:solidFill>
+              </a:rPr>
+              <a:t>하면 </a:t>
+            </a:r>
+            <a:r>
+              <a:rPr lang="en-US" altLang="ko-KR" sz="1600" dirty="0">
+                <a:solidFill>
+                  <a:srgbClr val="FF0000"/>
+                </a:solidFill>
+              </a:rPr>
+              <a:t>24</a:t>
+            </a:r>
+            <a:r>
+              <a:rPr lang="ko-KR" altLang="en-US" sz="1600" dirty="0">
+                <a:solidFill>
+                  <a:srgbClr val="FF0000"/>
+                </a:solidFill>
+              </a:rPr>
+              <a:t>시간 동안 동일한 이름의 패키지를 </a:t>
+            </a:r>
+            <a:r>
+              <a:rPr lang="en-US" altLang="ko-KR" sz="1600" dirty="0">
+                <a:solidFill>
+                  <a:srgbClr val="FF0000"/>
+                </a:solidFill>
+              </a:rPr>
+              <a:t>publish </a:t>
+            </a:r>
+            <a:r>
+              <a:rPr lang="ko-KR" altLang="en-US" sz="1600" dirty="0">
+                <a:solidFill>
+                  <a:srgbClr val="FF0000"/>
+                </a:solidFill>
+              </a:rPr>
+              <a:t>할 수 없다</a:t>
+            </a:r>
+            <a:r>
+              <a:rPr lang="en-US" altLang="ko-KR" sz="1600" dirty="0">
+                <a:solidFill>
+                  <a:srgbClr val="FF0000"/>
+                </a:solidFill>
+              </a:rPr>
+              <a:t>.</a:t>
+            </a:r>
+            <a:endParaRPr lang="en-US" altLang="ko-KR" sz="1600" dirty="0">
+              <a:solidFill>
+                <a:srgbClr val="FF0000"/>
+              </a:solidFill>
+            </a:endParaRPr>
+          </a:p>
+          <a:p>
             <a:pPr marL="1200150" lvl="2" indent="-285750" latinLnBrk="0">
               <a:lnSpc>
                 <a:spcPct val="150000"/>
@@ -3388,7 +3986,7 @@
     </p:spTree>
     <p:extLst>
       <p:ext uri="{BB962C8B-B14F-4D97-AF65-F5344CB8AC3E}">
-        <p14:creationId xmlns:p14="http://schemas.microsoft.com/office/powerpoint/2010/main" val="2508818240"/>
+        <p14:creationId xmlns:p14="http://schemas.microsoft.com/office/powerpoint/2010/main" val="1968855529"/>
       </p:ext>
     </p:extLst>
   </p:cSld>
@@ -3405,7 +4003,7 @@
 </p:sld>
 </file>
 
-<file path=ppt/slides/slide4.xml><?xml version="1.0" encoding="utf-8"?>
+<file path=ppt/slides/slide12.xml><?xml version="1.0" encoding="utf-8"?>
 <p:sld xmlns:a="http://schemas.openxmlformats.org/drawingml/2006/main" xmlns:r="http://schemas.openxmlformats.org/officeDocument/2006/relationships" xmlns:p="http://schemas.openxmlformats.org/presentationml/2006/main">
   <p:cSld>
     <p:spTree>
@@ -3449,14 +4047,14 @@
                 <a:latin typeface="HY헤드라인M" pitchFamily="18" charset="-127"/>
                 <a:ea typeface="HY헤드라인M" pitchFamily="18" charset="-127"/>
               </a:rPr>
-              <a:t>NPM Package </a:t>
+              <a:t>NPM </a:t>
             </a:r>
             <a:r>
               <a:rPr lang="ko-KR" altLang="en-US" sz="2400" dirty="0" smtClean="0">
                 <a:latin typeface="HY헤드라인M" pitchFamily="18" charset="-127"/>
                 <a:ea typeface="HY헤드라인M" pitchFamily="18" charset="-127"/>
               </a:rPr>
-              <a:t>업데이트</a:t>
+              <a:t>모듈 사용하기</a:t>
             </a:r>
             <a:endParaRPr lang="ko-KR" altLang="en-US" sz="2400" dirty="0">
               <a:latin typeface="HY헤드라인M" pitchFamily="18" charset="-127"/>
@@ -3545,7 +4143,7 @@
                 </a:solidFill>
                 <a:latin typeface="+mn-ea"/>
               </a:rPr>
-              <a:t>명령어</a:t>
+              <a:t>설치</a:t>
             </a:r>
             <a:endParaRPr lang="en-US" altLang="ko-KR" sz="2000" dirty="0">
               <a:solidFill>
@@ -3563,26 +4161,37 @@
               <a:buChar char="•"/>
             </a:pPr>
             <a:r>
-              <a:rPr lang="en-US" altLang="ko-KR" sz="1400" dirty="0" err="1"/>
+              <a:rPr lang="ko-KR" altLang="en-US" sz="1600" dirty="0" smtClean="0">
+                <a:solidFill>
+                  <a:schemeClr val="tx1"/>
+                </a:solidFill>
+              </a:rPr>
+              <a:t>전역 설치 </a:t>
+            </a:r>
+            <a:r>
+              <a:rPr lang="en-US" altLang="ko-KR" sz="1600" dirty="0">
+                <a:solidFill>
+                  <a:schemeClr val="tx1"/>
+                </a:solidFill>
+              </a:rPr>
+              <a:t>: </a:t>
+            </a:r>
+            <a:r>
+              <a:rPr lang="en-US" altLang="ko-KR" sz="1600" dirty="0" err="1">
+                <a:solidFill>
+                  <a:schemeClr val="tx1"/>
+                </a:solidFill>
+              </a:rPr>
               <a:t>npm</a:t>
             </a:r>
             <a:r>
-              <a:rPr lang="en-US" altLang="ko-KR" sz="1400" dirty="0"/>
-              <a:t> install -g </a:t>
-            </a:r>
-            <a:r>
-              <a:rPr lang="en-US" altLang="ko-KR" sz="1400" dirty="0" err="1" smtClean="0"/>
-              <a:t>npm</a:t>
-            </a:r>
-            <a:r>
-              <a:rPr lang="en-US" altLang="ko-KR" sz="1400" dirty="0" smtClean="0"/>
-              <a:t>-check-update : </a:t>
-            </a:r>
-            <a:r>
-              <a:rPr lang="ko-KR" altLang="en-US" sz="1400" dirty="0" smtClean="0"/>
-              <a:t>전역적으로 업데이트 수행</a:t>
-            </a:r>
-            <a:endParaRPr lang="en-US" altLang="ko-KR" sz="1400" dirty="0" smtClean="0"/>
+              <a:rPr lang="en-US" altLang="ko-KR" sz="1600" dirty="0">
+                <a:solidFill>
+                  <a:schemeClr val="tx1"/>
+                </a:solidFill>
+              </a:rPr>
+              <a:t> install -g @jsh-1235/math</a:t>
+            </a:r>
           </a:p>
           <a:p>
             <a:pPr marL="742950" lvl="1" indent="-285750" latinLnBrk="0">
@@ -3593,202 +4202,61 @@
               <a:buChar char="•"/>
             </a:pPr>
             <a:r>
-              <a:rPr lang="en-US" altLang="ko-KR" sz="1400" dirty="0" err="1">
-                <a:solidFill>
-                  <a:srgbClr val="FF0000"/>
-                </a:solidFill>
-              </a:rPr>
-              <a:t>ncu</a:t>
-            </a:r>
-            <a:r>
-              <a:rPr lang="en-US" altLang="ko-KR" sz="1400" dirty="0">
-                <a:solidFill>
-                  <a:srgbClr val="FF0000"/>
-                </a:solidFill>
-              </a:rPr>
-              <a:t> </a:t>
-            </a:r>
-            <a:r>
-              <a:rPr lang="en-US" altLang="ko-KR" sz="1400" dirty="0" smtClean="0">
-                <a:solidFill>
-                  <a:srgbClr val="FF0000"/>
-                </a:solidFill>
-              </a:rPr>
-              <a:t>–u : </a:t>
-            </a:r>
-            <a:r>
-              <a:rPr lang="ko-KR" altLang="en-US" sz="1400" dirty="0" smtClean="0">
-                <a:solidFill>
-                  <a:srgbClr val="FF0000"/>
-                </a:solidFill>
-              </a:rPr>
-              <a:t>업데이트 항목 표시</a:t>
-            </a:r>
-            <a:endParaRPr lang="en-US" altLang="ko-KR" sz="1400" dirty="0" smtClean="0">
+              <a:rPr lang="ko-KR" altLang="en-US" sz="1600" dirty="0" smtClean="0">
+                <a:solidFill>
+                  <a:schemeClr val="tx1"/>
+                </a:solidFill>
+              </a:rPr>
+              <a:t>로컬 설치 </a:t>
+            </a:r>
+            <a:r>
+              <a:rPr lang="en-US" altLang="ko-KR" sz="1600" dirty="0">
+                <a:solidFill>
+                  <a:schemeClr val="tx1"/>
+                </a:solidFill>
+              </a:rPr>
+              <a:t>: </a:t>
+            </a:r>
+            <a:r>
+              <a:rPr lang="en-US" altLang="ko-KR" sz="1600" dirty="0" err="1">
+                <a:solidFill>
+                  <a:schemeClr val="tx1"/>
+                </a:solidFill>
+              </a:rPr>
+              <a:t>npm</a:t>
+            </a:r>
+            <a:r>
+              <a:rPr lang="en-US" altLang="ko-KR" sz="1600" dirty="0">
+                <a:solidFill>
+                  <a:schemeClr val="tx1"/>
+                </a:solidFill>
+              </a:rPr>
+              <a:t> install </a:t>
+            </a:r>
+            <a:r>
+              <a:rPr lang="en-US" altLang="ko-KR" sz="1600" dirty="0" smtClean="0">
+                <a:solidFill>
+                  <a:schemeClr val="tx1"/>
+                </a:solidFill>
+              </a:rPr>
+              <a:t>@jsh-1235/math --save</a:t>
+            </a:r>
+          </a:p>
+          <a:p>
+            <a:pPr marL="742950" lvl="1" indent="-285750" latinLnBrk="0">
+              <a:lnSpc>
+                <a:spcPct val="150000"/>
+              </a:lnSpc>
+              <a:buFont typeface="Arial" panose="020B0604020202020204" pitchFamily="34" charset="0"/>
+              <a:buChar char="•"/>
+            </a:pPr>
+            <a:endParaRPr lang="en-US" altLang="ko-KR" sz="1600" dirty="0">
               <a:solidFill>
-                <a:srgbClr val="FF0000"/>
+                <a:srgbClr val="00B0F0"/>
               </a:solidFill>
             </a:endParaRPr>
           </a:p>
           <a:p>
-            <a:pPr marL="742950" lvl="1" indent="-285750" latinLnBrk="0">
-              <a:lnSpc>
-                <a:spcPct val="150000"/>
-              </a:lnSpc>
-              <a:buFont typeface="Arial" panose="020B0604020202020204" pitchFamily="34" charset="0"/>
-              <a:buChar char="•"/>
-            </a:pPr>
-            <a:r>
-              <a:rPr lang="en-US" altLang="ko-KR" sz="1400" dirty="0" err="1" smtClean="0">
-                <a:solidFill>
-                  <a:srgbClr val="FF0000"/>
-                </a:solidFill>
-              </a:rPr>
-              <a:t>npm</a:t>
-            </a:r>
-            <a:r>
-              <a:rPr lang="en-US" altLang="ko-KR" sz="1400" dirty="0" smtClean="0">
-                <a:solidFill>
-                  <a:srgbClr val="FF0000"/>
-                </a:solidFill>
-              </a:rPr>
-              <a:t> </a:t>
-            </a:r>
-            <a:r>
-              <a:rPr lang="en-US" altLang="ko-KR" sz="1400" dirty="0">
-                <a:solidFill>
-                  <a:srgbClr val="FF0000"/>
-                </a:solidFill>
-              </a:rPr>
-              <a:t>install </a:t>
-            </a:r>
-            <a:r>
-              <a:rPr lang="en-US" altLang="ko-KR" sz="1400" dirty="0" smtClean="0">
-                <a:solidFill>
-                  <a:srgbClr val="FF0000"/>
-                </a:solidFill>
-              </a:rPr>
-              <a:t> : </a:t>
-            </a:r>
-            <a:r>
-              <a:rPr lang="ko-KR" altLang="en-US" sz="1400" dirty="0" smtClean="0">
-                <a:solidFill>
-                  <a:srgbClr val="FF0000"/>
-                </a:solidFill>
-              </a:rPr>
-              <a:t>실제 업데이트 수행</a:t>
-            </a:r>
-            <a:endParaRPr lang="en-US" altLang="ko-KR" sz="1400" dirty="0" smtClean="0">
-              <a:solidFill>
-                <a:srgbClr val="FF0000"/>
-              </a:solidFill>
-            </a:endParaRPr>
-          </a:p>
-          <a:p>
-            <a:pPr marL="742950" lvl="1" indent="-285750" latinLnBrk="0">
-              <a:lnSpc>
-                <a:spcPct val="150000"/>
-              </a:lnSpc>
-              <a:buFont typeface="Arial" panose="020B0604020202020204" pitchFamily="34" charset="0"/>
-              <a:buChar char="•"/>
-            </a:pPr>
-            <a:r>
-              <a:rPr lang="en-US" altLang="ko-KR" sz="1400" dirty="0" err="1">
-                <a:solidFill>
-                  <a:srgbClr val="FF0000"/>
-                </a:solidFill>
-              </a:rPr>
-              <a:t>npx</a:t>
-            </a:r>
-            <a:r>
-              <a:rPr lang="en-US" altLang="ko-KR" sz="1400" dirty="0">
-                <a:solidFill>
-                  <a:srgbClr val="FF0000"/>
-                </a:solidFill>
-              </a:rPr>
-              <a:t> </a:t>
-            </a:r>
-            <a:r>
-              <a:rPr lang="en-US" altLang="ko-KR" sz="1400" dirty="0" err="1">
-                <a:solidFill>
-                  <a:srgbClr val="FF0000"/>
-                </a:solidFill>
-              </a:rPr>
-              <a:t>npm</a:t>
-            </a:r>
-            <a:r>
-              <a:rPr lang="en-US" altLang="ko-KR" sz="1400" dirty="0">
-                <a:solidFill>
-                  <a:srgbClr val="FF0000"/>
-                </a:solidFill>
-              </a:rPr>
-              <a:t>-check-updates</a:t>
-            </a:r>
-          </a:p>
-          <a:p>
-            <a:pPr marL="742950" lvl="1" indent="-285750" latinLnBrk="0">
-              <a:lnSpc>
-                <a:spcPct val="150000"/>
-              </a:lnSpc>
-              <a:buFont typeface="Arial" panose="020B0604020202020204" pitchFamily="34" charset="0"/>
-              <a:buChar char="•"/>
-            </a:pPr>
-            <a:r>
-              <a:rPr lang="en-US" altLang="ko-KR" sz="1400" dirty="0" err="1">
-                <a:solidFill>
-                  <a:srgbClr val="FF0000"/>
-                </a:solidFill>
-              </a:rPr>
-              <a:t>npx</a:t>
-            </a:r>
-            <a:r>
-              <a:rPr lang="en-US" altLang="ko-KR" sz="1400" dirty="0">
-                <a:solidFill>
-                  <a:srgbClr val="FF0000"/>
-                </a:solidFill>
-              </a:rPr>
-              <a:t> </a:t>
-            </a:r>
-            <a:r>
-              <a:rPr lang="en-US" altLang="ko-KR" sz="1400" dirty="0" err="1">
-                <a:solidFill>
-                  <a:srgbClr val="FF0000"/>
-                </a:solidFill>
-              </a:rPr>
-              <a:t>npm</a:t>
-            </a:r>
-            <a:r>
-              <a:rPr lang="en-US" altLang="ko-KR" sz="1400" dirty="0">
-                <a:solidFill>
-                  <a:srgbClr val="FF0000"/>
-                </a:solidFill>
-              </a:rPr>
-              <a:t>-check-updates -</a:t>
-            </a:r>
-            <a:r>
-              <a:rPr lang="en-US" altLang="ko-KR" sz="1400" dirty="0" smtClean="0">
-                <a:solidFill>
-                  <a:srgbClr val="FF0000"/>
-                </a:solidFill>
-              </a:rPr>
-              <a:t>u</a:t>
-            </a:r>
-          </a:p>
-          <a:p>
-            <a:pPr marL="742950" lvl="1" indent="-285750" latinLnBrk="0">
-              <a:lnSpc>
-                <a:spcPct val="150000"/>
-              </a:lnSpc>
-              <a:buFont typeface="Arial" panose="020B0604020202020204" pitchFamily="34" charset="0"/>
-              <a:buChar char="•"/>
-            </a:pPr>
-            <a:endParaRPr lang="en-US" altLang="ko-KR" sz="1400" dirty="0">
-              <a:solidFill>
-                <a:srgbClr val="FF0000"/>
-              </a:solidFill>
-            </a:endParaRPr>
-          </a:p>
-          <a:p>
             <a:pPr marL="285750" indent="-285750">
               <a:lnSpc>
                 <a:spcPct val="150000"/>
@@ -3797,13 +4265,13 @@
               <a:buChar char="Ø"/>
             </a:pPr>
             <a:r>
-              <a:rPr lang="en-US" altLang="ko-KR" sz="2000" dirty="0" smtClean="0">
+              <a:rPr lang="en-US" altLang="ko-KR" sz="2000" dirty="0">
                 <a:solidFill>
                   <a:srgbClr val="0000FF"/>
                 </a:solidFill>
                 <a:latin typeface="+mn-ea"/>
               </a:rPr>
-              <a:t>Dependencies </a:t>
+              <a:t> </a:t>
             </a:r>
             <a:r>
               <a:rPr lang="ko-KR" altLang="en-US" sz="2000" dirty="0" smtClean="0">
@@ -3812,7 +4280,7 @@
                 </a:solidFill>
                 <a:latin typeface="+mn-ea"/>
               </a:rPr>
-              <a:t>목록 자동 설치</a:t>
+              <a:t>업데이트</a:t>
             </a:r>
             <a:endParaRPr lang="en-US" altLang="ko-KR" sz="2000" dirty="0">
               <a:solidFill>
@@ -3830,9 +4298,25 @@
               <a:buChar char="•"/>
             </a:pPr>
             <a:r>
+              <a:rPr lang="ko-KR" altLang="en-US" sz="1600" dirty="0">
+                <a:solidFill>
+                  <a:schemeClr val="tx1"/>
+                </a:solidFill>
+              </a:rPr>
+              <a:t>전역 삭제 </a:t>
+            </a:r>
+            <a:r>
+              <a:rPr lang="en-US" altLang="ko-KR" sz="1600" dirty="0">
+                <a:solidFill>
+                  <a:schemeClr val="tx1"/>
+                </a:solidFill>
+              </a:rPr>
+              <a:t>: </a:t>
+            </a:r>
+            <a:r>
               <a:rPr lang="en-US" altLang="ko-KR" sz="1600" dirty="0" err="1">
                 <a:solidFill>
-                  <a:srgbClr val="FF0000"/>
+                  <a:schemeClr val="tx1"/>
                 </a:solidFill>
               </a:rPr>
               <a:t>npm</a:t>
@@ -3840,22 +4324,22 @@
             <a:r>
               <a:rPr lang="en-US" altLang="ko-KR" sz="1600" dirty="0">
                 <a:solidFill>
-                  <a:srgbClr val="FF0000"/>
-                </a:solidFill>
-              </a:rPr>
-              <a:t> install </a:t>
-            </a:r>
-            <a:r>
-              <a:rPr lang="en-US" altLang="ko-KR" sz="1600" dirty="0" err="1" smtClean="0">
-                <a:solidFill>
-                  <a:srgbClr val="FF0000"/>
-                </a:solidFill>
-              </a:rPr>
-              <a:t>package.json</a:t>
-            </a:r>
-            <a:endParaRPr lang="en-US" altLang="ko-KR" sz="1600" dirty="0" smtClean="0">
+                  <a:schemeClr val="tx1"/>
+                </a:solidFill>
+              </a:rPr>
+              <a:t> </a:t>
+            </a:r>
+            <a:r>
+              <a:rPr lang="en-US" altLang="ko-KR" sz="1600" dirty="0" smtClean="0">
+                <a:solidFill>
+                  <a:schemeClr val="tx1"/>
+                </a:solidFill>
+              </a:rPr>
+              <a:t>update @jsh-1235/math -g</a:t>
+            </a:r>
+            <a:endParaRPr lang="en-US" altLang="ko-KR" sz="1600" dirty="0">
               <a:solidFill>
-                <a:srgbClr val="FF0000"/>
+                <a:schemeClr val="tx1"/>
               </a:solidFill>
             </a:endParaRPr>
           </a:p>
@@ -3867,9 +4351,74 @@
               <a:buFont typeface="Arial" panose="020B0604020202020204" pitchFamily="34" charset="0"/>
               <a:buChar char="•"/>
             </a:pPr>
+            <a:r>
+              <a:rPr lang="ko-KR" altLang="en-US" sz="1600" dirty="0">
+                <a:solidFill>
+                  <a:schemeClr val="tx1"/>
+                </a:solidFill>
+              </a:rPr>
+              <a:t>로컬 삭제 </a:t>
+            </a:r>
+            <a:r>
+              <a:rPr lang="en-US" altLang="ko-KR" sz="1600" dirty="0">
+                <a:solidFill>
+                  <a:schemeClr val="tx1"/>
+                </a:solidFill>
+              </a:rPr>
+              <a:t>: </a:t>
+            </a:r>
+            <a:r>
+              <a:rPr lang="en-US" altLang="ko-KR" sz="1600" dirty="0" err="1">
+                <a:solidFill>
+                  <a:schemeClr val="tx1"/>
+                </a:solidFill>
+              </a:rPr>
+              <a:t>npm</a:t>
+            </a:r>
+            <a:r>
+              <a:rPr lang="en-US" altLang="ko-KR" sz="1600" dirty="0">
+                <a:solidFill>
+                  <a:schemeClr val="tx1"/>
+                </a:solidFill>
+              </a:rPr>
+              <a:t> </a:t>
+            </a:r>
+            <a:r>
+              <a:rPr lang="en-US" altLang="ko-KR" sz="1600" dirty="0" smtClean="0">
+                <a:solidFill>
+                  <a:schemeClr val="tx1"/>
+                </a:solidFill>
+              </a:rPr>
+              <a:t>update </a:t>
+            </a:r>
+            <a:r>
+              <a:rPr lang="en-US" altLang="ko-KR" sz="1600" dirty="0">
+                <a:solidFill>
+                  <a:schemeClr val="tx1"/>
+                </a:solidFill>
+              </a:rPr>
+              <a:t>@</a:t>
+            </a:r>
+            <a:r>
+              <a:rPr lang="en-US" altLang="ko-KR" sz="1600" dirty="0" smtClean="0">
+                <a:solidFill>
+                  <a:schemeClr val="tx1"/>
+                </a:solidFill>
+              </a:rPr>
+              <a:t>jsh-1235/math</a:t>
+            </a:r>
+          </a:p>
+          <a:p>
+            <a:pPr marL="742950" lvl="1" indent="-285750" latinLnBrk="0">
+              <a:lnSpc>
+                <a:spcPct val="150000"/>
+              </a:lnSpc>
+              <a:buFont typeface="Arial" panose="020B0604020202020204" pitchFamily="34" charset="0"/>
+              <a:buChar char="•"/>
+            </a:pPr>
             <a:endParaRPr lang="en-US" altLang="ko-KR" sz="1600" dirty="0">
               <a:solidFill>
-                <a:srgbClr val="FF0000"/>
+                <a:srgbClr val="00B0F0"/>
               </a:solidFill>
             </a:endParaRPr>
           </a:p>
@@ -3888,9 +4437,9 @@
                 </a:solidFill>
                 <a:latin typeface="+mn-ea"/>
               </a:rPr>
-              <a:t>설치 목록 확인</a:t>
-            </a:r>
-            <a:endParaRPr lang="en-US" altLang="ko-KR" sz="2000" dirty="0" smtClean="0">
+              <a:t>삭제</a:t>
+            </a:r>
+            <a:endParaRPr lang="en-US" altLang="ko-KR" sz="2000" dirty="0">
               <a:solidFill>
                 <a:srgbClr val="0000FF"/>
               </a:solidFill>
@@ -3906,12 +4455,60 @@
               <a:buChar char="•"/>
             </a:pPr>
             <a:r>
-              <a:rPr lang="en-US" altLang="ko-KR" sz="1400" dirty="0" err="1" smtClean="0"/>
+              <a:rPr lang="ko-KR" altLang="en-US" sz="1600" dirty="0">
+                <a:solidFill>
+                  <a:schemeClr val="tx1"/>
+                </a:solidFill>
+              </a:rPr>
+              <a:t>전역 </a:t>
+            </a:r>
+            <a:r>
+              <a:rPr lang="ko-KR" altLang="en-US" sz="1600" dirty="0" smtClean="0">
+                <a:solidFill>
+                  <a:schemeClr val="tx1"/>
+                </a:solidFill>
+              </a:rPr>
+              <a:t>삭제 </a:t>
+            </a:r>
+            <a:r>
+              <a:rPr lang="en-US" altLang="ko-KR" sz="1600" dirty="0">
+                <a:solidFill>
+                  <a:schemeClr val="tx1"/>
+                </a:solidFill>
+              </a:rPr>
+              <a:t>: </a:t>
+            </a:r>
+            <a:r>
+              <a:rPr lang="en-US" altLang="ko-KR" sz="1600" dirty="0" err="1">
+                <a:solidFill>
+                  <a:schemeClr val="tx1"/>
+                </a:solidFill>
+              </a:rPr>
               <a:t>npm</a:t>
             </a:r>
             <a:r>
-              <a:rPr lang="en-US" altLang="ko-KR" sz="1400" dirty="0" smtClean="0"/>
-              <a:t> list –g –depth=0</a:t>
+              <a:rPr lang="en-US" altLang="ko-KR" sz="1600" dirty="0">
+                <a:solidFill>
+                  <a:schemeClr val="tx1"/>
+                </a:solidFill>
+              </a:rPr>
+              <a:t> </a:t>
+            </a:r>
+            <a:r>
+              <a:rPr lang="en-US" altLang="ko-KR" sz="1600" dirty="0" smtClean="0">
+                <a:solidFill>
+                  <a:schemeClr val="tx1"/>
+                </a:solidFill>
+              </a:rPr>
+              <a:t>uninstall –g </a:t>
+            </a:r>
+            <a:r>
+              <a:rPr lang="en-US" altLang="ko-KR" sz="1600" dirty="0">
+                <a:solidFill>
+                  <a:schemeClr val="tx1"/>
+                </a:solidFill>
+              </a:rPr>
+              <a:t>@jsh-1235/math</a:t>
             </a:r>
           </a:p>
           <a:p>
@@ -3923,16 +4520,60 @@
               <a:buChar char="•"/>
             </a:pPr>
             <a:r>
-              <a:rPr lang="en-US" altLang="ko-KR" sz="1400" dirty="0" err="1"/>
+              <a:rPr lang="ko-KR" altLang="en-US" sz="1600" dirty="0">
+                <a:solidFill>
+                  <a:schemeClr val="tx1"/>
+                </a:solidFill>
+              </a:rPr>
+              <a:t>로컬 </a:t>
+            </a:r>
+            <a:r>
+              <a:rPr lang="ko-KR" altLang="en-US" sz="1600" dirty="0" smtClean="0">
+                <a:solidFill>
+                  <a:schemeClr val="tx1"/>
+                </a:solidFill>
+              </a:rPr>
+              <a:t>삭제 </a:t>
+            </a:r>
+            <a:r>
+              <a:rPr lang="en-US" altLang="ko-KR" sz="1600" dirty="0">
+                <a:solidFill>
+                  <a:schemeClr val="tx1"/>
+                </a:solidFill>
+              </a:rPr>
+              <a:t>: </a:t>
+            </a:r>
+            <a:r>
+              <a:rPr lang="en-US" altLang="ko-KR" sz="1600" dirty="0" err="1">
+                <a:solidFill>
+                  <a:schemeClr val="tx1"/>
+                </a:solidFill>
+              </a:rPr>
               <a:t>npm</a:t>
             </a:r>
             <a:r>
-              <a:rPr lang="en-US" altLang="ko-KR" sz="1400" dirty="0"/>
-              <a:t> list –g –</a:t>
-            </a:r>
-            <a:r>
-              <a:rPr lang="en-US" altLang="ko-KR" sz="1400" dirty="0" smtClean="0"/>
-              <a:t>depth=1</a:t>
+              <a:rPr lang="en-US" altLang="ko-KR" sz="1600" dirty="0">
+                <a:solidFill>
+                  <a:schemeClr val="tx1"/>
+                </a:solidFill>
+              </a:rPr>
+              <a:t> </a:t>
+            </a:r>
+            <a:r>
+              <a:rPr lang="en-US" altLang="ko-KR" sz="1600" dirty="0" smtClean="0">
+                <a:solidFill>
+                  <a:schemeClr val="tx1"/>
+                </a:solidFill>
+              </a:rPr>
+              <a:t>uninstall </a:t>
+            </a:r>
+            <a:r>
+              <a:rPr lang="en-US" altLang="ko-KR" sz="1600" dirty="0">
+                <a:solidFill>
+                  <a:schemeClr val="tx1"/>
+                </a:solidFill>
+              </a:rPr>
+              <a:t>@jsh-1235/math --save</a:t>
             </a:r>
           </a:p>
           <a:p>
@@ -3943,53 +4584,9 @@
               <a:buFont typeface="Arial" panose="020B0604020202020204" pitchFamily="34" charset="0"/>
               <a:buChar char="•"/>
             </a:pPr>
-            <a:r>
-              <a:rPr lang="en-US" altLang="ko-KR" sz="1400" dirty="0" err="1" smtClean="0">
-                <a:solidFill>
-                  <a:srgbClr val="FF0000"/>
-                </a:solidFill>
-              </a:rPr>
-              <a:t>npm</a:t>
-            </a:r>
-            <a:r>
-              <a:rPr lang="en-US" altLang="ko-KR" sz="1400" dirty="0" smtClean="0">
-                <a:solidFill>
-                  <a:srgbClr val="FF0000"/>
-                </a:solidFill>
-              </a:rPr>
-              <a:t> outdated</a:t>
-            </a:r>
-            <a:endParaRPr lang="en-US" altLang="ko-KR" sz="1400" dirty="0">
-              <a:solidFill>
-                <a:srgbClr val="FF0000"/>
-              </a:solidFill>
-            </a:endParaRPr>
-          </a:p>
-          <a:p>
-            <a:pPr marL="742950" lvl="1" indent="-285750" latinLnBrk="0">
-              <a:lnSpc>
-                <a:spcPct val="150000"/>
-              </a:lnSpc>
-              <a:buFont typeface="Arial" panose="020B0604020202020204" pitchFamily="34" charset="0"/>
-              <a:buChar char="•"/>
-            </a:pPr>
-            <a:endParaRPr lang="en-US" altLang="ko-KR" sz="1600" dirty="0">
-              <a:solidFill>
-                <a:srgbClr val="FF0000"/>
-              </a:solidFill>
-            </a:endParaRPr>
-          </a:p>
-          <a:p>
-            <a:pPr marL="742950" lvl="1" indent="-285750" latinLnBrk="0">
-              <a:lnSpc>
-                <a:spcPct val="150000"/>
-              </a:lnSpc>
-              <a:buFont typeface="Arial" panose="020B0604020202020204" pitchFamily="34" charset="0"/>
-              <a:buChar char="•"/>
-            </a:pPr>
             <a:endParaRPr lang="en-US" altLang="ko-KR" sz="1600" dirty="0" smtClean="0">
               <a:solidFill>
-                <a:srgbClr val="FF0000"/>
+                <a:srgbClr val="00B0F0"/>
               </a:solidFill>
             </a:endParaRPr>
           </a:p>
@@ -3998,7 +4595,7 @@
     </p:spTree>
     <p:extLst>
       <p:ext uri="{BB962C8B-B14F-4D97-AF65-F5344CB8AC3E}">
-        <p14:creationId xmlns:p14="http://schemas.microsoft.com/office/powerpoint/2010/main" val="2401105115"/>
+        <p14:creationId xmlns:p14="http://schemas.microsoft.com/office/powerpoint/2010/main" val="1827895962"/>
       </p:ext>
     </p:extLst>
   </p:cSld>
@@ -4015,7 +4612,1472 @@
 </p:sld>
 </file>
 
-<file path=ppt/slides/slide5.xml><?xml version="1.0" encoding="utf-8"?>
+<file path=ppt/slides/slide13.xml><?xml version="1.0" encoding="utf-8"?>
+<p:sld xmlns:a="http://schemas.openxmlformats.org/drawingml/2006/main" xmlns:r="http://schemas.openxmlformats.org/officeDocument/2006/relationships" xmlns:p="http://schemas.openxmlformats.org/presentationml/2006/main">
+  <p:cSld>
+    <p:spTree>
+      <p:nvGrpSpPr>
+        <p:cNvPr id="1" name=""/>
+        <p:cNvGrpSpPr/>
+        <p:nvPr/>
+      </p:nvGrpSpPr>
+      <p:grpSpPr>
+        <a:xfrm>
+          <a:off x="0" y="0"/>
+          <a:ext cx="0" cy="0"/>
+          <a:chOff x="0" y="0"/>
+          <a:chExt cx="0" cy="0"/>
+        </a:xfrm>
+      </p:grpSpPr>
+      <p:sp>
+        <p:nvSpPr>
+          <p:cNvPr id="3" name="TextBox 2"/>
+          <p:cNvSpPr txBox="1"/>
+          <p:nvPr/>
+        </p:nvSpPr>
+        <p:spPr>
+          <a:xfrm>
+            <a:off x="548640" y="470346"/>
+            <a:ext cx="8055807" cy="461665"/>
+          </a:xfrm>
+          <a:prstGeom prst="rect">
+            <a:avLst/>
+          </a:prstGeom>
+          <a:noFill/>
+        </p:spPr>
+        <p:txBody>
+          <a:bodyPr wrap="square" rtlCol="0">
+            <a:spAutoFit/>
+          </a:bodyPr>
+          <a:lstStyle/>
+          <a:p>
+            <a:r>
+              <a:rPr lang="en-US" altLang="ko-KR" sz="2400" dirty="0" smtClean="0">
+                <a:latin typeface="HY헤드라인M" pitchFamily="18" charset="-127"/>
+                <a:ea typeface="HY헤드라인M" pitchFamily="18" charset="-127"/>
+              </a:rPr>
+              <a:t>NPX (NPM Package Runner)</a:t>
+            </a:r>
+            <a:endParaRPr lang="ko-KR" altLang="en-US" sz="2400" dirty="0">
+              <a:latin typeface="HY헤드라인M" pitchFamily="18" charset="-127"/>
+              <a:ea typeface="HY헤드라인M" pitchFamily="18" charset="-127"/>
+            </a:endParaRPr>
+          </a:p>
+        </p:txBody>
+      </p:sp>
+      <p:pic>
+        <p:nvPicPr>
+          <p:cNvPr id="2" name="그림 1"/>
+          <p:cNvPicPr>
+            <a:picLocks noChangeAspect="1"/>
+          </p:cNvPicPr>
+          <p:nvPr/>
+        </p:nvPicPr>
+        <p:blipFill>
+          <a:blip r:embed="rId3" cstate="print">
+            <a:extLst>
+              <a:ext uri="{28A0092B-C50C-407E-A947-70E740481C1C}">
+                <a14:useLocalDpi xmlns:a14="http://schemas.microsoft.com/office/drawing/2010/main" val="0"/>
+              </a:ext>
+            </a:extLst>
+          </a:blip>
+          <a:stretch>
+            <a:fillRect/>
+          </a:stretch>
+        </p:blipFill>
+        <p:spPr>
+          <a:xfrm>
+            <a:off x="7596744" y="2925352"/>
+            <a:ext cx="71600" cy="71600"/>
+          </a:xfrm>
+          <a:prstGeom prst="rect">
+            <a:avLst/>
+          </a:prstGeom>
+        </p:spPr>
+      </p:pic>
+      <p:sp>
+        <p:nvSpPr>
+          <p:cNvPr id="5" name="모서리가 둥근 직사각형 4"/>
+          <p:cNvSpPr/>
+          <p:nvPr/>
+        </p:nvSpPr>
+        <p:spPr>
+          <a:xfrm>
+            <a:off x="439982" y="1196752"/>
+            <a:ext cx="8164465" cy="5345844"/>
+          </a:xfrm>
+          <a:prstGeom prst="roundRect">
+            <a:avLst>
+              <a:gd name="adj" fmla="val 8134"/>
+            </a:avLst>
+          </a:prstGeom>
+          <a:ln/>
+        </p:spPr>
+        <p:style>
+          <a:lnRef idx="2">
+            <a:schemeClr val="accent1"/>
+          </a:lnRef>
+          <a:fillRef idx="1">
+            <a:schemeClr val="lt1"/>
+          </a:fillRef>
+          <a:effectRef idx="0">
+            <a:schemeClr val="accent1"/>
+          </a:effectRef>
+          <a:fontRef idx="minor">
+            <a:schemeClr val="dk1"/>
+          </a:fontRef>
+        </p:style>
+        <p:txBody>
+          <a:bodyPr rtlCol="0" anchor="t"/>
+          <a:lstStyle/>
+          <a:p>
+            <a:pPr marL="285750" indent="-285750">
+              <a:lnSpc>
+                <a:spcPct val="150000"/>
+              </a:lnSpc>
+              <a:buFont typeface="Wingdings" panose="05000000000000000000" pitchFamily="2" charset="2"/>
+              <a:buChar char="Ø"/>
+            </a:pPr>
+            <a:r>
+              <a:rPr lang="ko-KR" altLang="en-US" dirty="0" smtClean="0">
+                <a:solidFill>
+                  <a:srgbClr val="0000FF"/>
+                </a:solidFill>
+                <a:latin typeface="+mn-ea"/>
+              </a:rPr>
+              <a:t>개요</a:t>
+            </a:r>
+            <a:endParaRPr lang="en-US" altLang="ko-KR" dirty="0">
+              <a:solidFill>
+                <a:srgbClr val="0000FF"/>
+              </a:solidFill>
+              <a:latin typeface="+mn-ea"/>
+            </a:endParaRPr>
+          </a:p>
+          <a:p>
+            <a:pPr marL="742950" lvl="1" indent="-285750" latinLnBrk="0">
+              <a:lnSpc>
+                <a:spcPct val="150000"/>
+              </a:lnSpc>
+              <a:buFont typeface="Arial" panose="020B0604020202020204" pitchFamily="34" charset="0"/>
+              <a:buChar char="•"/>
+            </a:pPr>
+            <a:r>
+              <a:rPr lang="en-US" altLang="ko-KR" sz="1200" dirty="0" err="1" smtClean="0">
+                <a:latin typeface="+mn-ea"/>
+              </a:rPr>
+              <a:t>npm</a:t>
+            </a:r>
+            <a:r>
+              <a:rPr lang="ko-KR" altLang="en-US" sz="1200" dirty="0" smtClean="0">
+                <a:latin typeface="+mn-ea"/>
+              </a:rPr>
+              <a:t>을 통해서 설치할 수 있는 모듈을 쉽고 간단하게 사용할 수 있도록 도와주는 도구이다</a:t>
+            </a:r>
+            <a:r>
+              <a:rPr lang="en-US" altLang="ko-KR" sz="1200" dirty="0" smtClean="0">
+                <a:latin typeface="+mn-ea"/>
+              </a:rPr>
+              <a:t>.</a:t>
+            </a:r>
+          </a:p>
+          <a:p>
+            <a:pPr marL="742950" lvl="1" indent="-285750" latinLnBrk="0">
+              <a:lnSpc>
+                <a:spcPct val="150000"/>
+              </a:lnSpc>
+              <a:buFont typeface="Arial" panose="020B0604020202020204" pitchFamily="34" charset="0"/>
+              <a:buChar char="•"/>
+            </a:pPr>
+            <a:r>
+              <a:rPr lang="ko-KR" altLang="en-US" sz="1200" dirty="0" smtClean="0">
+                <a:latin typeface="+mn-ea"/>
+              </a:rPr>
+              <a:t>한번만 설치되고 사용 후 폐기되는 패키지를 실행할 수 있다</a:t>
+            </a:r>
+            <a:r>
+              <a:rPr lang="en-US" altLang="ko-KR" sz="1200" dirty="0" smtClean="0">
+                <a:latin typeface="+mn-ea"/>
+              </a:rPr>
+              <a:t>.</a:t>
+            </a:r>
+          </a:p>
+          <a:p>
+            <a:pPr marL="742950" lvl="1" indent="-285750" latinLnBrk="0">
+              <a:lnSpc>
+                <a:spcPct val="150000"/>
+              </a:lnSpc>
+              <a:buFont typeface="Arial" panose="020B0604020202020204" pitchFamily="34" charset="0"/>
+              <a:buChar char="•"/>
+            </a:pPr>
+            <a:endParaRPr lang="en-US" altLang="ko-KR" sz="1200" dirty="0" smtClean="0">
+              <a:latin typeface="+mn-ea"/>
+            </a:endParaRPr>
+          </a:p>
+          <a:p>
+            <a:pPr marL="285750" indent="-285750">
+              <a:lnSpc>
+                <a:spcPct val="150000"/>
+              </a:lnSpc>
+              <a:buFont typeface="Wingdings" panose="05000000000000000000" pitchFamily="2" charset="2"/>
+              <a:buChar char="Ø"/>
+            </a:pPr>
+            <a:r>
+              <a:rPr lang="ko-KR" altLang="en-US" dirty="0" smtClean="0">
+                <a:solidFill>
+                  <a:srgbClr val="0000FF"/>
+                </a:solidFill>
+                <a:latin typeface="+mn-ea"/>
+              </a:rPr>
+              <a:t>작업 절차</a:t>
+            </a:r>
+            <a:endParaRPr lang="en-US" altLang="ko-KR" dirty="0">
+              <a:solidFill>
+                <a:srgbClr val="0000FF"/>
+              </a:solidFill>
+              <a:latin typeface="+mn-ea"/>
+            </a:endParaRPr>
+          </a:p>
+          <a:p>
+            <a:pPr marL="742950" lvl="1" indent="-285750" latinLnBrk="0">
+              <a:lnSpc>
+                <a:spcPct val="150000"/>
+              </a:lnSpc>
+              <a:buFont typeface="Arial" panose="020B0604020202020204" pitchFamily="34" charset="0"/>
+              <a:buChar char="•"/>
+            </a:pPr>
+            <a:r>
+              <a:rPr lang="ko-KR" altLang="en-US" sz="1200" dirty="0">
+                <a:latin typeface="+mn-ea"/>
+              </a:rPr>
+              <a:t>기본적으로 </a:t>
+            </a:r>
+            <a:r>
+              <a:rPr lang="ko-KR" altLang="en-US" sz="1200" dirty="0" smtClean="0">
+                <a:latin typeface="+mn-ea"/>
+              </a:rPr>
+              <a:t>실행 되어야 할 </a:t>
+            </a:r>
+            <a:r>
+              <a:rPr lang="ko-KR" altLang="en-US" sz="1200" dirty="0">
+                <a:latin typeface="+mn-ea"/>
+              </a:rPr>
+              <a:t>패키지가 경로에 있는지 먼저 </a:t>
+            </a:r>
+            <a:r>
+              <a:rPr lang="ko-KR" altLang="en-US" sz="1200" dirty="0" smtClean="0">
+                <a:latin typeface="+mn-ea"/>
+              </a:rPr>
+              <a:t>확인한다</a:t>
+            </a:r>
+            <a:r>
+              <a:rPr lang="en-US" altLang="ko-KR" sz="1200" dirty="0" smtClean="0">
+                <a:latin typeface="+mn-ea"/>
+              </a:rPr>
+              <a:t>.</a:t>
+            </a:r>
+            <a:endParaRPr lang="en-US" altLang="ko-KR" sz="1200" dirty="0">
+              <a:latin typeface="+mn-ea"/>
+            </a:endParaRPr>
+          </a:p>
+          <a:p>
+            <a:pPr marL="742950" lvl="1" indent="-285750" latinLnBrk="0">
+              <a:lnSpc>
+                <a:spcPct val="150000"/>
+              </a:lnSpc>
+              <a:buFont typeface="Arial" panose="020B0604020202020204" pitchFamily="34" charset="0"/>
+              <a:buChar char="•"/>
+            </a:pPr>
+            <a:r>
+              <a:rPr lang="ko-KR" altLang="en-US" sz="1200" dirty="0" smtClean="0">
+                <a:latin typeface="+mn-ea"/>
+              </a:rPr>
+              <a:t>경로에 </a:t>
+            </a:r>
+            <a:r>
+              <a:rPr lang="ko-KR" altLang="en-US" sz="1200" dirty="0">
+                <a:latin typeface="+mn-ea"/>
+              </a:rPr>
+              <a:t>제대로 있다면</a:t>
+            </a:r>
+            <a:r>
+              <a:rPr lang="en-US" altLang="ko-KR" sz="1200" dirty="0">
+                <a:latin typeface="+mn-ea"/>
+              </a:rPr>
+              <a:t>, </a:t>
+            </a:r>
+            <a:r>
+              <a:rPr lang="ko-KR" altLang="en-US" sz="1200" dirty="0">
+                <a:latin typeface="+mn-ea"/>
+              </a:rPr>
+              <a:t>그대로 </a:t>
+            </a:r>
+            <a:r>
+              <a:rPr lang="ko-KR" altLang="en-US" sz="1200" dirty="0" smtClean="0">
+                <a:latin typeface="+mn-ea"/>
+              </a:rPr>
+              <a:t>실행한다</a:t>
+            </a:r>
+            <a:r>
+              <a:rPr lang="en-US" altLang="ko-KR" sz="1200" dirty="0" smtClean="0">
+                <a:latin typeface="+mn-ea"/>
+              </a:rPr>
+              <a:t>.</a:t>
+            </a:r>
+            <a:endParaRPr lang="en-US" altLang="ko-KR" sz="1200" dirty="0">
+              <a:latin typeface="+mn-ea"/>
+            </a:endParaRPr>
+          </a:p>
+          <a:p>
+            <a:pPr marL="742950" lvl="1" indent="-285750" latinLnBrk="0">
+              <a:lnSpc>
+                <a:spcPct val="150000"/>
+              </a:lnSpc>
+              <a:buFont typeface="Arial" panose="020B0604020202020204" pitchFamily="34" charset="0"/>
+              <a:buChar char="•"/>
+            </a:pPr>
+            <a:r>
+              <a:rPr lang="ko-KR" altLang="en-US" sz="1200" dirty="0" smtClean="0">
+                <a:latin typeface="+mn-ea"/>
+              </a:rPr>
+              <a:t>그렇지 </a:t>
+            </a:r>
+            <a:r>
+              <a:rPr lang="ko-KR" altLang="en-US" sz="1200" dirty="0">
+                <a:latin typeface="+mn-ea"/>
+              </a:rPr>
+              <a:t>않다면 패키지는 설치되어 있지 않다는 걸 의미하고</a:t>
+            </a:r>
+            <a:r>
+              <a:rPr lang="en-US" altLang="ko-KR" sz="1200" dirty="0">
+                <a:latin typeface="+mn-ea"/>
+              </a:rPr>
+              <a:t>, </a:t>
+            </a:r>
+            <a:r>
+              <a:rPr lang="en-US" altLang="ko-KR" sz="1200" dirty="0" err="1">
+                <a:latin typeface="+mn-ea"/>
+              </a:rPr>
+              <a:t>npx</a:t>
+            </a:r>
+            <a:r>
+              <a:rPr lang="ko-KR" altLang="en-US" sz="1200" dirty="0">
+                <a:latin typeface="+mn-ea"/>
+              </a:rPr>
+              <a:t>가 최신 버전의 패키지를 설치를 한 후에 </a:t>
+            </a:r>
+            <a:r>
+              <a:rPr lang="ko-KR" altLang="en-US" sz="1200" dirty="0" smtClean="0">
+                <a:latin typeface="+mn-ea"/>
+              </a:rPr>
+              <a:t>실행한다</a:t>
+            </a:r>
+            <a:r>
+              <a:rPr lang="en-US" altLang="ko-KR" sz="1200" dirty="0" smtClean="0">
+                <a:latin typeface="+mn-ea"/>
+              </a:rPr>
+              <a:t>.</a:t>
+            </a:r>
+          </a:p>
+          <a:p>
+            <a:pPr marL="742950" lvl="1" indent="-285750" latinLnBrk="0">
+              <a:lnSpc>
+                <a:spcPct val="150000"/>
+              </a:lnSpc>
+              <a:buFont typeface="Arial" panose="020B0604020202020204" pitchFamily="34" charset="0"/>
+              <a:buChar char="•"/>
+            </a:pPr>
+            <a:endParaRPr lang="en-US" altLang="ko-KR" sz="1200" dirty="0" smtClean="0">
+              <a:latin typeface="+mn-ea"/>
+            </a:endParaRPr>
+          </a:p>
+          <a:p>
+            <a:pPr marL="285750" indent="-285750">
+              <a:lnSpc>
+                <a:spcPct val="150000"/>
+              </a:lnSpc>
+              <a:buFont typeface="Wingdings" panose="05000000000000000000" pitchFamily="2" charset="2"/>
+              <a:buChar char="Ø"/>
+            </a:pPr>
+            <a:r>
+              <a:rPr lang="ko-KR" altLang="en-US" dirty="0" smtClean="0">
+                <a:solidFill>
+                  <a:srgbClr val="0000FF"/>
+                </a:solidFill>
+                <a:latin typeface="+mn-ea"/>
+              </a:rPr>
+              <a:t>실행</a:t>
+            </a:r>
+            <a:endParaRPr lang="en-US" altLang="ko-KR" sz="1400" dirty="0" smtClean="0">
+              <a:latin typeface="+mn-ea"/>
+            </a:endParaRPr>
+          </a:p>
+          <a:p>
+            <a:pPr marL="742950" lvl="1" indent="-285750" latinLnBrk="0">
+              <a:lnSpc>
+                <a:spcPct val="150000"/>
+              </a:lnSpc>
+              <a:buFont typeface="Arial" panose="020B0604020202020204" pitchFamily="34" charset="0"/>
+              <a:buChar char="•"/>
+            </a:pPr>
+            <a:r>
+              <a:rPr lang="en-US" altLang="ko-KR" sz="1400" dirty="0" err="1">
+                <a:latin typeface="+mn-ea"/>
+              </a:rPr>
+              <a:t>npx</a:t>
+            </a:r>
+            <a:r>
+              <a:rPr lang="en-US" altLang="ko-KR" sz="1400" dirty="0">
+                <a:latin typeface="+mn-ea"/>
+              </a:rPr>
+              <a:t> -p @btjsh1235/cli cli-sum-run </a:t>
+            </a:r>
+            <a:r>
+              <a:rPr lang="en-US" altLang="ko-KR" sz="1400" dirty="0" smtClean="0">
+                <a:latin typeface="+mn-ea"/>
+              </a:rPr>
+              <a:t>1,2,3,4,5</a:t>
+            </a:r>
+          </a:p>
+          <a:p>
+            <a:pPr marL="742950" lvl="1" indent="-285750" latinLnBrk="0">
+              <a:lnSpc>
+                <a:spcPct val="150000"/>
+              </a:lnSpc>
+              <a:buFont typeface="Arial" panose="020B0604020202020204" pitchFamily="34" charset="0"/>
+              <a:buChar char="•"/>
+            </a:pPr>
+            <a:r>
+              <a:rPr lang="en-US" altLang="ko-KR" sz="1400" dirty="0" smtClean="0">
+                <a:latin typeface="+mn-ea"/>
+              </a:rPr>
+              <a:t>cli-sum-run 1,2,3,4,5</a:t>
+            </a:r>
+          </a:p>
+          <a:p>
+            <a:pPr marL="742950" lvl="1" indent="-285750" latinLnBrk="0">
+              <a:lnSpc>
+                <a:spcPct val="150000"/>
+              </a:lnSpc>
+              <a:buFont typeface="Arial" panose="020B0604020202020204" pitchFamily="34" charset="0"/>
+              <a:buChar char="•"/>
+            </a:pPr>
+            <a:r>
+              <a:rPr lang="en-US" altLang="ko-KR" sz="1200" dirty="0" smtClean="0">
+                <a:latin typeface="+mn-ea"/>
+              </a:rPr>
+              <a:t>Local Test</a:t>
+            </a:r>
+          </a:p>
+          <a:p>
+            <a:pPr marL="1200150" lvl="2" indent="-285750" latinLnBrk="0">
+              <a:lnSpc>
+                <a:spcPct val="150000"/>
+              </a:lnSpc>
+              <a:buFont typeface="Wingdings" panose="05000000000000000000" pitchFamily="2" charset="2"/>
+              <a:buChar char="ü"/>
+            </a:pPr>
+            <a:r>
+              <a:rPr lang="en-US" altLang="ko-KR" sz="1200" dirty="0" err="1" smtClean="0">
+                <a:latin typeface="+mn-ea"/>
+              </a:rPr>
+              <a:t>npm</a:t>
+            </a:r>
+            <a:r>
+              <a:rPr lang="en-US" altLang="ko-KR" sz="1200" dirty="0" smtClean="0">
+                <a:latin typeface="+mn-ea"/>
+              </a:rPr>
+              <a:t> link (</a:t>
+            </a:r>
+            <a:r>
+              <a:rPr lang="ko-KR" altLang="en-US" sz="1200" dirty="0">
+                <a:latin typeface="+mn-ea"/>
+              </a:rPr>
+              <a:t>해당 패키지의 </a:t>
+            </a:r>
+            <a:r>
+              <a:rPr lang="en-US" altLang="ko-KR" sz="1200" smtClean="0">
+                <a:latin typeface="+mn-ea"/>
+              </a:rPr>
+              <a:t>symlink(</a:t>
+            </a:r>
+            <a:r>
+              <a:rPr lang="ko-KR" altLang="en-US" sz="1200" dirty="0" err="1">
+                <a:latin typeface="+mn-ea"/>
+              </a:rPr>
+              <a:t>바로가기</a:t>
+            </a:r>
+            <a:r>
+              <a:rPr lang="en-US" altLang="ko-KR" sz="1200" dirty="0">
+                <a:latin typeface="+mn-ea"/>
+              </a:rPr>
+              <a:t>)</a:t>
+            </a:r>
+            <a:r>
+              <a:rPr lang="ko-KR" altLang="en-US" sz="1200" dirty="0">
+                <a:latin typeface="+mn-ea"/>
+              </a:rPr>
+              <a:t>를 </a:t>
+            </a:r>
+            <a:r>
+              <a:rPr lang="ko-KR" altLang="en-US" sz="1200" dirty="0" smtClean="0">
+                <a:latin typeface="+mn-ea"/>
+              </a:rPr>
+              <a:t>전역 폴더에 </a:t>
+            </a:r>
+            <a:r>
+              <a:rPr lang="ko-KR" altLang="en-US" sz="1200" dirty="0">
+                <a:latin typeface="+mn-ea"/>
+              </a:rPr>
+              <a:t>생성한다</a:t>
+            </a:r>
+            <a:r>
+              <a:rPr lang="en-US" altLang="ko-KR" sz="1200" dirty="0" smtClean="0">
+                <a:latin typeface="+mn-ea"/>
+              </a:rPr>
+              <a:t>.)</a:t>
+            </a:r>
+          </a:p>
+          <a:p>
+            <a:pPr marL="1200150" lvl="2" indent="-285750" latinLnBrk="0">
+              <a:lnSpc>
+                <a:spcPct val="150000"/>
+              </a:lnSpc>
+              <a:buFont typeface="Wingdings" panose="05000000000000000000" pitchFamily="2" charset="2"/>
+              <a:buChar char="ü"/>
+            </a:pPr>
+            <a:r>
+              <a:rPr lang="en-US" altLang="ko-KR" sz="1200" dirty="0">
+                <a:latin typeface="+mn-ea"/>
+              </a:rPr>
+              <a:t>cli-sum-run </a:t>
+            </a:r>
+            <a:r>
+              <a:rPr lang="en-US" altLang="ko-KR" sz="1200" dirty="0" smtClean="0">
+                <a:latin typeface="+mn-ea"/>
+              </a:rPr>
+              <a:t>1,2,3,4,5</a:t>
+            </a:r>
+            <a:endParaRPr lang="en-US" altLang="ko-KR" sz="1200" dirty="0">
+              <a:latin typeface="+mn-ea"/>
+            </a:endParaRPr>
+          </a:p>
+          <a:p>
+            <a:pPr marL="742950" lvl="1" indent="-285750" latinLnBrk="0">
+              <a:lnSpc>
+                <a:spcPct val="150000"/>
+              </a:lnSpc>
+              <a:buFont typeface="Arial" panose="020B0604020202020204" pitchFamily="34" charset="0"/>
+              <a:buChar char="•"/>
+            </a:pPr>
+            <a:endParaRPr lang="en-US" altLang="ko-KR" sz="1600" dirty="0" smtClean="0">
+              <a:solidFill>
+                <a:srgbClr val="FF0000"/>
+              </a:solidFill>
+              <a:latin typeface="+mn-ea"/>
+            </a:endParaRPr>
+          </a:p>
+          <a:p>
+            <a:pPr marL="742950" lvl="1" indent="-285750" latinLnBrk="0">
+              <a:lnSpc>
+                <a:spcPct val="150000"/>
+              </a:lnSpc>
+              <a:buFont typeface="Arial" panose="020B0604020202020204" pitchFamily="34" charset="0"/>
+              <a:buChar char="•"/>
+            </a:pPr>
+            <a:endParaRPr lang="en-US" altLang="ko-KR" sz="1600" dirty="0" smtClean="0">
+              <a:solidFill>
+                <a:srgbClr val="FF0000"/>
+              </a:solidFill>
+              <a:latin typeface="+mn-ea"/>
+            </a:endParaRPr>
+          </a:p>
+        </p:txBody>
+      </p:sp>
+    </p:spTree>
+    <p:extLst>
+      <p:ext uri="{BB962C8B-B14F-4D97-AF65-F5344CB8AC3E}">
+        <p14:creationId xmlns:p14="http://schemas.microsoft.com/office/powerpoint/2010/main" val="2963273625"/>
+      </p:ext>
+    </p:extLst>
+  </p:cSld>
+  <p:clrMapOvr>
+    <a:masterClrMapping/>
+  </p:clrMapOvr>
+  <p:timing>
+    <p:tnLst>
+      <p:par>
+        <p:cTn id="1" dur="indefinite" restart="never" nodeType="tmRoot"/>
+      </p:par>
+    </p:tnLst>
+  </p:timing>
+</p:sld>
+</file>
+
+<file path=ppt/slides/slide2.xml><?xml version="1.0" encoding="utf-8"?>
+<p:sld xmlns:a="http://schemas.openxmlformats.org/drawingml/2006/main" xmlns:r="http://schemas.openxmlformats.org/officeDocument/2006/relationships" xmlns:p="http://schemas.openxmlformats.org/presentationml/2006/main">
+  <p:cSld>
+    <p:spTree>
+      <p:nvGrpSpPr>
+        <p:cNvPr id="1" name=""/>
+        <p:cNvGrpSpPr/>
+        <p:nvPr/>
+      </p:nvGrpSpPr>
+      <p:grpSpPr>
+        <a:xfrm>
+          <a:off x="0" y="0"/>
+          <a:ext cx="0" cy="0"/>
+          <a:chOff x="0" y="0"/>
+          <a:chExt cx="0" cy="0"/>
+        </a:xfrm>
+      </p:grpSpPr>
+      <p:sp>
+        <p:nvSpPr>
+          <p:cNvPr id="3" name="TextBox 2"/>
+          <p:cNvSpPr txBox="1"/>
+          <p:nvPr/>
+        </p:nvSpPr>
+        <p:spPr>
+          <a:xfrm>
+            <a:off x="548640" y="470346"/>
+            <a:ext cx="8055807" cy="461665"/>
+          </a:xfrm>
+          <a:prstGeom prst="rect">
+            <a:avLst/>
+          </a:prstGeom>
+          <a:noFill/>
+        </p:spPr>
+        <p:txBody>
+          <a:bodyPr wrap="square" rtlCol="0">
+            <a:spAutoFit/>
+          </a:bodyPr>
+          <a:lstStyle/>
+          <a:p>
+            <a:r>
+              <a:rPr lang="en-US" altLang="ko-KR" sz="2400" dirty="0" smtClean="0">
+                <a:latin typeface="HY헤드라인M" pitchFamily="18" charset="-127"/>
+                <a:ea typeface="HY헤드라인M" pitchFamily="18" charset="-127"/>
+              </a:rPr>
+              <a:t>NPM</a:t>
+            </a:r>
+            <a:endParaRPr lang="ko-KR" altLang="en-US" sz="2400" dirty="0">
+              <a:latin typeface="HY헤드라인M" pitchFamily="18" charset="-127"/>
+              <a:ea typeface="HY헤드라인M" pitchFamily="18" charset="-127"/>
+            </a:endParaRPr>
+          </a:p>
+        </p:txBody>
+      </p:sp>
+      <p:pic>
+        <p:nvPicPr>
+          <p:cNvPr id="2" name="그림 1"/>
+          <p:cNvPicPr>
+            <a:picLocks noChangeAspect="1"/>
+          </p:cNvPicPr>
+          <p:nvPr/>
+        </p:nvPicPr>
+        <p:blipFill>
+          <a:blip r:embed="rId2" cstate="print">
+            <a:extLst>
+              <a:ext uri="{28A0092B-C50C-407E-A947-70E740481C1C}">
+                <a14:useLocalDpi xmlns:a14="http://schemas.microsoft.com/office/drawing/2010/main" val="0"/>
+              </a:ext>
+            </a:extLst>
+          </a:blip>
+          <a:stretch>
+            <a:fillRect/>
+          </a:stretch>
+        </p:blipFill>
+        <p:spPr>
+          <a:xfrm>
+            <a:off x="7596744" y="2925352"/>
+            <a:ext cx="71600" cy="71600"/>
+          </a:xfrm>
+          <a:prstGeom prst="rect">
+            <a:avLst/>
+          </a:prstGeom>
+        </p:spPr>
+      </p:pic>
+      <p:sp>
+        <p:nvSpPr>
+          <p:cNvPr id="5" name="모서리가 둥근 직사각형 4"/>
+          <p:cNvSpPr/>
+          <p:nvPr/>
+        </p:nvSpPr>
+        <p:spPr>
+          <a:xfrm>
+            <a:off x="439982" y="1196752"/>
+            <a:ext cx="8164465" cy="5345844"/>
+          </a:xfrm>
+          <a:prstGeom prst="roundRect">
+            <a:avLst>
+              <a:gd name="adj" fmla="val 8134"/>
+            </a:avLst>
+          </a:prstGeom>
+          <a:ln/>
+        </p:spPr>
+        <p:style>
+          <a:lnRef idx="2">
+            <a:schemeClr val="accent1"/>
+          </a:lnRef>
+          <a:fillRef idx="1">
+            <a:schemeClr val="lt1"/>
+          </a:fillRef>
+          <a:effectRef idx="0">
+            <a:schemeClr val="accent1"/>
+          </a:effectRef>
+          <a:fontRef idx="minor">
+            <a:schemeClr val="dk1"/>
+          </a:fontRef>
+        </p:style>
+        <p:txBody>
+          <a:bodyPr rtlCol="0" anchor="t"/>
+          <a:lstStyle/>
+          <a:p>
+            <a:pPr marL="285750" indent="-285750">
+              <a:lnSpc>
+                <a:spcPct val="150000"/>
+              </a:lnSpc>
+              <a:buFont typeface="Wingdings" panose="05000000000000000000" pitchFamily="2" charset="2"/>
+              <a:buChar char="Ø"/>
+            </a:pPr>
+            <a:r>
+              <a:rPr lang="ko-KR" altLang="en-US" sz="2000" dirty="0" smtClean="0">
+                <a:solidFill>
+                  <a:srgbClr val="0000FF"/>
+                </a:solidFill>
+                <a:latin typeface="+mn-ea"/>
+              </a:rPr>
+              <a:t>개요</a:t>
+            </a:r>
+            <a:endParaRPr lang="en-US" altLang="ko-KR" sz="2000" dirty="0">
+              <a:solidFill>
+                <a:srgbClr val="0000FF"/>
+              </a:solidFill>
+              <a:latin typeface="+mn-ea"/>
+            </a:endParaRPr>
+          </a:p>
+          <a:p>
+            <a:pPr marL="742950" lvl="1" indent="-285750" latinLnBrk="0">
+              <a:lnSpc>
+                <a:spcPct val="150000"/>
+              </a:lnSpc>
+              <a:buFont typeface="Arial" panose="020B0604020202020204" pitchFamily="34" charset="0"/>
+              <a:buChar char="•"/>
+            </a:pPr>
+            <a:r>
+              <a:rPr lang="en-US" altLang="ko-KR" sz="1200" dirty="0" err="1"/>
+              <a:t>npm</a:t>
+            </a:r>
+            <a:r>
+              <a:rPr lang="en-US" altLang="ko-KR" sz="1200" dirty="0"/>
+              <a:t> (</a:t>
+            </a:r>
+            <a:r>
+              <a:rPr lang="ko-KR" altLang="en-US" sz="1200" dirty="0"/>
+              <a:t>노드 패키지 매니저</a:t>
+            </a:r>
+            <a:r>
+              <a:rPr lang="en-US" altLang="ko-KR" sz="1200" dirty="0"/>
+              <a:t>/Node Package Manager)</a:t>
+            </a:r>
+            <a:r>
+              <a:rPr lang="ko-KR" altLang="en-US" sz="1200" dirty="0"/>
+              <a:t>은 자바스크립트 프로그래밍 언어를 위한 패키지 관리자이다</a:t>
+            </a:r>
+            <a:r>
+              <a:rPr lang="en-US" altLang="ko-KR" sz="1200" dirty="0" smtClean="0"/>
+              <a:t>.</a:t>
+            </a:r>
+          </a:p>
+          <a:p>
+            <a:pPr marL="742950" lvl="1" indent="-285750" latinLnBrk="0">
+              <a:lnSpc>
+                <a:spcPct val="150000"/>
+              </a:lnSpc>
+              <a:buFont typeface="Arial" panose="020B0604020202020204" pitchFamily="34" charset="0"/>
+              <a:buChar char="•"/>
+            </a:pPr>
+            <a:r>
+              <a:rPr lang="ko-KR" altLang="en-US" sz="1200" dirty="0" smtClean="0"/>
+              <a:t>자바스크립트 </a:t>
+            </a:r>
+            <a:r>
+              <a:rPr lang="ko-KR" altLang="en-US" sz="1200" dirty="0"/>
+              <a:t>런타임 환경 </a:t>
+            </a:r>
+            <a:r>
+              <a:rPr lang="en-US" altLang="ko-KR" sz="1200" dirty="0"/>
+              <a:t>Node.js</a:t>
+            </a:r>
+            <a:r>
+              <a:rPr lang="ko-KR" altLang="en-US" sz="1200" dirty="0"/>
+              <a:t>의 기본 패키지 관리자이다</a:t>
+            </a:r>
+            <a:r>
+              <a:rPr lang="en-US" altLang="ko-KR" sz="1200" dirty="0"/>
+              <a:t>. </a:t>
+            </a:r>
+            <a:endParaRPr lang="en-US" altLang="ko-KR" sz="1200" dirty="0" smtClean="0"/>
+          </a:p>
+          <a:p>
+            <a:pPr marL="742950" lvl="1" indent="-285750" latinLnBrk="0">
+              <a:lnSpc>
+                <a:spcPct val="150000"/>
+              </a:lnSpc>
+              <a:buFont typeface="Arial" panose="020B0604020202020204" pitchFamily="34" charset="0"/>
+              <a:buChar char="•"/>
+            </a:pPr>
+            <a:r>
+              <a:rPr lang="ko-KR" altLang="en-US" sz="1200" dirty="0" smtClean="0">
+                <a:solidFill>
+                  <a:srgbClr val="FF0000"/>
+                </a:solidFill>
+              </a:rPr>
+              <a:t>명령 </a:t>
+            </a:r>
+            <a:r>
+              <a:rPr lang="ko-KR" altLang="en-US" sz="1200" dirty="0">
+                <a:solidFill>
+                  <a:srgbClr val="FF0000"/>
+                </a:solidFill>
+              </a:rPr>
+              <a:t>줄 클라이언트</a:t>
+            </a:r>
+            <a:r>
+              <a:rPr lang="en-US" altLang="ko-KR" sz="1200" dirty="0">
+                <a:solidFill>
+                  <a:srgbClr val="FF0000"/>
+                </a:solidFill>
+              </a:rPr>
+              <a:t>(</a:t>
+            </a:r>
+            <a:r>
+              <a:rPr lang="en-US" altLang="ko-KR" sz="1200" dirty="0" err="1">
+                <a:solidFill>
+                  <a:srgbClr val="FF0000"/>
+                </a:solidFill>
+              </a:rPr>
+              <a:t>npm</a:t>
+            </a:r>
+            <a:r>
+              <a:rPr lang="en-US" altLang="ko-KR" sz="1200" dirty="0">
+                <a:solidFill>
+                  <a:srgbClr val="FF0000"/>
+                </a:solidFill>
+              </a:rPr>
+              <a:t>), </a:t>
+            </a:r>
+            <a:r>
+              <a:rPr lang="ko-KR" altLang="en-US" sz="1200" dirty="0">
+                <a:solidFill>
+                  <a:srgbClr val="FF0000"/>
+                </a:solidFill>
+              </a:rPr>
+              <a:t>그리고 공개 패키지와 지불 방식의 개인 패키지의 온라인 데이터베이스</a:t>
+            </a:r>
+            <a:r>
+              <a:rPr lang="en-US" altLang="ko-KR" sz="1200" dirty="0">
+                <a:solidFill>
+                  <a:srgbClr val="FF0000"/>
+                </a:solidFill>
+              </a:rPr>
+              <a:t>(</a:t>
+            </a:r>
+            <a:r>
+              <a:rPr lang="en-US" altLang="ko-KR" sz="1200" dirty="0" err="1">
+                <a:solidFill>
+                  <a:srgbClr val="FF0000"/>
+                </a:solidFill>
+              </a:rPr>
+              <a:t>npm</a:t>
+            </a:r>
+            <a:r>
+              <a:rPr lang="en-US" altLang="ko-KR" sz="1200" dirty="0">
+                <a:solidFill>
+                  <a:srgbClr val="FF0000"/>
+                </a:solidFill>
+              </a:rPr>
+              <a:t> </a:t>
+            </a:r>
+            <a:r>
+              <a:rPr lang="ko-KR" altLang="en-US" sz="1200" dirty="0">
+                <a:solidFill>
+                  <a:srgbClr val="FF0000"/>
+                </a:solidFill>
+              </a:rPr>
+              <a:t>레지스트리</a:t>
+            </a:r>
+            <a:r>
+              <a:rPr lang="en-US" altLang="ko-KR" sz="1200" dirty="0">
+                <a:solidFill>
+                  <a:srgbClr val="FF0000"/>
+                </a:solidFill>
+              </a:rPr>
+              <a:t>)</a:t>
+            </a:r>
+            <a:r>
+              <a:rPr lang="ko-KR" altLang="en-US" sz="1200" dirty="0">
+                <a:solidFill>
+                  <a:srgbClr val="FF0000"/>
+                </a:solidFill>
+              </a:rPr>
+              <a:t>로 이루어져 있다</a:t>
+            </a:r>
+            <a:r>
+              <a:rPr lang="en-US" altLang="ko-KR" sz="1200" dirty="0">
+                <a:solidFill>
+                  <a:srgbClr val="FF0000"/>
+                </a:solidFill>
+              </a:rPr>
+              <a:t>. </a:t>
+            </a:r>
+            <a:endParaRPr lang="en-US" altLang="ko-KR" sz="1200" dirty="0" smtClean="0">
+              <a:solidFill>
+                <a:srgbClr val="FF0000"/>
+              </a:solidFill>
+            </a:endParaRPr>
+          </a:p>
+          <a:p>
+            <a:pPr marL="742950" lvl="1" indent="-285750" latinLnBrk="0">
+              <a:lnSpc>
+                <a:spcPct val="150000"/>
+              </a:lnSpc>
+              <a:buFont typeface="Arial" panose="020B0604020202020204" pitchFamily="34" charset="0"/>
+              <a:buChar char="•"/>
+            </a:pPr>
+            <a:r>
+              <a:rPr lang="ko-KR" altLang="en-US" sz="1200" dirty="0" smtClean="0"/>
+              <a:t>이 </a:t>
+            </a:r>
+            <a:r>
+              <a:rPr lang="ko-KR" altLang="en-US" sz="1200" dirty="0"/>
+              <a:t>레지스트리는 클라이언트를 통해 접근되며 사용 가능한 패키지들은 </a:t>
+            </a:r>
+            <a:r>
+              <a:rPr lang="en-US" altLang="ko-KR" sz="1200" dirty="0" err="1"/>
+              <a:t>npm</a:t>
+            </a:r>
+            <a:r>
+              <a:rPr lang="en-US" altLang="ko-KR" sz="1200" dirty="0"/>
+              <a:t> </a:t>
+            </a:r>
+            <a:r>
+              <a:rPr lang="ko-KR" altLang="en-US" sz="1200" dirty="0"/>
+              <a:t>웹사이트를 통해 찾아보고 검색할 수 있다</a:t>
+            </a:r>
+            <a:r>
+              <a:rPr lang="en-US" altLang="ko-KR" sz="1200" dirty="0"/>
+              <a:t>. </a:t>
+            </a:r>
+            <a:r>
+              <a:rPr lang="ko-KR" altLang="en-US" sz="1200" dirty="0"/>
+              <a:t>패키지 관리자와 레지스트리는 </a:t>
+            </a:r>
+            <a:r>
+              <a:rPr lang="en-US" altLang="ko-KR" sz="1200" dirty="0" err="1"/>
+              <a:t>npm</a:t>
+            </a:r>
+            <a:r>
+              <a:rPr lang="ko-KR" altLang="en-US" sz="1200" dirty="0"/>
+              <a:t>사에 의해 관리된다</a:t>
+            </a:r>
+            <a:r>
+              <a:rPr lang="en-US" altLang="ko-KR" sz="1200" dirty="0" smtClean="0"/>
+              <a:t>.</a:t>
+            </a:r>
+            <a:endParaRPr lang="en-US" altLang="ko-KR" sz="1200" dirty="0" smtClean="0">
+              <a:solidFill>
+                <a:srgbClr val="FF0000"/>
+              </a:solidFill>
+            </a:endParaRPr>
+          </a:p>
+        </p:txBody>
+      </p:sp>
+      <p:pic>
+        <p:nvPicPr>
+          <p:cNvPr id="1026" name="Picture 2" descr="node.js - Private and Public NPM Package Install in Single Command - Stack  Overflow"/>
+          <p:cNvPicPr>
+            <a:picLocks noChangeAspect="1" noChangeArrowheads="1"/>
+          </p:cNvPicPr>
+          <p:nvPr/>
+        </p:nvPicPr>
+        <p:blipFill>
+          <a:blip r:embed="rId3" cstate="print">
+            <a:extLst>
+              <a:ext uri="{28A0092B-C50C-407E-A947-70E740481C1C}">
+                <a14:useLocalDpi xmlns:a14="http://schemas.microsoft.com/office/drawing/2010/main" val="0"/>
+              </a:ext>
+            </a:extLst>
+          </a:blip>
+          <a:srcRect/>
+          <a:stretch>
+            <a:fillRect/>
+          </a:stretch>
+        </p:blipFill>
+        <p:spPr bwMode="auto">
+          <a:xfrm>
+            <a:off x="2555776" y="3933056"/>
+            <a:ext cx="4032448" cy="2359119"/>
+          </a:xfrm>
+          <a:prstGeom prst="rect">
+            <a:avLst/>
+          </a:prstGeom>
+          <a:noFill/>
+          <a:extLst>
+            <a:ext uri="{909E8E84-426E-40DD-AFC4-6F175D3DCCD1}">
+              <a14:hiddenFill xmlns:a14="http://schemas.microsoft.com/office/drawing/2010/main">
+                <a:solidFill>
+                  <a:srgbClr val="FFFFFF"/>
+                </a:solidFill>
+              </a14:hiddenFill>
+            </a:ext>
+          </a:extLst>
+        </p:spPr>
+      </p:pic>
+    </p:spTree>
+    <p:extLst>
+      <p:ext uri="{BB962C8B-B14F-4D97-AF65-F5344CB8AC3E}">
+        <p14:creationId xmlns:p14="http://schemas.microsoft.com/office/powerpoint/2010/main" val="924941134"/>
+      </p:ext>
+    </p:extLst>
+  </p:cSld>
+  <p:clrMapOvr>
+    <a:masterClrMapping/>
+  </p:clrMapOvr>
+  <p:timing>
+    <p:tnLst>
+      <p:par>
+        <p:cTn id="1" dur="indefinite" restart="never" nodeType="tmRoot"/>
+      </p:par>
+    </p:tnLst>
+  </p:timing>
+</p:sld>
+</file>
+
+<file path=ppt/slides/slide3.xml><?xml version="1.0" encoding="utf-8"?>
+<p:sld xmlns:a="http://schemas.openxmlformats.org/drawingml/2006/main" xmlns:r="http://schemas.openxmlformats.org/officeDocument/2006/relationships" xmlns:p="http://schemas.openxmlformats.org/presentationml/2006/main">
+  <p:cSld>
+    <p:spTree>
+      <p:nvGrpSpPr>
+        <p:cNvPr id="1" name=""/>
+        <p:cNvGrpSpPr/>
+        <p:nvPr/>
+      </p:nvGrpSpPr>
+      <p:grpSpPr>
+        <a:xfrm>
+          <a:off x="0" y="0"/>
+          <a:ext cx="0" cy="0"/>
+          <a:chOff x="0" y="0"/>
+          <a:chExt cx="0" cy="0"/>
+        </a:xfrm>
+      </p:grpSpPr>
+      <p:sp>
+        <p:nvSpPr>
+          <p:cNvPr id="3" name="TextBox 2"/>
+          <p:cNvSpPr txBox="1"/>
+          <p:nvPr/>
+        </p:nvSpPr>
+        <p:spPr>
+          <a:xfrm>
+            <a:off x="548640" y="470346"/>
+            <a:ext cx="8055807" cy="461665"/>
+          </a:xfrm>
+          <a:prstGeom prst="rect">
+            <a:avLst/>
+          </a:prstGeom>
+          <a:noFill/>
+        </p:spPr>
+        <p:txBody>
+          <a:bodyPr wrap="square" rtlCol="0">
+            <a:spAutoFit/>
+          </a:bodyPr>
+          <a:lstStyle/>
+          <a:p>
+            <a:r>
+              <a:rPr lang="en-US" altLang="ko-KR" sz="2400" dirty="0" smtClean="0">
+                <a:latin typeface="HY헤드라인M" pitchFamily="18" charset="-127"/>
+                <a:ea typeface="HY헤드라인M" pitchFamily="18" charset="-127"/>
+              </a:rPr>
+              <a:t>NPM</a:t>
+            </a:r>
+            <a:endParaRPr lang="ko-KR" altLang="en-US" sz="2400" dirty="0">
+              <a:latin typeface="HY헤드라인M" pitchFamily="18" charset="-127"/>
+              <a:ea typeface="HY헤드라인M" pitchFamily="18" charset="-127"/>
+            </a:endParaRPr>
+          </a:p>
+        </p:txBody>
+      </p:sp>
+      <p:pic>
+        <p:nvPicPr>
+          <p:cNvPr id="2" name="그림 1"/>
+          <p:cNvPicPr>
+            <a:picLocks noChangeAspect="1"/>
+          </p:cNvPicPr>
+          <p:nvPr/>
+        </p:nvPicPr>
+        <p:blipFill>
+          <a:blip r:embed="rId2" cstate="print">
+            <a:extLst>
+              <a:ext uri="{28A0092B-C50C-407E-A947-70E740481C1C}">
+                <a14:useLocalDpi xmlns:a14="http://schemas.microsoft.com/office/drawing/2010/main" val="0"/>
+              </a:ext>
+            </a:extLst>
+          </a:blip>
+          <a:stretch>
+            <a:fillRect/>
+          </a:stretch>
+        </p:blipFill>
+        <p:spPr>
+          <a:xfrm>
+            <a:off x="7596744" y="2925352"/>
+            <a:ext cx="71600" cy="71600"/>
+          </a:xfrm>
+          <a:prstGeom prst="rect">
+            <a:avLst/>
+          </a:prstGeom>
+        </p:spPr>
+      </p:pic>
+      <p:sp>
+        <p:nvSpPr>
+          <p:cNvPr id="5" name="모서리가 둥근 직사각형 4"/>
+          <p:cNvSpPr/>
+          <p:nvPr/>
+        </p:nvSpPr>
+        <p:spPr>
+          <a:xfrm>
+            <a:off x="439982" y="1196752"/>
+            <a:ext cx="8164465" cy="5345844"/>
+          </a:xfrm>
+          <a:prstGeom prst="roundRect">
+            <a:avLst>
+              <a:gd name="adj" fmla="val 8134"/>
+            </a:avLst>
+          </a:prstGeom>
+          <a:ln/>
+        </p:spPr>
+        <p:style>
+          <a:lnRef idx="2">
+            <a:schemeClr val="accent1"/>
+          </a:lnRef>
+          <a:fillRef idx="1">
+            <a:schemeClr val="lt1"/>
+          </a:fillRef>
+          <a:effectRef idx="0">
+            <a:schemeClr val="accent1"/>
+          </a:effectRef>
+          <a:fontRef idx="minor">
+            <a:schemeClr val="dk1"/>
+          </a:fontRef>
+        </p:style>
+        <p:txBody>
+          <a:bodyPr rtlCol="0" anchor="t"/>
+          <a:lstStyle/>
+          <a:p>
+            <a:pPr marL="285750" indent="-285750">
+              <a:lnSpc>
+                <a:spcPct val="150000"/>
+              </a:lnSpc>
+              <a:buFont typeface="Wingdings" panose="05000000000000000000" pitchFamily="2" charset="2"/>
+              <a:buChar char="Ø"/>
+            </a:pPr>
+            <a:r>
+              <a:rPr lang="en-US" altLang="ko-KR" sz="2000" dirty="0">
+                <a:solidFill>
+                  <a:srgbClr val="0000FF"/>
+                </a:solidFill>
+                <a:latin typeface="+mn-ea"/>
+              </a:rPr>
+              <a:t> </a:t>
+            </a:r>
+            <a:r>
+              <a:rPr lang="ko-KR" altLang="en-US" sz="2000" dirty="0" smtClean="0">
+                <a:solidFill>
+                  <a:srgbClr val="0000FF"/>
+                </a:solidFill>
+                <a:latin typeface="+mn-ea"/>
+              </a:rPr>
+              <a:t>특징</a:t>
+            </a:r>
+            <a:endParaRPr lang="en-US" altLang="ko-KR" sz="2000" dirty="0">
+              <a:solidFill>
+                <a:srgbClr val="0000FF"/>
+              </a:solidFill>
+              <a:latin typeface="+mn-ea"/>
+            </a:endParaRPr>
+          </a:p>
+          <a:p>
+            <a:pPr marL="742950" lvl="1" indent="-285750" latinLnBrk="0">
+              <a:lnSpc>
+                <a:spcPct val="150000"/>
+              </a:lnSpc>
+              <a:buFont typeface="Arial" panose="020B0604020202020204" pitchFamily="34" charset="0"/>
+              <a:buChar char="•"/>
+            </a:pPr>
+            <a:r>
+              <a:rPr lang="en-US" altLang="ko-KR" sz="1400" dirty="0"/>
+              <a:t>NPM</a:t>
+            </a:r>
+            <a:r>
+              <a:rPr lang="ko-KR" altLang="en-US" sz="1400" dirty="0"/>
+              <a:t>은 자바스크립트 코드를 구성하고 공유하는 도구로 자바스크립트로 된 모든 것을 패키지로 관리하는 </a:t>
+            </a:r>
+            <a:r>
+              <a:rPr lang="ko-KR" altLang="en-US" sz="1400" dirty="0" smtClean="0"/>
+              <a:t>프로그램이다</a:t>
+            </a:r>
+            <a:r>
+              <a:rPr lang="en-US" altLang="ko-KR" sz="1400" dirty="0" smtClean="0"/>
+              <a:t>.</a:t>
+            </a:r>
+          </a:p>
+          <a:p>
+            <a:pPr marL="742950" lvl="1" indent="-285750" latinLnBrk="0">
+              <a:lnSpc>
+                <a:spcPct val="150000"/>
+              </a:lnSpc>
+              <a:buFont typeface="Arial" panose="020B0604020202020204" pitchFamily="34" charset="0"/>
+              <a:buChar char="•"/>
+            </a:pPr>
+            <a:r>
+              <a:rPr lang="en-US" altLang="ko-KR" sz="1400" dirty="0" smtClean="0"/>
+              <a:t>NPM</a:t>
+            </a:r>
+            <a:r>
+              <a:rPr lang="ko-KR" altLang="en-US" sz="1400" dirty="0"/>
+              <a:t>은 </a:t>
+            </a:r>
+            <a:r>
+              <a:rPr lang="en-US" altLang="ko-KR" sz="1400" dirty="0"/>
+              <a:t>Node.js</a:t>
+            </a:r>
+            <a:r>
+              <a:rPr lang="ko-KR" altLang="en-US" sz="1400" dirty="0"/>
+              <a:t>를 설치하면 자동으로 설치되기 때문에 따로 설치할 필요 없이 편리하게 사용할 수 </a:t>
+            </a:r>
+            <a:r>
+              <a:rPr lang="ko-KR" altLang="en-US" sz="1400" dirty="0" smtClean="0"/>
+              <a:t>있다</a:t>
+            </a:r>
+            <a:r>
+              <a:rPr lang="en-US" altLang="ko-KR" sz="1400" dirty="0" smtClean="0"/>
+              <a:t>.</a:t>
+            </a:r>
+          </a:p>
+          <a:p>
+            <a:pPr marL="742950" lvl="1" indent="-285750" latinLnBrk="0">
+              <a:lnSpc>
+                <a:spcPct val="150000"/>
+              </a:lnSpc>
+              <a:buFont typeface="Arial" panose="020B0604020202020204" pitchFamily="34" charset="0"/>
+              <a:buChar char="•"/>
+            </a:pPr>
+            <a:r>
+              <a:rPr lang="en-US" altLang="ko-KR" sz="1400" dirty="0" smtClean="0">
+                <a:solidFill>
+                  <a:srgbClr val="FF0000"/>
+                </a:solidFill>
+              </a:rPr>
+              <a:t>NPM</a:t>
+            </a:r>
+            <a:r>
+              <a:rPr lang="ko-KR" altLang="en-US" sz="1400" dirty="0">
+                <a:solidFill>
+                  <a:srgbClr val="FF0000"/>
+                </a:solidFill>
+              </a:rPr>
+              <a:t>은 자바스크립트 프로그래밍 언어를 위한 패키지 관리자이며</a:t>
+            </a:r>
+            <a:r>
+              <a:rPr lang="en-US" altLang="ko-KR" sz="1400" dirty="0">
+                <a:solidFill>
+                  <a:srgbClr val="FF0000"/>
+                </a:solidFill>
+              </a:rPr>
+              <a:t>, Node.js</a:t>
+            </a:r>
+            <a:r>
+              <a:rPr lang="ko-KR" altLang="en-US" sz="1400" dirty="0">
+                <a:solidFill>
+                  <a:srgbClr val="FF0000"/>
+                </a:solidFill>
+              </a:rPr>
+              <a:t>에서 실행되는 자바스크립트 프로그램을 관리해준다</a:t>
+            </a:r>
+            <a:r>
+              <a:rPr lang="en-US" altLang="ko-KR" sz="1400" dirty="0">
+                <a:solidFill>
+                  <a:srgbClr val="FF0000"/>
+                </a:solidFill>
+              </a:rPr>
+              <a:t>.</a:t>
+            </a:r>
+          </a:p>
+          <a:p>
+            <a:pPr marL="742950" lvl="1" indent="-285750" latinLnBrk="0">
+              <a:lnSpc>
+                <a:spcPct val="150000"/>
+              </a:lnSpc>
+              <a:buFont typeface="Arial" panose="020B0604020202020204" pitchFamily="34" charset="0"/>
+              <a:buChar char="•"/>
+            </a:pPr>
+            <a:r>
+              <a:rPr lang="ko-KR" altLang="en-US" sz="1400" dirty="0">
+                <a:solidFill>
+                  <a:srgbClr val="FF0000"/>
+                </a:solidFill>
+              </a:rPr>
+              <a:t>패키지는 서비스에 </a:t>
+            </a:r>
+            <a:r>
+              <a:rPr lang="ko-KR" altLang="en-US" sz="1400" dirty="0" err="1">
+                <a:solidFill>
+                  <a:srgbClr val="FF0000"/>
+                </a:solidFill>
+              </a:rPr>
+              <a:t>업로드된</a:t>
+            </a:r>
+            <a:r>
+              <a:rPr lang="ko-KR" altLang="en-US" sz="1400" dirty="0">
+                <a:solidFill>
+                  <a:srgbClr val="FF0000"/>
+                </a:solidFill>
+              </a:rPr>
+              <a:t> 노드 모듈을 의미하는데</a:t>
+            </a:r>
+            <a:r>
+              <a:rPr lang="en-US" altLang="ko-KR" sz="1400" dirty="0">
+                <a:solidFill>
+                  <a:srgbClr val="FF0000"/>
+                </a:solidFill>
+              </a:rPr>
+              <a:t>, </a:t>
+            </a:r>
+            <a:r>
+              <a:rPr lang="ko-KR" altLang="en-US" sz="1400" dirty="0">
+                <a:solidFill>
+                  <a:srgbClr val="FF0000"/>
+                </a:solidFill>
+              </a:rPr>
+              <a:t>하나의 모듈이 다른 모듈을 사용할 수 있는 것처럼</a:t>
+            </a:r>
+            <a:r>
+              <a:rPr lang="en-US" altLang="ko-KR" sz="1400" dirty="0">
+                <a:solidFill>
+                  <a:srgbClr val="FF0000"/>
+                </a:solidFill>
+              </a:rPr>
+              <a:t>, </a:t>
+            </a:r>
+            <a:r>
+              <a:rPr lang="ko-KR" altLang="en-US" sz="1400" dirty="0">
+                <a:solidFill>
+                  <a:srgbClr val="FF0000"/>
+                </a:solidFill>
+              </a:rPr>
+              <a:t>하나의 패키지가 다른 패키지를 사용할 수 있다</a:t>
+            </a:r>
+            <a:r>
+              <a:rPr lang="en-US" altLang="ko-KR" sz="1400" dirty="0">
+                <a:solidFill>
+                  <a:srgbClr val="FF0000"/>
+                </a:solidFill>
+              </a:rPr>
+              <a:t>.</a:t>
+            </a:r>
+          </a:p>
+          <a:p>
+            <a:pPr marL="742950" lvl="1" indent="-285750" latinLnBrk="0">
+              <a:lnSpc>
+                <a:spcPct val="150000"/>
+              </a:lnSpc>
+              <a:buFont typeface="Arial" panose="020B0604020202020204" pitchFamily="34" charset="0"/>
+              <a:buChar char="•"/>
+            </a:pPr>
+            <a:r>
+              <a:rPr lang="en-US" altLang="ko-KR" sz="1400" dirty="0"/>
+              <a:t>NPM</a:t>
+            </a:r>
+            <a:r>
+              <a:rPr lang="ko-KR" altLang="en-US" sz="1400" dirty="0"/>
+              <a:t>은 특히 </a:t>
+            </a:r>
+            <a:r>
+              <a:rPr lang="en-US" altLang="ko-KR" sz="1400" dirty="0"/>
+              <a:t>Node.js</a:t>
+            </a:r>
+            <a:r>
+              <a:rPr lang="ko-KR" altLang="en-US" sz="1400" dirty="0"/>
+              <a:t>로 개발되는 </a:t>
+            </a:r>
+            <a:r>
+              <a:rPr lang="ko-KR" altLang="en-US" sz="1400" dirty="0" err="1"/>
+              <a:t>프론트엔드</a:t>
+            </a:r>
+            <a:r>
+              <a:rPr lang="ko-KR" altLang="en-US" sz="1400" dirty="0"/>
+              <a:t> 프로젝트에서는 필수적인 도구라고 할 수 있는데</a:t>
+            </a:r>
+            <a:r>
+              <a:rPr lang="en-US" altLang="ko-KR" sz="1400" dirty="0"/>
+              <a:t>, </a:t>
+            </a:r>
+            <a:r>
+              <a:rPr lang="en-US" altLang="ko-KR" sz="1400" dirty="0" err="1"/>
+              <a:t>Vue</a:t>
+            </a:r>
+            <a:r>
+              <a:rPr lang="en-US" altLang="ko-KR" sz="1400" dirty="0"/>
+              <a:t>, React</a:t>
+            </a:r>
+            <a:r>
+              <a:rPr lang="ko-KR" altLang="en-US" sz="1400" dirty="0"/>
+              <a:t>와 같이 자바스크립트 프레임워크를 사용하는 경우에는 </a:t>
+            </a:r>
+            <a:r>
+              <a:rPr lang="en-US" altLang="ko-KR" sz="1400" dirty="0"/>
+              <a:t>NPM</a:t>
+            </a:r>
+            <a:r>
+              <a:rPr lang="ko-KR" altLang="en-US" sz="1400" dirty="0"/>
+              <a:t>으로 쉽게 프로젝트의 버전 관리를 할 수 </a:t>
+            </a:r>
+            <a:r>
+              <a:rPr lang="ko-KR" altLang="en-US" sz="1400" dirty="0" err="1" smtClean="0"/>
+              <a:t>있어다</a:t>
+            </a:r>
+            <a:r>
+              <a:rPr lang="en-US" altLang="ko-KR" sz="1400" dirty="0" smtClean="0"/>
+              <a:t>.</a:t>
+            </a:r>
+            <a:endParaRPr lang="en-US" altLang="ko-KR" sz="1400" dirty="0" smtClean="0">
+              <a:solidFill>
+                <a:srgbClr val="FF0000"/>
+              </a:solidFill>
+            </a:endParaRPr>
+          </a:p>
+        </p:txBody>
+      </p:sp>
+    </p:spTree>
+    <p:extLst>
+      <p:ext uri="{BB962C8B-B14F-4D97-AF65-F5344CB8AC3E}">
+        <p14:creationId xmlns:p14="http://schemas.microsoft.com/office/powerpoint/2010/main" val="3725943666"/>
+      </p:ext>
+    </p:extLst>
+  </p:cSld>
+  <p:clrMapOvr>
+    <a:masterClrMapping/>
+  </p:clrMapOvr>
+  <p:timing>
+    <p:tnLst>
+      <p:par>
+        <p:cTn id="1" dur="indefinite" restart="never" nodeType="tmRoot"/>
+      </p:par>
+    </p:tnLst>
+  </p:timing>
+</p:sld>
+</file>
+
+<file path=ppt/slides/slide4.xml><?xml version="1.0" encoding="utf-8"?>
 <p:sld xmlns:a="http://schemas.openxmlformats.org/drawingml/2006/main" xmlns:r="http://schemas.openxmlformats.org/officeDocument/2006/relationships" xmlns:p="http://schemas.openxmlformats.org/presentationml/2006/main">
   <p:cSld>
     <p:spTree>
@@ -4142,15 +6204,15 @@
               <a:buChar char="Ø"/>
             </a:pPr>
             <a:r>
-              <a:rPr lang="ko-KR" altLang="en-US" sz="2000" dirty="0" smtClean="0">
+              <a:rPr lang="en-US" altLang="ko-KR" dirty="0" smtClean="0">
                 <a:solidFill>
                   <a:srgbClr val="0000FF"/>
                 </a:solidFill>
                 <a:latin typeface="+mn-ea"/>
               </a:rPr>
-              <a:t>설치</a:t>
-            </a:r>
-            <a:endParaRPr lang="en-US" altLang="ko-KR" sz="2000" dirty="0">
+              <a:t>Version Syntax</a:t>
+            </a:r>
+            <a:endParaRPr lang="en-US" altLang="ko-KR" dirty="0">
               <a:solidFill>
                 <a:srgbClr val="0000FF"/>
               </a:solidFill>
@@ -4166,13 +6228,31 @@
               <a:buChar char="•"/>
             </a:pPr>
             <a:r>
-              <a:rPr lang="en-US" altLang="ko-KR" sz="1600" dirty="0" err="1" smtClean="0"/>
-              <a:t>npm</a:t>
-            </a:r>
-            <a:r>
-              <a:rPr lang="en-US" altLang="ko-KR" sz="1600" dirty="0" smtClean="0"/>
-              <a:t> install –s underscore</a:t>
-            </a:r>
+              <a:rPr lang="en-US" altLang="ko-KR" sz="1400" dirty="0" smtClean="0"/>
+              <a:t>major</a:t>
+            </a:r>
+          </a:p>
+          <a:p>
+            <a:pPr marL="1200150" lvl="2" indent="-285750" latinLnBrk="0">
+              <a:lnSpc>
+                <a:spcPct val="150000"/>
+              </a:lnSpc>
+              <a:buFont typeface="Wingdings" panose="05000000000000000000" pitchFamily="2" charset="2"/>
+              <a:buChar char="ü"/>
+            </a:pPr>
+            <a:r>
+              <a:rPr lang="ko-KR" altLang="en-US" sz="1200" dirty="0" smtClean="0"/>
+              <a:t>기존 </a:t>
+            </a:r>
+            <a:r>
+              <a:rPr lang="ko-KR" altLang="en-US" sz="1200" dirty="0"/>
+              <a:t>버</a:t>
+            </a:r>
+            <a:r>
+              <a:rPr lang="ko-KR" altLang="en-US" sz="1200" dirty="0" smtClean="0"/>
+              <a:t>전과 호환되지 않게 변경된 버전</a:t>
+            </a:r>
+            <a:endParaRPr lang="en-US" altLang="ko-KR" sz="1200" dirty="0" smtClean="0"/>
           </a:p>
           <a:p>
             <a:pPr marL="742950" lvl="1" indent="-285750" latinLnBrk="0">
@@ -4183,21 +6263,10 @@
               <a:buChar char="•"/>
             </a:pPr>
             <a:r>
-              <a:rPr lang="en-US" altLang="ko-KR" sz="1600" dirty="0" err="1" smtClean="0"/>
-              <a:t>npm</a:t>
-            </a:r>
-            <a:r>
-              <a:rPr lang="en-US" altLang="ko-KR" sz="1600" dirty="0" smtClean="0"/>
-              <a:t> install </a:t>
-            </a:r>
-            <a:r>
-              <a:rPr lang="en-US" altLang="ko-KR" sz="1600" dirty="0" err="1" smtClean="0"/>
-              <a:t>ugflify-js</a:t>
-            </a:r>
-            <a:r>
-              <a:rPr lang="en-US" altLang="ko-KR" sz="1600" dirty="0" smtClean="0"/>
-              <a:t> –g</a:t>
-            </a:r>
+              <a:rPr lang="en-US" altLang="ko-KR" sz="1400" dirty="0" smtClean="0"/>
+              <a:t>minor</a:t>
+            </a:r>
+            <a:endParaRPr lang="en-US" altLang="ko-KR" sz="1400" dirty="0"/>
           </a:p>
           <a:p>
             <a:pPr marL="1200150" lvl="2" indent="-285750" latinLnBrk="0">
@@ -4208,37 +6277,14 @@
               <a:buChar char="ü"/>
             </a:pPr>
             <a:r>
-              <a:rPr lang="en-US" altLang="ko-KR" sz="1400" dirty="0" err="1"/>
-              <a:t>uglifyjs</a:t>
-            </a:r>
-            <a:r>
-              <a:rPr lang="en-US" altLang="ko-KR" sz="1400" dirty="0"/>
-              <a:t> users.js -o users.min.js</a:t>
-            </a:r>
-          </a:p>
-          <a:p>
-            <a:pPr marL="285750" indent="-285750">
-              <a:lnSpc>
-                <a:spcPct val="150000"/>
-              </a:lnSpc>
-              <a:buFont typeface="Wingdings" panose="05000000000000000000" pitchFamily="2" charset="2"/>
-              <a:buChar char="Ø"/>
-            </a:pPr>
-            <a:r>
-              <a:rPr lang="ko-KR" altLang="en-US" sz="2000" dirty="0" smtClean="0">
-                <a:solidFill>
-                  <a:srgbClr val="0000FF"/>
-                </a:solidFill>
-                <a:latin typeface="+mn-ea"/>
-              </a:rPr>
-              <a:t>삭제</a:t>
-            </a:r>
-            <a:endParaRPr lang="en-US" altLang="ko-KR" sz="2000" dirty="0" smtClean="0">
-              <a:solidFill>
-                <a:srgbClr val="0000FF"/>
-              </a:solidFill>
-              <a:latin typeface="+mn-ea"/>
-            </a:endParaRPr>
+              <a:rPr lang="ko-KR" altLang="en-US" sz="1200" dirty="0"/>
+              <a:t>기존 버전과 </a:t>
+            </a:r>
+            <a:r>
+              <a:rPr lang="ko-KR" altLang="en-US" sz="1200" dirty="0" smtClean="0"/>
+              <a:t>호환되고 기능이 추가된 버전</a:t>
+            </a:r>
+            <a:endParaRPr lang="en-US" altLang="ko-KR" sz="1200" dirty="0"/>
           </a:p>
           <a:p>
             <a:pPr marL="742950" lvl="1" indent="-285750" latinLnBrk="0">
@@ -4249,156 +6295,10 @@
               <a:buChar char="•"/>
             </a:pPr>
             <a:r>
-              <a:rPr lang="en-US" altLang="ko-KR" sz="1600" dirty="0" err="1"/>
-              <a:t>n</a:t>
-            </a:r>
-            <a:r>
-              <a:rPr lang="en-US" altLang="ko-KR" sz="1600" dirty="0" err="1" smtClean="0"/>
-              <a:t>pm</a:t>
-            </a:r>
-            <a:r>
-              <a:rPr lang="en-US" altLang="ko-KR" sz="1600" dirty="0" smtClean="0"/>
-              <a:t> uninstall underscore</a:t>
-            </a:r>
-          </a:p>
-          <a:p>
-            <a:pPr marL="285750" indent="-285750">
-              <a:lnSpc>
-                <a:spcPct val="150000"/>
-              </a:lnSpc>
-              <a:buFont typeface="Wingdings" panose="05000000000000000000" pitchFamily="2" charset="2"/>
-              <a:buChar char="Ø"/>
-            </a:pPr>
-            <a:r>
-              <a:rPr lang="ko-KR" altLang="en-US" sz="2000" dirty="0" smtClean="0">
-                <a:solidFill>
-                  <a:srgbClr val="0000FF"/>
-                </a:solidFill>
-                <a:latin typeface="+mn-ea"/>
-              </a:rPr>
-              <a:t>모듈 최신 업데이트 </a:t>
-            </a:r>
-            <a:r>
-              <a:rPr lang="en-US" altLang="ko-KR" sz="2000" dirty="0" smtClean="0">
-                <a:solidFill>
-                  <a:srgbClr val="0000FF"/>
-                </a:solidFill>
-                <a:latin typeface="+mn-ea"/>
-              </a:rPr>
-              <a:t>1</a:t>
-            </a:r>
-            <a:endParaRPr lang="en-US" altLang="ko-KR" sz="2000" dirty="0">
-              <a:solidFill>
-                <a:srgbClr val="0000FF"/>
-              </a:solidFill>
-              <a:latin typeface="+mn-ea"/>
-            </a:endParaRPr>
-          </a:p>
-          <a:p>
-            <a:pPr marL="742950" lvl="1" indent="-285750" latinLnBrk="0">
-              <a:lnSpc>
-                <a:spcPct val="150000"/>
-              </a:lnSpc>
-              <a:buFont typeface="Arial" panose="020B0604020202020204" pitchFamily="34" charset="0"/>
-              <a:buChar char="•"/>
-            </a:pPr>
-            <a:r>
-              <a:rPr lang="en-US" altLang="ko-KR" sz="1600" dirty="0" err="1" smtClean="0"/>
-              <a:t>ncu</a:t>
-            </a:r>
-            <a:r>
-              <a:rPr lang="en-US" altLang="ko-KR" sz="1600" dirty="0" smtClean="0"/>
-              <a:t> –u</a:t>
-            </a:r>
-          </a:p>
-          <a:p>
-            <a:pPr marL="742950" lvl="1" indent="-285750" latinLnBrk="0">
-              <a:lnSpc>
-                <a:spcPct val="150000"/>
-              </a:lnSpc>
-              <a:buFont typeface="Arial" panose="020B0604020202020204" pitchFamily="34" charset="0"/>
-              <a:buChar char="•"/>
-            </a:pPr>
-            <a:r>
-              <a:rPr lang="en-US" altLang="ko-KR" sz="1600" dirty="0" err="1" smtClean="0"/>
-              <a:t>npm</a:t>
-            </a:r>
-            <a:r>
-              <a:rPr lang="en-US" altLang="ko-KR" sz="1600" dirty="0" smtClean="0"/>
-              <a:t> install</a:t>
-            </a:r>
-          </a:p>
-          <a:p>
-            <a:pPr marL="285750" indent="-285750">
-              <a:lnSpc>
-                <a:spcPct val="150000"/>
-              </a:lnSpc>
-              <a:buFont typeface="Wingdings" panose="05000000000000000000" pitchFamily="2" charset="2"/>
-              <a:buChar char="Ø"/>
-            </a:pPr>
-            <a:r>
-              <a:rPr lang="ko-KR" altLang="en-US" sz="2000" dirty="0" smtClean="0">
-                <a:solidFill>
-                  <a:srgbClr val="0000FF"/>
-                </a:solidFill>
-                <a:latin typeface="+mn-ea"/>
-              </a:rPr>
-              <a:t>모듈 </a:t>
-            </a:r>
-            <a:r>
-              <a:rPr lang="ko-KR" altLang="en-US" sz="2000" dirty="0">
-                <a:solidFill>
-                  <a:srgbClr val="0000FF"/>
-                </a:solidFill>
-                <a:latin typeface="+mn-ea"/>
-              </a:rPr>
-              <a:t>최신 </a:t>
-            </a:r>
-            <a:r>
-              <a:rPr lang="ko-KR" altLang="en-US" sz="2000" dirty="0" smtClean="0">
-                <a:solidFill>
-                  <a:srgbClr val="0000FF"/>
-                </a:solidFill>
-                <a:latin typeface="+mn-ea"/>
-              </a:rPr>
-              <a:t>업데이트 </a:t>
-            </a:r>
-            <a:r>
-              <a:rPr lang="en-US" altLang="ko-KR" sz="2000" dirty="0" smtClean="0">
-                <a:solidFill>
-                  <a:srgbClr val="0000FF"/>
-                </a:solidFill>
-                <a:latin typeface="+mn-ea"/>
-              </a:rPr>
-              <a:t>2</a:t>
-            </a:r>
-            <a:endParaRPr lang="en-US" altLang="ko-KR" sz="2000" dirty="0">
-              <a:solidFill>
-                <a:srgbClr val="0000FF"/>
-              </a:solidFill>
-              <a:latin typeface="+mn-ea"/>
-            </a:endParaRPr>
-          </a:p>
-          <a:p>
-            <a:pPr marL="742950" lvl="1" indent="-285750" latinLnBrk="0">
-              <a:lnSpc>
-                <a:spcPct val="150000"/>
-              </a:lnSpc>
-              <a:buFont typeface="Arial" panose="020B0604020202020204" pitchFamily="34" charset="0"/>
-              <a:buChar char="•"/>
-            </a:pPr>
-            <a:r>
-              <a:rPr lang="ko-KR" altLang="en-US" sz="1400" dirty="0" smtClean="0"/>
-              <a:t>등록된 </a:t>
-            </a:r>
-            <a:r>
-              <a:rPr lang="ko-KR" altLang="en-US" sz="1400" dirty="0"/>
-              <a:t>모듈들을 의존성에 알맞게 최신 버전으로 업데이트 한다</a:t>
-            </a:r>
-            <a:r>
-              <a:rPr lang="en-US" altLang="ko-KR" sz="1400" dirty="0"/>
-              <a:t>.</a:t>
-            </a:r>
+              <a:rPr lang="en-US" altLang="ko-KR" sz="1400" dirty="0" smtClean="0"/>
+              <a:t>micro</a:t>
+            </a:r>
+            <a:endParaRPr lang="en-US" altLang="ko-KR" sz="1400" dirty="0"/>
           </a:p>
           <a:p>
             <a:pPr marL="1200150" lvl="2" indent="-285750" latinLnBrk="0">
@@ -4409,12 +6309,40 @@
               <a:buChar char="ü"/>
             </a:pPr>
             <a:r>
+              <a:rPr lang="ko-KR" altLang="en-US" sz="1200" dirty="0"/>
+              <a:t>기존 버전과 </a:t>
+            </a:r>
+            <a:r>
+              <a:rPr lang="ko-KR" altLang="en-US" sz="1200" dirty="0" smtClean="0"/>
+              <a:t>호환되고 버그를 수정한 버전</a:t>
+            </a:r>
+            <a:endParaRPr lang="en-US" altLang="ko-KR" sz="1200" dirty="0" smtClean="0"/>
+          </a:p>
+          <a:p>
+            <a:pPr marL="1200150" lvl="2" indent="-285750" latinLnBrk="0">
+              <a:lnSpc>
+                <a:spcPct val="150000"/>
+              </a:lnSpc>
+              <a:buFont typeface="Wingdings" panose="05000000000000000000" pitchFamily="2" charset="2"/>
+              <a:buChar char="ü"/>
+            </a:pPr>
+            <a:endParaRPr lang="en-US" altLang="ko-KR" sz="1200" dirty="0"/>
+          </a:p>
+          <a:p>
+            <a:pPr marL="742950" lvl="1" indent="-285750" latinLnBrk="0">
+              <a:lnSpc>
+                <a:spcPct val="150000"/>
+              </a:lnSpc>
+              <a:buFont typeface="Wingdings" panose="05000000000000000000" pitchFamily="2" charset="2"/>
+              <a:buChar char="v"/>
+            </a:pPr>
+            <a:r>
               <a:rPr lang="en-US" altLang="ko-KR" sz="1400" dirty="0" err="1" smtClean="0">
                 <a:solidFill>
                   <a:srgbClr val="FF0000"/>
                 </a:solidFill>
               </a:rPr>
-              <a:t>npx</a:t>
+              <a:t>npm</a:t>
             </a:r>
             <a:r>
               <a:rPr lang="en-US" altLang="ko-KR" sz="1400" dirty="0" smtClean="0">
@@ -4425,29 +6353,26 @@
               <a:t> </a:t>
             </a:r>
             <a:r>
-              <a:rPr lang="en-US" altLang="ko-KR" sz="1400" dirty="0" err="1" smtClean="0">
+              <a:rPr lang="en-US" altLang="ko-KR" sz="1400" dirty="0">
                 <a:solidFill>
                   <a:srgbClr val="FF0000"/>
                 </a:solidFill>
               </a:rPr>
-              <a:t>npm</a:t>
-            </a:r>
-            <a:r>
-              <a:rPr lang="en-US" altLang="ko-KR" sz="1400" dirty="0" smtClean="0">
-                <a:solidFill>
-                  <a:srgbClr val="FF0000"/>
-                </a:solidFill>
-              </a:rPr>
-              <a:t>-check-updates -u</a:t>
-            </a:r>
-            <a:endParaRPr lang="en-US" altLang="ko-KR" sz="1400" dirty="0">
-              <a:solidFill>
-                <a:srgbClr val="FF0000"/>
-              </a:solidFill>
-            </a:endParaRPr>
-          </a:p>
-          <a:p>
-            <a:pPr lvl="2" latinLnBrk="0">
+              <a:t>view pm2 versions </a:t>
+            </a:r>
+          </a:p>
+          <a:p>
+            <a:pPr marL="1200150" lvl="2" indent="-285750" latinLnBrk="0">
+              <a:lnSpc>
+                <a:spcPct val="150000"/>
+              </a:lnSpc>
+              <a:buFont typeface="Wingdings" panose="05000000000000000000" pitchFamily="2" charset="2"/>
+              <a:buChar char="ü"/>
+            </a:pPr>
+            <a:endParaRPr lang="en-US" altLang="ko-KR" sz="1200" dirty="0"/>
+          </a:p>
+          <a:p>
+            <a:pPr lvl="1" latinLnBrk="0">
               <a:lnSpc>
                 <a:spcPct val="150000"/>
               </a:lnSpc>
@@ -4502,10 +6427,51 @@
           </a:p>
         </p:txBody>
       </p:sp>
+      <p:pic>
+        <p:nvPicPr>
+          <p:cNvPr id="2050" name="Picture 2" descr="NPM : Semantic Versioning. Have you ever opened your package.json… | by  Anurag Bhattacharjee | Medium"/>
+          <p:cNvPicPr>
+            <a:picLocks noChangeAspect="1" noChangeArrowheads="1"/>
+          </p:cNvPicPr>
+          <p:nvPr/>
+        </p:nvPicPr>
+        <p:blipFill>
+          <a:blip r:embed="rId4">
+            <a:extLst>
+              <a:ext uri="{28A0092B-C50C-407E-A947-70E740481C1C}">
+                <a14:useLocalDpi xmlns:a14="http://schemas.microsoft.com/office/drawing/2010/main" val="0"/>
+              </a:ext>
+            </a:extLst>
+          </a:blip>
+          <a:srcRect/>
+          <a:stretch>
+            <a:fillRect/>
+          </a:stretch>
+        </p:blipFill>
+        <p:spPr bwMode="auto">
+          <a:xfrm>
+            <a:off x="2591096" y="4182544"/>
+            <a:ext cx="3961808" cy="2342800"/>
+          </a:xfrm>
+          <a:prstGeom prst="rect">
+            <a:avLst/>
+          </a:prstGeom>
+          <a:noFill/>
+          <a:extLst>
+            <a:ext uri="{909E8E84-426E-40DD-AFC4-6F175D3DCCD1}">
+              <a14:hiddenFill xmlns:a14="http://schemas.microsoft.com/office/drawing/2010/main">
+                <a:solidFill>
+                  <a:srgbClr val="FFFFFF"/>
+                </a:solidFill>
+              </a14:hiddenFill>
+            </a:ext>
+          </a:extLst>
+        </p:spPr>
+      </p:pic>
     </p:spTree>
     <p:extLst>
       <p:ext uri="{BB962C8B-B14F-4D97-AF65-F5344CB8AC3E}">
-        <p14:creationId xmlns:p14="http://schemas.microsoft.com/office/powerpoint/2010/main" val="2465496176"/>
+        <p14:creationId xmlns:p14="http://schemas.microsoft.com/office/powerpoint/2010/main" val="2601705191"/>
       </p:ext>
     </p:extLst>
   </p:cSld>
@@ -4522,7 +6488,7 @@
 </p:sld>
 </file>
 
-<file path=ppt/slides/slide6.xml><?xml version="1.0" encoding="utf-8"?>
+<file path=ppt/slides/slide5.xml><?xml version="1.0" encoding="utf-8"?>
 <p:sld xmlns:a="http://schemas.openxmlformats.org/drawingml/2006/main" xmlns:r="http://schemas.openxmlformats.org/officeDocument/2006/relationships" xmlns:p="http://schemas.openxmlformats.org/presentationml/2006/main">
   <p:cSld>
     <p:spTree>
@@ -4566,14 +6532,7 @@
                 <a:latin typeface="HY헤드라인M" pitchFamily="18" charset="-127"/>
                 <a:ea typeface="HY헤드라인M" pitchFamily="18" charset="-127"/>
               </a:rPr>
-              <a:t>NPM </a:t>
-            </a:r>
-            <a:r>
-              <a:rPr lang="ko-KR" altLang="en-US" sz="2400" dirty="0" smtClean="0">
-                <a:latin typeface="HY헤드라인M" pitchFamily="18" charset="-127"/>
-                <a:ea typeface="HY헤드라인M" pitchFamily="18" charset="-127"/>
-              </a:rPr>
-              <a:t>모듈 만들기</a:t>
+              <a:t>NPM</a:t>
             </a:r>
             <a:endParaRPr lang="ko-KR" altLang="en-US" sz="2400" dirty="0">
               <a:latin typeface="HY헤드라인M" pitchFamily="18" charset="-127"/>
@@ -4662,16 +6621,7 @@
                 </a:solidFill>
                 <a:latin typeface="+mn-ea"/>
               </a:rPr>
-              <a:t>등록 </a:t>
-            </a:r>
-            <a:r>
-              <a:rPr lang="en-US" altLang="ko-KR" sz="2000" dirty="0" smtClean="0">
-                <a:solidFill>
-                  <a:srgbClr val="0000FF"/>
-                </a:solidFill>
-                <a:latin typeface="+mn-ea"/>
-              </a:rPr>
-              <a:t>(NPM Registry)</a:t>
+              <a:t>기본 명령어</a:t>
             </a:r>
             <a:endParaRPr lang="en-US" altLang="ko-KR" sz="2000" dirty="0">
               <a:solidFill>
@@ -4689,20 +6639,12 @@
               <a:buChar char="•"/>
             </a:pPr>
             <a:r>
-              <a:rPr lang="en-US" altLang="ko-KR" sz="1600" dirty="0" err="1">
-                <a:solidFill>
-                  <a:srgbClr val="00B0F0"/>
-                </a:solidFill>
-              </a:rPr>
+              <a:rPr lang="en-US" altLang="ko-KR" sz="1400" dirty="0" err="1" smtClean="0"/>
               <a:t>npm</a:t>
             </a:r>
             <a:r>
-              <a:rPr lang="en-US" altLang="ko-KR" sz="1600" dirty="0">
-                <a:solidFill>
-                  <a:srgbClr val="00B0F0"/>
-                </a:solidFill>
-              </a:rPr>
-              <a:t> login</a:t>
+              <a:rPr lang="en-US" altLang="ko-KR" sz="1400" dirty="0" smtClean="0"/>
+              <a:t> -v</a:t>
             </a:r>
           </a:p>
           <a:p>
@@ -4714,32 +6656,260 @@
               <a:buChar char="•"/>
             </a:pPr>
             <a:r>
-              <a:rPr lang="en-US" altLang="ko-KR" sz="1600" dirty="0" err="1">
-                <a:solidFill>
-                  <a:schemeClr val="tx1"/>
-                </a:solidFill>
-              </a:rPr>
+              <a:rPr lang="en-US" altLang="ko-KR" sz="1400" dirty="0" err="1" smtClean="0"/>
               <a:t>npm</a:t>
             </a:r>
             <a:r>
-              <a:rPr lang="en-US" altLang="ko-KR" sz="1600" dirty="0">
-                <a:solidFill>
-                  <a:schemeClr val="tx1"/>
-                </a:solidFill>
-              </a:rPr>
-              <a:t> info @</a:t>
-            </a:r>
-            <a:r>
-              <a:rPr lang="en-US" altLang="ko-KR" sz="1600" dirty="0" smtClean="0">
-                <a:solidFill>
-                  <a:schemeClr val="tx1"/>
-                </a:solidFill>
-              </a:rPr>
-              <a:t>jsh-1235/math</a:t>
-            </a:r>
-            <a:endParaRPr lang="en-US" altLang="ko-KR" sz="1600" dirty="0">
+              <a:rPr lang="en-US" altLang="ko-KR" sz="1400" dirty="0" smtClean="0"/>
+              <a:t> -h (help)</a:t>
+            </a:r>
+          </a:p>
+          <a:p>
+            <a:pPr marL="742950" lvl="1" indent="-285750" latinLnBrk="0">
+              <a:lnSpc>
+                <a:spcPct val="150000"/>
+              </a:lnSpc>
+              <a:buFont typeface="Arial" panose="020B0604020202020204" pitchFamily="34" charset="0"/>
+              <a:buChar char="•"/>
+            </a:pPr>
+            <a:r>
+              <a:rPr lang="en-US" altLang="ko-KR" sz="1400" dirty="0" err="1" smtClean="0"/>
+              <a:t>npm</a:t>
+            </a:r>
+            <a:r>
+              <a:rPr lang="en-US" altLang="ko-KR" sz="1400" dirty="0"/>
+              <a:t> -l (display usage info for all </a:t>
+            </a:r>
+            <a:r>
+              <a:rPr lang="en-US" altLang="ko-KR" sz="1400" dirty="0" smtClean="0"/>
+              <a:t>commands</a:t>
+            </a:r>
+            <a:r>
+              <a:rPr lang="en-US" altLang="ko-KR" sz="1400" dirty="0" smtClean="0"/>
+              <a:t>)</a:t>
+            </a:r>
+          </a:p>
+          <a:p>
+            <a:pPr marL="742950" lvl="1" indent="-285750" latinLnBrk="0">
+              <a:lnSpc>
+                <a:spcPct val="150000"/>
+              </a:lnSpc>
+              <a:buFont typeface="Arial" panose="020B0604020202020204" pitchFamily="34" charset="0"/>
+              <a:buChar char="•"/>
+            </a:pPr>
+            <a:r>
+              <a:rPr lang="en-US" altLang="ko-KR" sz="1400" dirty="0" err="1" smtClean="0"/>
+              <a:t>npm</a:t>
+            </a:r>
+            <a:r>
+              <a:rPr lang="en-US" altLang="ko-KR" sz="1400" dirty="0" smtClean="0"/>
+              <a:t> root (local)</a:t>
+            </a:r>
+          </a:p>
+          <a:p>
+            <a:pPr marL="1200150" lvl="2" indent="-285750" latinLnBrk="0">
+              <a:lnSpc>
+                <a:spcPct val="150000"/>
+              </a:lnSpc>
+              <a:buFont typeface="Arial" panose="020B0604020202020204" pitchFamily="34" charset="0"/>
+              <a:buChar char="•"/>
+            </a:pPr>
+            <a:r>
+              <a:rPr lang="ko-KR" altLang="en-US" sz="1400" dirty="0"/>
+              <a:t>유효한 </a:t>
+            </a:r>
+            <a:r>
+              <a:rPr lang="en-US" altLang="ko-KR" sz="1400" dirty="0" err="1"/>
+              <a:t>node_modules</a:t>
+            </a:r>
+            <a:r>
+              <a:rPr lang="en-US" altLang="ko-KR" sz="1400" dirty="0"/>
+              <a:t> </a:t>
+            </a:r>
+            <a:r>
+              <a:rPr lang="ko-KR" altLang="en-US" sz="1400" dirty="0"/>
+              <a:t>폴더를 표준 </a:t>
+            </a:r>
+            <a:r>
+              <a:rPr lang="ko-KR" altLang="en-US" sz="1400" dirty="0" smtClean="0"/>
+              <a:t>출력으로 나타냅니다</a:t>
+            </a:r>
+            <a:r>
+              <a:rPr lang="en-US" altLang="ko-KR" sz="1400" dirty="0" smtClean="0"/>
+              <a:t>.</a:t>
+            </a:r>
+          </a:p>
+          <a:p>
+            <a:pPr marL="742950" lvl="1" indent="-285750" latinLnBrk="0">
+              <a:lnSpc>
+                <a:spcPct val="150000"/>
+              </a:lnSpc>
+              <a:buFont typeface="Arial" panose="020B0604020202020204" pitchFamily="34" charset="0"/>
+              <a:buChar char="•"/>
+            </a:pPr>
+            <a:r>
+              <a:rPr lang="en-US" altLang="ko-KR" sz="1400" dirty="0" err="1"/>
+              <a:t>npm</a:t>
+            </a:r>
+            <a:r>
+              <a:rPr lang="en-US" altLang="ko-KR" sz="1400" dirty="0"/>
+              <a:t> </a:t>
+            </a:r>
+            <a:r>
+              <a:rPr lang="en-US" altLang="ko-KR" sz="1400" dirty="0" smtClean="0"/>
+              <a:t>-g root</a:t>
+            </a:r>
+            <a:endParaRPr lang="en-US" altLang="ko-KR" sz="1400" dirty="0"/>
+          </a:p>
+          <a:p>
+            <a:pPr marL="1200150" lvl="2" indent="-285750" latinLnBrk="0">
+              <a:lnSpc>
+                <a:spcPct val="150000"/>
+              </a:lnSpc>
+              <a:buFont typeface="Arial" panose="020B0604020202020204" pitchFamily="34" charset="0"/>
+              <a:buChar char="•"/>
+            </a:pPr>
+            <a:r>
+              <a:rPr lang="ko-KR" altLang="en-US" sz="1400" dirty="0"/>
+              <a:t>유효한 </a:t>
+            </a:r>
+            <a:r>
+              <a:rPr lang="en-US" altLang="ko-KR" sz="1400" dirty="0" err="1"/>
+              <a:t>node_modules</a:t>
+            </a:r>
+            <a:r>
+              <a:rPr lang="en-US" altLang="ko-KR" sz="1400" dirty="0"/>
+              <a:t> </a:t>
+            </a:r>
+            <a:r>
+              <a:rPr lang="ko-KR" altLang="en-US" sz="1400" dirty="0"/>
+              <a:t>폴더를 표준 출력으로 나타냅니다</a:t>
+            </a:r>
+            <a:r>
+              <a:rPr lang="en-US" altLang="ko-KR" sz="1400" dirty="0"/>
+              <a:t>.</a:t>
+            </a:r>
+          </a:p>
+          <a:p>
+            <a:pPr marL="1200150" lvl="2" indent="-285750" latinLnBrk="0">
+              <a:lnSpc>
+                <a:spcPct val="150000"/>
+              </a:lnSpc>
+              <a:buFont typeface="Arial" panose="020B0604020202020204" pitchFamily="34" charset="0"/>
+              <a:buChar char="•"/>
+            </a:pPr>
+            <a:endParaRPr lang="en-US" altLang="ko-KR" sz="1400" dirty="0" smtClean="0"/>
+          </a:p>
+          <a:p>
+            <a:pPr lvl="2" latinLnBrk="0">
+              <a:lnSpc>
+                <a:spcPct val="150000"/>
+              </a:lnSpc>
+            </a:pPr>
+            <a:endParaRPr lang="en-US" altLang="ko-KR" sz="1400" dirty="0" smtClean="0"/>
+          </a:p>
+          <a:p>
+            <a:pPr marL="742950" lvl="1" indent="-285750" latinLnBrk="0">
+              <a:lnSpc>
+                <a:spcPct val="150000"/>
+              </a:lnSpc>
+              <a:buFont typeface="Arial" panose="020B0604020202020204" pitchFamily="34" charset="0"/>
+              <a:buChar char="•"/>
+            </a:pPr>
+            <a:r>
+              <a:rPr lang="en-US" altLang="ko-KR" sz="1400" dirty="0" err="1" smtClean="0">
+                <a:solidFill>
+                  <a:srgbClr val="FF0000"/>
+                </a:solidFill>
+              </a:rPr>
+              <a:t>npm</a:t>
+            </a:r>
+            <a:r>
+              <a:rPr lang="en-US" altLang="ko-KR" sz="1400" dirty="0" smtClean="0">
+                <a:solidFill>
+                  <a:srgbClr val="FF0000"/>
+                </a:solidFill>
+              </a:rPr>
+              <a:t> cache clean</a:t>
+            </a:r>
+          </a:p>
+          <a:p>
+            <a:pPr marL="742950" lvl="1" indent="-285750" latinLnBrk="0">
+              <a:lnSpc>
+                <a:spcPct val="150000"/>
+              </a:lnSpc>
+              <a:buFont typeface="Arial" panose="020B0604020202020204" pitchFamily="34" charset="0"/>
+              <a:buChar char="•"/>
+            </a:pPr>
+            <a:r>
+              <a:rPr lang="en-US" altLang="ko-KR" sz="1400" dirty="0" err="1" smtClean="0">
+                <a:solidFill>
+                  <a:srgbClr val="FF0000"/>
+                </a:solidFill>
+              </a:rPr>
+              <a:t>npm</a:t>
+            </a:r>
+            <a:r>
+              <a:rPr lang="en-US" altLang="ko-KR" sz="1400" dirty="0" smtClean="0">
+                <a:solidFill>
+                  <a:srgbClr val="FF0000"/>
+                </a:solidFill>
+              </a:rPr>
+              <a:t> rebuild</a:t>
+            </a:r>
+          </a:p>
+          <a:p>
+            <a:pPr marL="742950" lvl="1" indent="-285750" latinLnBrk="0">
+              <a:lnSpc>
+                <a:spcPct val="150000"/>
+              </a:lnSpc>
+              <a:buFont typeface="Arial" panose="020B0604020202020204" pitchFamily="34" charset="0"/>
+              <a:buChar char="•"/>
+            </a:pPr>
+            <a:r>
+              <a:rPr lang="en-US" altLang="ko-KR" sz="1400" dirty="0" err="1" smtClean="0">
+                <a:solidFill>
+                  <a:srgbClr val="FF0000"/>
+                </a:solidFill>
+              </a:rPr>
+              <a:t>npm</a:t>
+            </a:r>
+            <a:r>
+              <a:rPr lang="en-US" altLang="ko-KR" sz="1400" dirty="0" smtClean="0">
+                <a:solidFill>
+                  <a:srgbClr val="FF0000"/>
+                </a:solidFill>
+              </a:rPr>
+              <a:t> dedupe </a:t>
+            </a:r>
+          </a:p>
+          <a:p>
+            <a:pPr marL="1200150" lvl="2" indent="-285750" latinLnBrk="0">
+              <a:lnSpc>
+                <a:spcPct val="150000"/>
+              </a:lnSpc>
+              <a:buFont typeface="Arial" panose="020B0604020202020204" pitchFamily="34" charset="0"/>
+              <a:buChar char="•"/>
+            </a:pPr>
+            <a:r>
+              <a:rPr lang="ko-KR" altLang="en-US" sz="1400" dirty="0" smtClean="0">
+                <a:solidFill>
+                  <a:srgbClr val="FF0000"/>
+                </a:solidFill>
+              </a:rPr>
+              <a:t>중복된 패키지를 정리해 준다</a:t>
+            </a:r>
+            <a:r>
+              <a:rPr lang="en-US" altLang="ko-KR" sz="1400" dirty="0" smtClean="0">
+                <a:solidFill>
+                  <a:srgbClr val="FF0000"/>
+                </a:solidFill>
+              </a:rPr>
+              <a:t>.</a:t>
+            </a:r>
+            <a:endParaRPr lang="en-US" altLang="ko-KR" sz="1400" dirty="0">
               <a:solidFill>
-                <a:schemeClr val="tx1"/>
+                <a:srgbClr val="FF0000"/>
               </a:solidFill>
             </a:endParaRPr>
           </a:p>
@@ -4751,413 +6921,536 @@
               <a:buFont typeface="Arial" panose="020B0604020202020204" pitchFamily="34" charset="0"/>
               <a:buChar char="•"/>
             </a:pPr>
-            <a:r>
-              <a:rPr lang="en-US" altLang="ko-KR" sz="1600" dirty="0" err="1">
-                <a:solidFill>
-                  <a:srgbClr val="00B0F0"/>
-                </a:solidFill>
-              </a:rPr>
-              <a:t>npm</a:t>
-            </a:r>
-            <a:r>
-              <a:rPr lang="en-US" altLang="ko-KR" sz="1600" dirty="0">
-                <a:solidFill>
-                  <a:srgbClr val="00B0F0"/>
-                </a:solidFill>
-              </a:rPr>
-              <a:t> publish --access </a:t>
-            </a:r>
-            <a:r>
-              <a:rPr lang="en-US" altLang="ko-KR" sz="1600" dirty="0" smtClean="0">
-                <a:solidFill>
-                  <a:srgbClr val="00B0F0"/>
-                </a:solidFill>
-              </a:rPr>
-              <a:t>public</a:t>
-            </a:r>
-          </a:p>
-          <a:p>
-            <a:pPr marL="742950" lvl="1" indent="-285750" latinLnBrk="0">
-              <a:lnSpc>
-                <a:spcPct val="150000"/>
-              </a:lnSpc>
-              <a:buFont typeface="Arial" panose="020B0604020202020204" pitchFamily="34" charset="0"/>
-              <a:buChar char="•"/>
-            </a:pPr>
-            <a:endParaRPr lang="en-US" altLang="ko-KR" sz="1600" dirty="0">
+            <a:endParaRPr lang="en-US" altLang="ko-KR" sz="1600" dirty="0" smtClean="0">
               <a:solidFill>
-                <a:srgbClr val="00B0F0"/>
+                <a:srgbClr val="FF0000"/>
               </a:solidFill>
             </a:endParaRPr>
-          </a:p>
-          <a:p>
-            <a:pPr marL="285750" indent="-285750">
-              <a:lnSpc>
-                <a:spcPct val="150000"/>
-              </a:lnSpc>
-              <a:buFont typeface="Wingdings" panose="05000000000000000000" pitchFamily="2" charset="2"/>
-              <a:buChar char="Ø"/>
-            </a:pPr>
-            <a:r>
-              <a:rPr lang="ko-KR" altLang="en-US" sz="2000" dirty="0" smtClean="0">
-                <a:solidFill>
-                  <a:srgbClr val="0000FF"/>
-                </a:solidFill>
-                <a:latin typeface="+mn-ea"/>
-              </a:rPr>
-              <a:t>등록 </a:t>
-            </a:r>
-            <a:r>
-              <a:rPr lang="en-US" altLang="ko-KR" sz="2000" dirty="0">
-                <a:solidFill>
-                  <a:srgbClr val="0000FF"/>
-                </a:solidFill>
-                <a:latin typeface="+mn-ea"/>
-              </a:rPr>
-              <a:t>(NPM Registry)</a:t>
-            </a:r>
-          </a:p>
-          <a:p>
-            <a:pPr marL="742950" lvl="1" indent="-285750" latinLnBrk="0">
-              <a:lnSpc>
-                <a:spcPct val="150000"/>
-              </a:lnSpc>
-              <a:buFont typeface="Arial" panose="020B0604020202020204" pitchFamily="34" charset="0"/>
-              <a:buChar char="•"/>
-            </a:pPr>
-            <a:r>
-              <a:rPr lang="en-US" altLang="ko-KR" sz="1600" dirty="0" err="1" smtClean="0">
-                <a:solidFill>
-                  <a:schemeClr val="tx1"/>
-                </a:solidFill>
-              </a:rPr>
-              <a:t>npm</a:t>
-            </a:r>
-            <a:r>
-              <a:rPr lang="en-US" altLang="ko-KR" sz="1600" dirty="0" smtClean="0">
-                <a:solidFill>
-                  <a:schemeClr val="tx1"/>
-                </a:solidFill>
-              </a:rPr>
-              <a:t> </a:t>
-            </a:r>
-            <a:r>
-              <a:rPr lang="en-US" altLang="ko-KR" sz="1600" dirty="0">
-                <a:solidFill>
-                  <a:schemeClr val="tx1"/>
-                </a:solidFill>
-              </a:rPr>
-              <a:t>version patch</a:t>
-            </a:r>
-          </a:p>
-          <a:p>
-            <a:pPr marL="742950" lvl="1" indent="-285750" latinLnBrk="0">
-              <a:lnSpc>
-                <a:spcPct val="150000"/>
-              </a:lnSpc>
-              <a:buFont typeface="Arial" panose="020B0604020202020204" pitchFamily="34" charset="0"/>
-              <a:buChar char="•"/>
-            </a:pPr>
-            <a:r>
-              <a:rPr lang="en-US" altLang="ko-KR" sz="1600" dirty="0" err="1">
-                <a:solidFill>
-                  <a:schemeClr val="tx1"/>
-                </a:solidFill>
-              </a:rPr>
-              <a:t>npm</a:t>
-            </a:r>
-            <a:r>
-              <a:rPr lang="en-US" altLang="ko-KR" sz="1600" dirty="0">
-                <a:solidFill>
-                  <a:schemeClr val="tx1"/>
-                </a:solidFill>
-              </a:rPr>
-              <a:t> </a:t>
-            </a:r>
-            <a:r>
-              <a:rPr lang="en-US" altLang="ko-KR" sz="1600" dirty="0" smtClean="0">
-                <a:solidFill>
-                  <a:schemeClr val="tx1"/>
-                </a:solidFill>
-              </a:rPr>
-              <a:t>publish</a:t>
-            </a:r>
-          </a:p>
-          <a:p>
-            <a:pPr marL="742950" lvl="1" indent="-285750" latinLnBrk="0">
-              <a:lnSpc>
-                <a:spcPct val="150000"/>
-              </a:lnSpc>
-              <a:buFont typeface="Arial" panose="020B0604020202020204" pitchFamily="34" charset="0"/>
-              <a:buChar char="•"/>
-            </a:pPr>
-            <a:endParaRPr lang="en-US" altLang="ko-KR" sz="1600" dirty="0">
-              <a:solidFill>
-                <a:srgbClr val="00B0F0"/>
-              </a:solidFill>
-            </a:endParaRPr>
-          </a:p>
-          <a:p>
-            <a:pPr marL="285750" indent="-285750">
-              <a:lnSpc>
-                <a:spcPct val="150000"/>
-              </a:lnSpc>
-              <a:buFont typeface="Wingdings" panose="05000000000000000000" pitchFamily="2" charset="2"/>
-              <a:buChar char="Ø"/>
-            </a:pPr>
-            <a:r>
-              <a:rPr lang="ko-KR" altLang="en-US" sz="2000" dirty="0" smtClean="0">
-                <a:solidFill>
-                  <a:srgbClr val="0000FF"/>
-                </a:solidFill>
-                <a:latin typeface="+mn-ea"/>
-              </a:rPr>
-              <a:t>삭제 </a:t>
-            </a:r>
-            <a:r>
-              <a:rPr lang="en-US" altLang="ko-KR" sz="2000" dirty="0">
-                <a:solidFill>
-                  <a:srgbClr val="0000FF"/>
-                </a:solidFill>
-                <a:latin typeface="+mn-ea"/>
-              </a:rPr>
-              <a:t>(NPM Registry)</a:t>
-            </a:r>
-          </a:p>
-          <a:p>
-            <a:pPr marL="742950" lvl="1" indent="-285750" latinLnBrk="0">
-              <a:lnSpc>
-                <a:spcPct val="150000"/>
-              </a:lnSpc>
-              <a:buFont typeface="Arial" panose="020B0604020202020204" pitchFamily="34" charset="0"/>
-              <a:buChar char="•"/>
-            </a:pPr>
-            <a:r>
-              <a:rPr lang="ko-KR" altLang="en-US" sz="1600" dirty="0" smtClean="0">
-                <a:solidFill>
-                  <a:schemeClr val="tx1"/>
-                </a:solidFill>
-              </a:rPr>
-              <a:t>특정 </a:t>
-            </a:r>
-            <a:r>
-              <a:rPr lang="ko-KR" altLang="en-US" sz="1600" dirty="0">
-                <a:solidFill>
-                  <a:schemeClr val="tx1"/>
-                </a:solidFill>
-              </a:rPr>
-              <a:t>버전 </a:t>
-            </a:r>
-            <a:r>
-              <a:rPr lang="ko-KR" altLang="en-US" sz="1600" dirty="0" smtClean="0">
-                <a:solidFill>
-                  <a:schemeClr val="tx1"/>
-                </a:solidFill>
-              </a:rPr>
-              <a:t>삭제 </a:t>
-            </a:r>
-            <a:r>
-              <a:rPr lang="en-US" altLang="ko-KR" sz="1600" dirty="0" smtClean="0">
-                <a:solidFill>
-                  <a:schemeClr val="tx1"/>
-                </a:solidFill>
-              </a:rPr>
-              <a:t>: </a:t>
-            </a:r>
-            <a:r>
-              <a:rPr lang="en-US" altLang="ko-KR" sz="1600" dirty="0" err="1">
-                <a:solidFill>
-                  <a:schemeClr val="tx1"/>
-                </a:solidFill>
-              </a:rPr>
-              <a:t>npm</a:t>
-            </a:r>
-            <a:r>
-              <a:rPr lang="en-US" altLang="ko-KR" sz="1600" dirty="0">
-                <a:solidFill>
-                  <a:schemeClr val="tx1"/>
-                </a:solidFill>
-              </a:rPr>
-              <a:t> </a:t>
-            </a:r>
-            <a:r>
-              <a:rPr lang="en-US" altLang="ko-KR" sz="1600" dirty="0" err="1">
-                <a:solidFill>
-                  <a:schemeClr val="tx1"/>
-                </a:solidFill>
-              </a:rPr>
-              <a:t>unpublish</a:t>
-            </a:r>
-            <a:r>
-              <a:rPr lang="en-US" altLang="ko-KR" sz="1600" dirty="0">
-                <a:solidFill>
-                  <a:schemeClr val="tx1"/>
-                </a:solidFill>
-              </a:rPr>
-              <a:t> @</a:t>
-            </a:r>
-            <a:r>
-              <a:rPr lang="en-US" altLang="ko-KR" sz="1600" dirty="0" smtClean="0">
-                <a:solidFill>
-                  <a:schemeClr val="tx1"/>
-                </a:solidFill>
-              </a:rPr>
-              <a:t>jsh-1235/math@1.0.0</a:t>
-            </a:r>
-          </a:p>
-          <a:p>
-            <a:pPr marL="742950" lvl="1" indent="-285750" latinLnBrk="0">
-              <a:lnSpc>
-                <a:spcPct val="150000"/>
-              </a:lnSpc>
-              <a:buFont typeface="Arial" panose="020B0604020202020204" pitchFamily="34" charset="0"/>
-              <a:buChar char="•"/>
-            </a:pPr>
-            <a:r>
-              <a:rPr lang="ko-KR" altLang="en-US" sz="1600" dirty="0">
-                <a:solidFill>
-                  <a:schemeClr val="tx1"/>
-                </a:solidFill>
-              </a:rPr>
-              <a:t>전체 </a:t>
-            </a:r>
-            <a:r>
-              <a:rPr lang="ko-KR" altLang="en-US" sz="1600" dirty="0" smtClean="0">
-                <a:solidFill>
-                  <a:schemeClr val="tx1"/>
-                </a:solidFill>
-              </a:rPr>
-              <a:t>삭제</a:t>
-            </a:r>
-            <a:r>
-              <a:rPr lang="en-US" altLang="ko-KR" sz="1600" dirty="0" smtClean="0">
-                <a:solidFill>
-                  <a:schemeClr val="tx1"/>
-                </a:solidFill>
-              </a:rPr>
-              <a:t> : </a:t>
-            </a:r>
-            <a:r>
-              <a:rPr lang="en-US" altLang="ko-KR" sz="1600" dirty="0" err="1" smtClean="0">
-                <a:solidFill>
-                  <a:schemeClr val="tx1"/>
-                </a:solidFill>
-              </a:rPr>
-              <a:t>npm</a:t>
-            </a:r>
-            <a:r>
-              <a:rPr lang="en-US" altLang="ko-KR" sz="1600" dirty="0" smtClean="0">
-                <a:solidFill>
-                  <a:schemeClr val="tx1"/>
-                </a:solidFill>
-              </a:rPr>
-              <a:t> </a:t>
-            </a:r>
-            <a:r>
-              <a:rPr lang="en-US" altLang="ko-KR" sz="1600" dirty="0" err="1" smtClean="0">
-                <a:solidFill>
-                  <a:schemeClr val="tx1"/>
-                </a:solidFill>
-              </a:rPr>
-              <a:t>unpublish</a:t>
-            </a:r>
-            <a:r>
-              <a:rPr lang="en-US" altLang="ko-KR" sz="1600" dirty="0" smtClean="0">
-                <a:solidFill>
-                  <a:schemeClr val="tx1"/>
-                </a:solidFill>
-              </a:rPr>
-              <a:t> </a:t>
-            </a:r>
-            <a:r>
-              <a:rPr lang="en-US" altLang="ko-KR" sz="1600" dirty="0">
-                <a:solidFill>
-                  <a:schemeClr val="tx1"/>
-                </a:solidFill>
-              </a:rPr>
-              <a:t>@</a:t>
-            </a:r>
-            <a:r>
-              <a:rPr lang="en-US" altLang="ko-KR" sz="1600" dirty="0" smtClean="0">
-                <a:solidFill>
-                  <a:schemeClr val="tx1"/>
-                </a:solidFill>
-              </a:rPr>
-              <a:t>jsh-1235/</a:t>
-            </a:r>
-            <a:r>
-              <a:rPr lang="en-US" altLang="ko-KR" sz="1600" dirty="0">
-                <a:solidFill>
-                  <a:schemeClr val="tx1"/>
-                </a:solidFill>
-              </a:rPr>
-              <a:t>math</a:t>
-            </a:r>
-            <a:r>
-              <a:rPr lang="en-US" altLang="ko-KR" sz="1600" dirty="0" smtClean="0">
-                <a:solidFill>
-                  <a:schemeClr val="tx1"/>
-                </a:solidFill>
-              </a:rPr>
-              <a:t> </a:t>
-            </a:r>
-            <a:r>
-              <a:rPr lang="en-US" altLang="ko-KR" sz="1600" dirty="0">
-                <a:solidFill>
-                  <a:schemeClr val="tx1"/>
-                </a:solidFill>
-              </a:rPr>
-              <a:t>-</a:t>
-            </a:r>
-            <a:r>
-              <a:rPr lang="en-US" altLang="ko-KR" sz="1600" dirty="0" err="1">
-                <a:solidFill>
-                  <a:schemeClr val="tx1"/>
-                </a:solidFill>
-              </a:rPr>
-              <a:t>npm</a:t>
-            </a:r>
-            <a:r>
-              <a:rPr lang="en-US" altLang="ko-KR" sz="1600" dirty="0">
-                <a:solidFill>
-                  <a:schemeClr val="tx1"/>
-                </a:solidFill>
-              </a:rPr>
-              <a:t> </a:t>
-            </a:r>
-            <a:r>
-              <a:rPr lang="en-US" altLang="ko-KR" sz="1600" dirty="0" smtClean="0">
-                <a:solidFill>
-                  <a:schemeClr val="tx1"/>
-                </a:solidFill>
-              </a:rPr>
-              <a:t>-</a:t>
-            </a:r>
-            <a:r>
-              <a:rPr lang="en-US" altLang="ko-KR" sz="1600" dirty="0">
-                <a:solidFill>
-                  <a:schemeClr val="tx1"/>
-                </a:solidFill>
-              </a:rPr>
-              <a:t>f</a:t>
-            </a:r>
-          </a:p>
-          <a:p>
-            <a:pPr marL="1200150" lvl="2" indent="-285750" latinLnBrk="0">
-              <a:lnSpc>
-                <a:spcPct val="150000"/>
-              </a:lnSpc>
-              <a:buFont typeface="Arial" panose="020B0604020202020204" pitchFamily="34" charset="0"/>
-              <a:buChar char="•"/>
-            </a:pPr>
-            <a:endParaRPr lang="en-US" altLang="ko-KR" sz="1600" dirty="0" smtClean="0"/>
           </a:p>
         </p:txBody>
       </p:sp>
     </p:spTree>
     <p:extLst>
       <p:ext uri="{BB962C8B-B14F-4D97-AF65-F5344CB8AC3E}">
-        <p14:creationId xmlns:p14="http://schemas.microsoft.com/office/powerpoint/2010/main" val="1968855529"/>
+        <p14:creationId xmlns:p14="http://schemas.microsoft.com/office/powerpoint/2010/main" val="2477073222"/>
+      </p:ext>
+    </p:extLst>
+  </p:cSld>
+  <p:clrMapOvr>
+    <a:masterClrMapping/>
+  </p:clrMapOvr>
+  <p:timing>
+    <p:tnLst>
+      <p:par>
+        <p:cTn id="1" dur="indefinite" restart="never" nodeType="tmRoot"/>
+      </p:par>
+    </p:tnLst>
+  </p:timing>
+</p:sld>
+</file>
+
+<file path=ppt/slides/slide6.xml><?xml version="1.0" encoding="utf-8"?>
+<p:sld xmlns:a="http://schemas.openxmlformats.org/drawingml/2006/main" xmlns:r="http://schemas.openxmlformats.org/officeDocument/2006/relationships" xmlns:p="http://schemas.openxmlformats.org/presentationml/2006/main">
+  <p:cSld>
+    <p:spTree>
+      <p:nvGrpSpPr>
+        <p:cNvPr id="1" name=""/>
+        <p:cNvGrpSpPr/>
+        <p:nvPr/>
+      </p:nvGrpSpPr>
+      <p:grpSpPr>
+        <a:xfrm>
+          <a:off x="0" y="0"/>
+          <a:ext cx="0" cy="0"/>
+          <a:chOff x="0" y="0"/>
+          <a:chExt cx="0" cy="0"/>
+        </a:xfrm>
+      </p:grpSpPr>
+      <p:sp>
+        <p:nvSpPr>
+          <p:cNvPr id="3" name="TextBox 2"/>
+          <p:cNvSpPr txBox="1"/>
+          <p:nvPr/>
+        </p:nvSpPr>
+        <p:spPr>
+          <a:xfrm>
+            <a:off x="548640" y="470346"/>
+            <a:ext cx="8055807" cy="461665"/>
+          </a:xfrm>
+          <a:prstGeom prst="rect">
+            <a:avLst/>
+          </a:prstGeom>
+          <a:noFill/>
+        </p:spPr>
+        <p:txBody>
+          <a:bodyPr wrap="square" rtlCol="0">
+            <a:spAutoFit/>
+          </a:bodyPr>
+          <a:lstStyle/>
+          <a:p>
+            <a:r>
+              <a:rPr lang="en-US" altLang="ko-KR" sz="2400" dirty="0" smtClean="0">
+                <a:latin typeface="HY헤드라인M" pitchFamily="18" charset="-127"/>
+                <a:ea typeface="HY헤드라인M" pitchFamily="18" charset="-127"/>
+              </a:rPr>
+              <a:t>NPM</a:t>
+            </a:r>
+            <a:endParaRPr lang="ko-KR" altLang="en-US" sz="2400" dirty="0">
+              <a:latin typeface="HY헤드라인M" pitchFamily="18" charset="-127"/>
+              <a:ea typeface="HY헤드라인M" pitchFamily="18" charset="-127"/>
+            </a:endParaRPr>
+          </a:p>
+        </p:txBody>
+      </p:sp>
+      <p:pic>
+        <p:nvPicPr>
+          <p:cNvPr id="2" name="그림 1"/>
+          <p:cNvPicPr>
+            <a:picLocks noChangeAspect="1"/>
+          </p:cNvPicPr>
+          <p:nvPr/>
+        </p:nvPicPr>
+        <p:blipFill>
+          <a:blip r:embed="rId3" cstate="print">
+            <a:extLst>
+              <a:ext uri="{28A0092B-C50C-407E-A947-70E740481C1C}">
+                <a14:useLocalDpi xmlns:a14="http://schemas.microsoft.com/office/drawing/2010/main" val="0"/>
+              </a:ext>
+            </a:extLst>
+          </a:blip>
+          <a:stretch>
+            <a:fillRect/>
+          </a:stretch>
+        </p:blipFill>
+        <p:spPr>
+          <a:xfrm>
+            <a:off x="7596744" y="2925352"/>
+            <a:ext cx="71600" cy="71600"/>
+          </a:xfrm>
+          <a:prstGeom prst="rect">
+            <a:avLst/>
+          </a:prstGeom>
+        </p:spPr>
+      </p:pic>
+      <p:sp>
+        <p:nvSpPr>
+          <p:cNvPr id="5" name="모서리가 둥근 직사각형 4"/>
+          <p:cNvSpPr/>
+          <p:nvPr/>
+        </p:nvSpPr>
+        <p:spPr>
+          <a:xfrm>
+            <a:off x="439982" y="1251508"/>
+            <a:ext cx="8164465" cy="5345844"/>
+          </a:xfrm>
+          <a:prstGeom prst="roundRect">
+            <a:avLst>
+              <a:gd name="adj" fmla="val 8134"/>
+            </a:avLst>
+          </a:prstGeom>
+          <a:ln/>
+        </p:spPr>
+        <p:style>
+          <a:lnRef idx="2">
+            <a:schemeClr val="accent1"/>
+          </a:lnRef>
+          <a:fillRef idx="1">
+            <a:schemeClr val="lt1"/>
+          </a:fillRef>
+          <a:effectRef idx="0">
+            <a:schemeClr val="accent1"/>
+          </a:effectRef>
+          <a:fontRef idx="minor">
+            <a:schemeClr val="dk1"/>
+          </a:fontRef>
+        </p:style>
+        <p:txBody>
+          <a:bodyPr rtlCol="0" anchor="t"/>
+          <a:lstStyle/>
+          <a:p>
+            <a:pPr marL="285750" indent="-285750">
+              <a:lnSpc>
+                <a:spcPct val="150000"/>
+              </a:lnSpc>
+              <a:buFont typeface="Wingdings" panose="05000000000000000000" pitchFamily="2" charset="2"/>
+              <a:buChar char="Ø"/>
+            </a:pPr>
+            <a:r>
+              <a:rPr lang="ko-KR" altLang="en-US" dirty="0" smtClean="0">
+                <a:solidFill>
+                  <a:srgbClr val="0000FF"/>
+                </a:solidFill>
+                <a:latin typeface="+mn-ea"/>
+              </a:rPr>
+              <a:t>설치</a:t>
+            </a:r>
+            <a:endParaRPr lang="en-US" altLang="ko-KR" dirty="0">
+              <a:solidFill>
+                <a:srgbClr val="0000FF"/>
+              </a:solidFill>
+              <a:latin typeface="+mn-ea"/>
+            </a:endParaRPr>
+          </a:p>
+          <a:p>
+            <a:pPr marL="742950" lvl="1" indent="-285750" latinLnBrk="0">
+              <a:lnSpc>
+                <a:spcPct val="150000"/>
+              </a:lnSpc>
+              <a:buFont typeface="Arial" panose="020B0604020202020204" pitchFamily="34" charset="0"/>
+              <a:buChar char="•"/>
+            </a:pPr>
+            <a:r>
+              <a:rPr lang="en-US" altLang="ko-KR" sz="1400" dirty="0" err="1"/>
+              <a:t>npm</a:t>
+            </a:r>
+            <a:r>
+              <a:rPr lang="en-US" altLang="ko-KR" sz="1400" dirty="0"/>
+              <a:t> install kill-port</a:t>
+            </a:r>
+            <a:endParaRPr lang="en-US" altLang="ko-KR" sz="1400" dirty="0" smtClean="0"/>
+          </a:p>
+          <a:p>
+            <a:pPr marL="742950" lvl="1" indent="-285750" latinLnBrk="0">
+              <a:lnSpc>
+                <a:spcPct val="150000"/>
+              </a:lnSpc>
+              <a:buFont typeface="Arial" panose="020B0604020202020204" pitchFamily="34" charset="0"/>
+              <a:buChar char="•"/>
+            </a:pPr>
+            <a:r>
+              <a:rPr lang="en-US" altLang="ko-KR" sz="1400" dirty="0" err="1" smtClean="0"/>
+              <a:t>npm</a:t>
+            </a:r>
+            <a:r>
+              <a:rPr lang="en-US" altLang="ko-KR" sz="1400" dirty="0" smtClean="0"/>
+              <a:t> </a:t>
+            </a:r>
+            <a:r>
+              <a:rPr lang="en-US" altLang="ko-KR" sz="1400" dirty="0" smtClean="0"/>
+              <a:t>install </a:t>
+            </a:r>
+            <a:r>
+              <a:rPr lang="en-US" altLang="ko-KR" sz="1400" dirty="0" smtClean="0"/>
+              <a:t>–</a:t>
+            </a:r>
+            <a:r>
+              <a:rPr lang="en-US" altLang="ko-KR" sz="1400" dirty="0"/>
+              <a:t>g kill-port</a:t>
+            </a:r>
+            <a:endParaRPr lang="en-US" altLang="ko-KR" sz="1400" dirty="0" smtClean="0"/>
+          </a:p>
+          <a:p>
+            <a:pPr marL="742950" lvl="1" indent="-285750" latinLnBrk="0">
+              <a:lnSpc>
+                <a:spcPct val="150000"/>
+              </a:lnSpc>
+              <a:buFont typeface="Arial" panose="020B0604020202020204" pitchFamily="34" charset="0"/>
+              <a:buChar char="•"/>
+            </a:pPr>
+            <a:r>
+              <a:rPr lang="en-US" altLang="ko-KR" sz="1400" dirty="0" err="1" smtClean="0"/>
+              <a:t>npm</a:t>
+            </a:r>
+            <a:r>
+              <a:rPr lang="en-US" altLang="ko-KR" sz="1400" dirty="0" smtClean="0"/>
+              <a:t> list -g </a:t>
+            </a:r>
+          </a:p>
+          <a:p>
+            <a:pPr marL="742950" lvl="1" indent="-285750" latinLnBrk="0">
+              <a:lnSpc>
+                <a:spcPct val="150000"/>
+              </a:lnSpc>
+              <a:buFont typeface="Arial" panose="020B0604020202020204" pitchFamily="34" charset="0"/>
+              <a:buChar char="•"/>
+            </a:pPr>
+            <a:r>
+              <a:rPr lang="en-US" altLang="ko-KR" sz="1400" dirty="0" err="1" smtClean="0"/>
+              <a:t>npm</a:t>
+            </a:r>
+            <a:r>
+              <a:rPr lang="en-US" altLang="ko-KR" sz="1400" dirty="0" smtClean="0"/>
+              <a:t> list -</a:t>
+            </a:r>
+            <a:r>
+              <a:rPr lang="en-US" altLang="ko-KR" sz="1400" dirty="0"/>
+              <a:t>g kill-port</a:t>
+            </a:r>
+            <a:endParaRPr lang="en-US" altLang="ko-KR" sz="1400" dirty="0" smtClean="0"/>
+          </a:p>
+          <a:p>
+            <a:pPr marL="742950" lvl="1" indent="-285750" latinLnBrk="0">
+              <a:lnSpc>
+                <a:spcPct val="150000"/>
+              </a:lnSpc>
+              <a:buFont typeface="Arial" panose="020B0604020202020204" pitchFamily="34" charset="0"/>
+              <a:buChar char="•"/>
+            </a:pPr>
+            <a:endParaRPr lang="en-US" altLang="ko-KR" sz="1400" dirty="0" smtClean="0"/>
+          </a:p>
+          <a:p>
+            <a:pPr marL="285750" indent="-285750">
+              <a:lnSpc>
+                <a:spcPct val="150000"/>
+              </a:lnSpc>
+              <a:buFont typeface="Wingdings" panose="05000000000000000000" pitchFamily="2" charset="2"/>
+              <a:buChar char="Ø"/>
+            </a:pPr>
+            <a:r>
+              <a:rPr lang="ko-KR" altLang="en-US" dirty="0" smtClean="0">
+                <a:solidFill>
+                  <a:srgbClr val="0000FF"/>
+                </a:solidFill>
+                <a:latin typeface="+mn-ea"/>
+              </a:rPr>
+              <a:t>삭제</a:t>
+            </a:r>
+            <a:endParaRPr lang="en-US" altLang="ko-KR" dirty="0" smtClean="0">
+              <a:solidFill>
+                <a:srgbClr val="0000FF"/>
+              </a:solidFill>
+              <a:latin typeface="+mn-ea"/>
+            </a:endParaRPr>
+          </a:p>
+          <a:p>
+            <a:pPr marL="742950" lvl="1" indent="-285750" latinLnBrk="0">
+              <a:lnSpc>
+                <a:spcPct val="150000"/>
+              </a:lnSpc>
+              <a:buFont typeface="Arial" panose="020B0604020202020204" pitchFamily="34" charset="0"/>
+              <a:buChar char="•"/>
+            </a:pPr>
+            <a:r>
+              <a:rPr lang="en-US" altLang="ko-KR" sz="1400" dirty="0" err="1"/>
+              <a:t>n</a:t>
+            </a:r>
+            <a:r>
+              <a:rPr lang="en-US" altLang="ko-KR" sz="1400" dirty="0" err="1" smtClean="0"/>
+              <a:t>pm</a:t>
+            </a:r>
+            <a:r>
+              <a:rPr lang="en-US" altLang="ko-KR" sz="1400" dirty="0" smtClean="0"/>
+              <a:t> uninstall </a:t>
+            </a:r>
+            <a:r>
+              <a:rPr lang="en-US" altLang="ko-KR" sz="1400" dirty="0" smtClean="0"/>
+              <a:t>kill-port</a:t>
+            </a:r>
+          </a:p>
+          <a:p>
+            <a:pPr marL="742950" lvl="1" indent="-285750" latinLnBrk="0">
+              <a:lnSpc>
+                <a:spcPct val="150000"/>
+              </a:lnSpc>
+              <a:buFont typeface="Arial" panose="020B0604020202020204" pitchFamily="34" charset="0"/>
+              <a:buChar char="•"/>
+            </a:pPr>
+            <a:r>
+              <a:rPr lang="en-US" altLang="ko-KR" sz="1400" dirty="0" err="1"/>
+              <a:t>npm</a:t>
+            </a:r>
+            <a:r>
+              <a:rPr lang="en-US" altLang="ko-KR" sz="1400" dirty="0"/>
+              <a:t> </a:t>
+            </a:r>
+            <a:r>
+              <a:rPr lang="en-US" altLang="ko-KR" sz="1400" dirty="0" smtClean="0"/>
+              <a:t>uninstall -g kill-port</a:t>
+            </a:r>
+            <a:endParaRPr lang="en-US" altLang="ko-KR" sz="1400" dirty="0" smtClean="0"/>
+          </a:p>
+          <a:p>
+            <a:pPr lvl="1" latinLnBrk="0">
+              <a:lnSpc>
+                <a:spcPct val="150000"/>
+              </a:lnSpc>
+            </a:pPr>
+            <a:endParaRPr lang="en-US" altLang="ko-KR" sz="1400" dirty="0" smtClean="0"/>
+          </a:p>
+          <a:p>
+            <a:pPr marL="285750" indent="-285750">
+              <a:lnSpc>
+                <a:spcPct val="150000"/>
+              </a:lnSpc>
+              <a:buFont typeface="Wingdings" panose="05000000000000000000" pitchFamily="2" charset="2"/>
+              <a:buChar char="Ø"/>
+            </a:pPr>
+            <a:r>
+              <a:rPr lang="ko-KR" altLang="en-US" dirty="0" smtClean="0">
+                <a:solidFill>
+                  <a:srgbClr val="0000FF"/>
+                </a:solidFill>
+                <a:latin typeface="+mn-ea"/>
+              </a:rPr>
+              <a:t>모듈 최신 업데이트</a:t>
+            </a:r>
+            <a:endParaRPr lang="en-US" altLang="ko-KR" dirty="0" smtClean="0">
+              <a:solidFill>
+                <a:srgbClr val="0000FF"/>
+              </a:solidFill>
+              <a:latin typeface="+mn-ea"/>
+            </a:endParaRPr>
+          </a:p>
+          <a:p>
+            <a:pPr marL="742950" lvl="1" indent="-285750" latinLnBrk="0">
+              <a:lnSpc>
+                <a:spcPct val="150000"/>
+              </a:lnSpc>
+              <a:buFont typeface="Arial" panose="020B0604020202020204" pitchFamily="34" charset="0"/>
+              <a:buChar char="•"/>
+            </a:pPr>
+            <a:r>
+              <a:rPr lang="ko-KR" altLang="en-US" sz="1400" dirty="0" smtClean="0"/>
+              <a:t>등록된 </a:t>
+            </a:r>
+            <a:r>
+              <a:rPr lang="ko-KR" altLang="en-US" sz="1400" dirty="0"/>
+              <a:t>모듈들을 의존성에 알맞게 최신 버전으로 업데이트 한다</a:t>
+            </a:r>
+            <a:r>
+              <a:rPr lang="en-US" altLang="ko-KR" sz="1400" dirty="0"/>
+              <a:t>.</a:t>
+            </a:r>
+          </a:p>
+          <a:p>
+            <a:pPr marL="1200150" lvl="2" indent="-285750" latinLnBrk="0">
+              <a:lnSpc>
+                <a:spcPct val="150000"/>
+              </a:lnSpc>
+              <a:buFont typeface="Wingdings" panose="05000000000000000000" pitchFamily="2" charset="2"/>
+              <a:buChar char="ü"/>
+            </a:pPr>
+            <a:r>
+              <a:rPr lang="en-US" altLang="ko-KR" sz="1400" dirty="0" err="1" smtClean="0">
+                <a:solidFill>
+                  <a:srgbClr val="FF0000"/>
+                </a:solidFill>
+              </a:rPr>
+              <a:t>npx</a:t>
+            </a:r>
+            <a:r>
+              <a:rPr lang="en-US" altLang="ko-KR" sz="1400" dirty="0" smtClean="0">
+                <a:solidFill>
+                  <a:srgbClr val="FF0000"/>
+                </a:solidFill>
+              </a:rPr>
+              <a:t> </a:t>
+            </a:r>
+            <a:r>
+              <a:rPr lang="en-US" altLang="ko-KR" sz="1400" dirty="0" err="1" smtClean="0">
+                <a:solidFill>
+                  <a:srgbClr val="FF0000"/>
+                </a:solidFill>
+              </a:rPr>
+              <a:t>npm</a:t>
+            </a:r>
+            <a:r>
+              <a:rPr lang="en-US" altLang="ko-KR" sz="1400" dirty="0" smtClean="0">
+                <a:solidFill>
+                  <a:srgbClr val="FF0000"/>
+                </a:solidFill>
+              </a:rPr>
+              <a:t>-check-updates -</a:t>
+            </a:r>
+            <a:r>
+              <a:rPr lang="en-US" altLang="ko-KR" sz="1400" dirty="0" smtClean="0">
+                <a:solidFill>
+                  <a:srgbClr val="FF0000"/>
+                </a:solidFill>
+              </a:rPr>
+              <a:t>u</a:t>
+            </a:r>
+          </a:p>
+          <a:p>
+            <a:pPr marL="1200150" lvl="2" indent="-285750" latinLnBrk="0">
+              <a:lnSpc>
+                <a:spcPct val="150000"/>
+              </a:lnSpc>
+              <a:buFont typeface="Wingdings" panose="05000000000000000000" pitchFamily="2" charset="2"/>
+              <a:buChar char="ü"/>
+            </a:pPr>
+            <a:r>
+              <a:rPr lang="en-US" altLang="ko-KR" sz="1400" dirty="0" err="1" smtClean="0">
+                <a:solidFill>
+                  <a:srgbClr val="FF0000"/>
+                </a:solidFill>
+              </a:rPr>
+              <a:t>npm</a:t>
+            </a:r>
+            <a:r>
+              <a:rPr lang="en-US" altLang="ko-KR" sz="1400" dirty="0" smtClean="0">
+                <a:solidFill>
+                  <a:srgbClr val="FF0000"/>
+                </a:solidFill>
+              </a:rPr>
+              <a:t> install</a:t>
+            </a:r>
+            <a:endParaRPr lang="en-US" altLang="ko-KR" sz="1400" dirty="0">
+              <a:solidFill>
+                <a:srgbClr val="FF0000"/>
+              </a:solidFill>
+            </a:endParaRPr>
+          </a:p>
+          <a:p>
+            <a:pPr lvl="2" latinLnBrk="0">
+              <a:lnSpc>
+                <a:spcPct val="150000"/>
+              </a:lnSpc>
+            </a:pPr>
+            <a:endParaRPr lang="en-US" altLang="ko-KR" sz="1600" dirty="0" smtClean="0"/>
+          </a:p>
+          <a:p>
+            <a:pPr lvl="2">
+              <a:lnSpc>
+                <a:spcPct val="150000"/>
+              </a:lnSpc>
+            </a:pPr>
+            <a:endParaRPr kumimoji="0" lang="en-US" altLang="ko-KR" sz="1600" dirty="0">
+              <a:solidFill>
+                <a:srgbClr val="0000FF"/>
+              </a:solidFill>
+              <a:latin typeface="+mn-ea"/>
+            </a:endParaRPr>
+          </a:p>
+          <a:p>
+            <a:pPr marL="800100" lvl="1" indent="-342900">
+              <a:buFont typeface="Arial" panose="020B0604020202020204" pitchFamily="34" charset="0"/>
+              <a:buChar char="•"/>
+            </a:pPr>
+            <a:endParaRPr kumimoji="0" lang="en-US" altLang="ko-KR" sz="1600" dirty="0" smtClean="0">
+              <a:solidFill>
+                <a:schemeClr val="tx1"/>
+              </a:solidFill>
+              <a:latin typeface="+mn-ea"/>
+            </a:endParaRPr>
+          </a:p>
+          <a:p>
+            <a:pPr lvl="1"/>
+            <a:endParaRPr kumimoji="0" lang="en-US" altLang="ko-KR" sz="1000" dirty="0" smtClean="0">
+              <a:solidFill>
+                <a:schemeClr val="tx1"/>
+              </a:solidFill>
+              <a:latin typeface="+mn-ea"/>
+            </a:endParaRPr>
+          </a:p>
+          <a:p>
+            <a:pPr marL="800100" lvl="1" indent="-342900">
+              <a:buFont typeface="Arial" panose="020B0604020202020204" pitchFamily="34" charset="0"/>
+              <a:buChar char="•"/>
+            </a:pPr>
+            <a:endParaRPr kumimoji="0" lang="en-US" altLang="ko-KR" sz="1000" dirty="0" smtClean="0">
+              <a:solidFill>
+                <a:schemeClr val="tx1"/>
+              </a:solidFill>
+              <a:latin typeface="+mn-ea"/>
+            </a:endParaRPr>
+          </a:p>
+        </p:txBody>
+      </p:sp>
+    </p:spTree>
+    <p:extLst>
+      <p:ext uri="{BB962C8B-B14F-4D97-AF65-F5344CB8AC3E}">
+        <p14:creationId xmlns:p14="http://schemas.microsoft.com/office/powerpoint/2010/main" val="1877603906"/>
       </p:ext>
     </p:extLst>
   </p:cSld>
@@ -5218,14 +7511,390 @@
                 <a:latin typeface="HY헤드라인M" pitchFamily="18" charset="-127"/>
                 <a:ea typeface="HY헤드라인M" pitchFamily="18" charset="-127"/>
               </a:rPr>
-              <a:t>NPM </a:t>
-            </a:r>
-            <a:r>
-              <a:rPr lang="ko-KR" altLang="en-US" sz="2400" dirty="0" smtClean="0">
+              <a:t>NPM</a:t>
+            </a:r>
+            <a:endParaRPr lang="ko-KR" altLang="en-US" sz="2400" dirty="0">
+              <a:latin typeface="HY헤드라인M" pitchFamily="18" charset="-127"/>
+              <a:ea typeface="HY헤드라인M" pitchFamily="18" charset="-127"/>
+            </a:endParaRPr>
+          </a:p>
+        </p:txBody>
+      </p:sp>
+      <p:pic>
+        <p:nvPicPr>
+          <p:cNvPr id="2" name="그림 1"/>
+          <p:cNvPicPr>
+            <a:picLocks noChangeAspect="1"/>
+          </p:cNvPicPr>
+          <p:nvPr/>
+        </p:nvPicPr>
+        <p:blipFill>
+          <a:blip r:embed="rId3" cstate="print">
+            <a:extLst>
+              <a:ext uri="{28A0092B-C50C-407E-A947-70E740481C1C}">
+                <a14:useLocalDpi xmlns:a14="http://schemas.microsoft.com/office/drawing/2010/main" val="0"/>
+              </a:ext>
+            </a:extLst>
+          </a:blip>
+          <a:stretch>
+            <a:fillRect/>
+          </a:stretch>
+        </p:blipFill>
+        <p:spPr>
+          <a:xfrm>
+            <a:off x="7596744" y="2925352"/>
+            <a:ext cx="71600" cy="71600"/>
+          </a:xfrm>
+          <a:prstGeom prst="rect">
+            <a:avLst/>
+          </a:prstGeom>
+        </p:spPr>
+      </p:pic>
+      <p:sp>
+        <p:nvSpPr>
+          <p:cNvPr id="5" name="모서리가 둥근 직사각형 4"/>
+          <p:cNvSpPr/>
+          <p:nvPr/>
+        </p:nvSpPr>
+        <p:spPr>
+          <a:xfrm>
+            <a:off x="439982" y="1251508"/>
+            <a:ext cx="8164465" cy="5345844"/>
+          </a:xfrm>
+          <a:prstGeom prst="roundRect">
+            <a:avLst>
+              <a:gd name="adj" fmla="val 8134"/>
+            </a:avLst>
+          </a:prstGeom>
+          <a:ln/>
+        </p:spPr>
+        <p:style>
+          <a:lnRef idx="2">
+            <a:schemeClr val="accent1"/>
+          </a:lnRef>
+          <a:fillRef idx="1">
+            <a:schemeClr val="lt1"/>
+          </a:fillRef>
+          <a:effectRef idx="0">
+            <a:schemeClr val="accent1"/>
+          </a:effectRef>
+          <a:fontRef idx="minor">
+            <a:schemeClr val="dk1"/>
+          </a:fontRef>
+        </p:style>
+        <p:txBody>
+          <a:bodyPr rtlCol="0" anchor="t"/>
+          <a:lstStyle/>
+          <a:p>
+            <a:pPr marL="285750" indent="-285750">
+              <a:lnSpc>
+                <a:spcPct val="150000"/>
+              </a:lnSpc>
+              <a:buFont typeface="Wingdings" panose="05000000000000000000" pitchFamily="2" charset="2"/>
+              <a:buChar char="Ø"/>
+            </a:pPr>
+            <a:r>
+              <a:rPr lang="en-US" altLang="ko-KR" dirty="0" smtClean="0">
+                <a:solidFill>
+                  <a:srgbClr val="0000FF"/>
+                </a:solidFill>
+                <a:latin typeface="+mn-ea"/>
+              </a:rPr>
+              <a:t>install options</a:t>
+            </a:r>
+            <a:endParaRPr lang="en-US" altLang="ko-KR" dirty="0">
+              <a:solidFill>
+                <a:srgbClr val="0000FF"/>
+              </a:solidFill>
+              <a:latin typeface="+mn-ea"/>
+            </a:endParaRPr>
+          </a:p>
+          <a:p>
+            <a:pPr marL="742950" lvl="1" indent="-285750" latinLnBrk="0">
+              <a:lnSpc>
+                <a:spcPct val="150000"/>
+              </a:lnSpc>
+              <a:buFont typeface="Arial" panose="020B0604020202020204" pitchFamily="34" charset="0"/>
+              <a:buChar char="•"/>
+            </a:pPr>
+            <a:r>
+              <a:rPr lang="en-US" altLang="ko-KR" sz="1400" dirty="0"/>
+              <a:t>–</a:t>
+            </a:r>
+            <a:r>
+              <a:rPr lang="en-US" altLang="ko-KR" sz="1400" dirty="0" smtClean="0"/>
+              <a:t>save-prod</a:t>
+            </a:r>
+          </a:p>
+          <a:p>
+            <a:pPr marL="1200150" lvl="2" indent="-285750" latinLnBrk="0">
+              <a:lnSpc>
+                <a:spcPct val="150000"/>
+              </a:lnSpc>
+              <a:buFont typeface="Wingdings" panose="05000000000000000000" pitchFamily="2" charset="2"/>
+              <a:buChar char="ü"/>
+            </a:pPr>
+            <a:r>
+              <a:rPr lang="en-US" altLang="ko-KR" sz="1200" dirty="0" err="1" smtClean="0"/>
+              <a:t>package.json</a:t>
+            </a:r>
+            <a:r>
+              <a:rPr lang="ko-KR" altLang="en-US" sz="1200" dirty="0"/>
+              <a:t>의 </a:t>
+            </a:r>
+            <a:r>
+              <a:rPr lang="en-US" altLang="ko-KR" sz="1200" dirty="0"/>
+              <a:t>dependencies</a:t>
+            </a:r>
+            <a:r>
+              <a:rPr lang="ko-KR" altLang="en-US" sz="1200" dirty="0"/>
+              <a:t>에 패키지를 등록</a:t>
+            </a:r>
+            <a:r>
+              <a:rPr lang="en-US" altLang="ko-KR" sz="1200" dirty="0"/>
+              <a:t>(default)</a:t>
+            </a:r>
+          </a:p>
+          <a:p>
+            <a:pPr marL="742950" lvl="1" indent="-285750" latinLnBrk="0">
+              <a:lnSpc>
+                <a:spcPct val="150000"/>
+              </a:lnSpc>
+              <a:buFont typeface="Arial" panose="020B0604020202020204" pitchFamily="34" charset="0"/>
+              <a:buChar char="•"/>
+            </a:pPr>
+            <a:r>
+              <a:rPr lang="en-US" altLang="ko-KR" sz="1400" dirty="0"/>
+              <a:t>–</a:t>
+            </a:r>
+            <a:r>
+              <a:rPr lang="en-US" altLang="ko-KR" sz="1400" dirty="0" smtClean="0"/>
+              <a:t>save-dev</a:t>
+            </a:r>
+          </a:p>
+          <a:p>
+            <a:pPr marL="1200150" lvl="2" indent="-285750" latinLnBrk="0">
+              <a:lnSpc>
+                <a:spcPct val="150000"/>
+              </a:lnSpc>
+              <a:buFont typeface="Wingdings" panose="05000000000000000000" pitchFamily="2" charset="2"/>
+              <a:buChar char="ü"/>
+            </a:pPr>
+            <a:r>
+              <a:rPr lang="en-US" altLang="ko-KR" sz="1200" dirty="0" err="1" smtClean="0"/>
+              <a:t>package.json</a:t>
+            </a:r>
+            <a:r>
+              <a:rPr lang="ko-KR" altLang="en-US" sz="1200" dirty="0"/>
+              <a:t>의 </a:t>
+            </a:r>
+            <a:r>
+              <a:rPr lang="en-US" altLang="ko-KR" sz="1200" dirty="0" err="1"/>
+              <a:t>devDepndencies</a:t>
+            </a:r>
+            <a:r>
+              <a:rPr lang="ko-KR" altLang="en-US" sz="1200" dirty="0"/>
+              <a:t>에 패키지를 등록</a:t>
+            </a:r>
+          </a:p>
+          <a:p>
+            <a:pPr marL="742950" lvl="1" indent="-285750" latinLnBrk="0">
+              <a:lnSpc>
+                <a:spcPct val="150000"/>
+              </a:lnSpc>
+              <a:buFont typeface="Arial" panose="020B0604020202020204" pitchFamily="34" charset="0"/>
+              <a:buChar char="•"/>
+            </a:pPr>
+            <a:r>
+              <a:rPr lang="en-US" altLang="ko-KR" sz="1400" dirty="0"/>
+              <a:t>–</a:t>
+            </a:r>
+            <a:r>
+              <a:rPr lang="en-US" altLang="ko-KR" sz="1400" dirty="0" smtClean="0"/>
+              <a:t>save-optional</a:t>
+            </a:r>
+          </a:p>
+          <a:p>
+            <a:pPr marL="1200150" lvl="2" indent="-285750" latinLnBrk="0">
+              <a:lnSpc>
+                <a:spcPct val="150000"/>
+              </a:lnSpc>
+              <a:buFont typeface="Wingdings" panose="05000000000000000000" pitchFamily="2" charset="2"/>
+              <a:buChar char="ü"/>
+            </a:pPr>
+            <a:r>
+              <a:rPr lang="en-US" altLang="ko-KR" sz="1200" dirty="0" err="1" smtClean="0"/>
+              <a:t>package.json</a:t>
+            </a:r>
+            <a:r>
+              <a:rPr lang="ko-KR" altLang="en-US" sz="1200" dirty="0"/>
+              <a:t>의 </a:t>
+            </a:r>
+            <a:r>
+              <a:rPr lang="en-US" altLang="ko-KR" sz="1200" dirty="0" err="1"/>
+              <a:t>optionalDependencies</a:t>
+            </a:r>
+            <a:r>
+              <a:rPr lang="ko-KR" altLang="en-US" sz="1200" dirty="0"/>
+              <a:t>에 패키지를 등록</a:t>
+            </a:r>
+          </a:p>
+          <a:p>
+            <a:pPr marL="742950" lvl="1" indent="-285750" latinLnBrk="0">
+              <a:lnSpc>
+                <a:spcPct val="150000"/>
+              </a:lnSpc>
+              <a:buFont typeface="Arial" panose="020B0604020202020204" pitchFamily="34" charset="0"/>
+              <a:buChar char="•"/>
+            </a:pPr>
+            <a:r>
+              <a:rPr lang="en-US" altLang="ko-KR" sz="1400" dirty="0"/>
+              <a:t>–</a:t>
+            </a:r>
+            <a:r>
+              <a:rPr lang="en-US" altLang="ko-KR" sz="1400" dirty="0" smtClean="0"/>
+              <a:t>no-save</a:t>
+            </a:r>
+          </a:p>
+          <a:p>
+            <a:pPr marL="1200150" lvl="2" indent="-285750" latinLnBrk="0">
+              <a:lnSpc>
+                <a:spcPct val="150000"/>
+              </a:lnSpc>
+              <a:buFont typeface="Wingdings" panose="05000000000000000000" pitchFamily="2" charset="2"/>
+              <a:buChar char="ü"/>
+            </a:pPr>
+            <a:r>
+              <a:rPr lang="en-US" altLang="ko-KR" sz="1200" dirty="0" smtClean="0"/>
+              <a:t>dependencies</a:t>
+            </a:r>
+            <a:r>
+              <a:rPr lang="ko-KR" altLang="en-US" sz="1200" dirty="0"/>
+              <a:t>에 패키지를 등록하지 않음</a:t>
+            </a:r>
+            <a:endParaRPr lang="en-US" altLang="ko-KR" sz="1200" dirty="0" smtClean="0"/>
+          </a:p>
+          <a:p>
+            <a:pPr lvl="2" latinLnBrk="0">
+              <a:lnSpc>
+                <a:spcPct val="150000"/>
+              </a:lnSpc>
+            </a:pPr>
+            <a:endParaRPr lang="en-US" altLang="ko-KR" sz="1600" dirty="0" smtClean="0"/>
+          </a:p>
+          <a:p>
+            <a:pPr lvl="2">
+              <a:lnSpc>
+                <a:spcPct val="150000"/>
+              </a:lnSpc>
+            </a:pPr>
+            <a:endParaRPr kumimoji="0" lang="en-US" altLang="ko-KR" sz="1600" dirty="0">
+              <a:solidFill>
+                <a:srgbClr val="0000FF"/>
+              </a:solidFill>
+              <a:latin typeface="+mn-ea"/>
+            </a:endParaRPr>
+          </a:p>
+          <a:p>
+            <a:pPr marL="800100" lvl="1" indent="-342900">
+              <a:buFont typeface="Arial" panose="020B0604020202020204" pitchFamily="34" charset="0"/>
+              <a:buChar char="•"/>
+            </a:pPr>
+            <a:endParaRPr kumimoji="0" lang="en-US" altLang="ko-KR" sz="1600" dirty="0" smtClean="0">
+              <a:solidFill>
+                <a:schemeClr val="tx1"/>
+              </a:solidFill>
+              <a:latin typeface="+mn-ea"/>
+            </a:endParaRPr>
+          </a:p>
+          <a:p>
+            <a:pPr lvl="1"/>
+            <a:endParaRPr kumimoji="0" lang="en-US" altLang="ko-KR" sz="1000" dirty="0" smtClean="0">
+              <a:solidFill>
+                <a:schemeClr val="tx1"/>
+              </a:solidFill>
+              <a:latin typeface="+mn-ea"/>
+            </a:endParaRPr>
+          </a:p>
+          <a:p>
+            <a:pPr marL="800100" lvl="1" indent="-342900">
+              <a:buFont typeface="Arial" panose="020B0604020202020204" pitchFamily="34" charset="0"/>
+              <a:buChar char="•"/>
+            </a:pPr>
+            <a:endParaRPr kumimoji="0" lang="en-US" altLang="ko-KR" sz="1000" dirty="0" smtClean="0">
+              <a:solidFill>
+                <a:schemeClr val="tx1"/>
+              </a:solidFill>
+              <a:latin typeface="+mn-ea"/>
+            </a:endParaRPr>
+          </a:p>
+        </p:txBody>
+      </p:sp>
+    </p:spTree>
+    <p:extLst>
+      <p:ext uri="{BB962C8B-B14F-4D97-AF65-F5344CB8AC3E}">
+        <p14:creationId xmlns:p14="http://schemas.microsoft.com/office/powerpoint/2010/main" val="3295961542"/>
+      </p:ext>
+    </p:extLst>
+  </p:cSld>
+  <p:clrMapOvr>
+    <a:masterClrMapping/>
+  </p:clrMapOvr>
+  <p:timing>
+    <p:tnLst>
+      <p:par>
+        <p:cTn id="1" dur="indefinite" restart="never" nodeType="tmRoot"/>
+      </p:par>
+    </p:tnLst>
+  </p:timing>
+</p:sld>
+</file>
+
+<file path=ppt/slides/slide8.xml><?xml version="1.0" encoding="utf-8"?>
+<p:sld xmlns:a="http://schemas.openxmlformats.org/drawingml/2006/main" xmlns:r="http://schemas.openxmlformats.org/officeDocument/2006/relationships" xmlns:p="http://schemas.openxmlformats.org/presentationml/2006/main">
+  <p:cSld>
+    <p:spTree>
+      <p:nvGrpSpPr>
+        <p:cNvPr id="1" name=""/>
+        <p:cNvGrpSpPr/>
+        <p:nvPr/>
+      </p:nvGrpSpPr>
+      <p:grpSpPr>
+        <a:xfrm>
+          <a:off x="0" y="0"/>
+          <a:ext cx="0" cy="0"/>
+          <a:chOff x="0" y="0"/>
+          <a:chExt cx="0" cy="0"/>
+        </a:xfrm>
+      </p:grpSpPr>
+      <p:sp>
+        <p:nvSpPr>
+          <p:cNvPr id="3" name="TextBox 2"/>
+          <p:cNvSpPr txBox="1"/>
+          <p:nvPr/>
+        </p:nvSpPr>
+        <p:spPr>
+          <a:xfrm>
+            <a:off x="548640" y="470346"/>
+            <a:ext cx="8055807" cy="461665"/>
+          </a:xfrm>
+          <a:prstGeom prst="rect">
+            <a:avLst/>
+          </a:prstGeom>
+          <a:noFill/>
+        </p:spPr>
+        <p:txBody>
+          <a:bodyPr wrap="square" rtlCol="0">
+            <a:spAutoFit/>
+          </a:bodyPr>
+          <a:lstStyle/>
+          <a:p>
+            <a:r>
+              <a:rPr lang="en-US" altLang="ko-KR" sz="2400" dirty="0" smtClean="0">
                 <a:latin typeface="HY헤드라인M" pitchFamily="18" charset="-127"/>
                 <a:ea typeface="HY헤드라인M" pitchFamily="18" charset="-127"/>
               </a:rPr>
-              <a:t>모듈 사용하기</a:t>
+              <a:t>NPM</a:t>
             </a:r>
             <a:endParaRPr lang="ko-KR" altLang="en-US" sz="2400" dirty="0">
               <a:latin typeface="HY헤드라인M" pitchFamily="18" charset="-127"/>
@@ -5314,9 +7983,18 @@
                 </a:solidFill>
                 <a:latin typeface="+mn-ea"/>
               </a:rPr>
-              <a:t>설치</a:t>
-            </a:r>
-            <a:endParaRPr lang="en-US" altLang="ko-KR" sz="2000" dirty="0">
+              <a:t>설치된 </a:t>
+            </a:r>
+            <a:r>
+              <a:rPr lang="ko-KR" altLang="en-US" sz="2000" dirty="0" smtClean="0">
+                <a:solidFill>
+                  <a:srgbClr val="0000FF"/>
+                </a:solidFill>
+                <a:latin typeface="+mn-ea"/>
+              </a:rPr>
+              <a:t>모듈 확인</a:t>
+            </a:r>
+            <a:endParaRPr lang="en-US" altLang="ko-KR" sz="2000" dirty="0" smtClean="0">
               <a:solidFill>
                 <a:srgbClr val="0000FF"/>
               </a:solidFill>
@@ -5332,36 +8010,12 @@
               <a:buChar char="•"/>
             </a:pPr>
             <a:r>
-              <a:rPr lang="ko-KR" altLang="en-US" sz="1600" dirty="0" smtClean="0">
-                <a:solidFill>
-                  <a:schemeClr val="tx1"/>
-                </a:solidFill>
-              </a:rPr>
-              <a:t>전역 설치 </a:t>
-            </a:r>
-            <a:r>
-              <a:rPr lang="en-US" altLang="ko-KR" sz="1600" dirty="0">
-                <a:solidFill>
-                  <a:schemeClr val="tx1"/>
-                </a:solidFill>
-              </a:rPr>
-              <a:t>: </a:t>
-            </a:r>
-            <a:r>
-              <a:rPr lang="en-US" altLang="ko-KR" sz="1600" dirty="0" err="1">
-                <a:solidFill>
-                  <a:schemeClr val="tx1"/>
-                </a:solidFill>
-              </a:rPr>
+              <a:rPr lang="en-US" altLang="ko-KR" sz="1400" dirty="0" err="1" smtClean="0"/>
               <a:t>npm</a:t>
             </a:r>
             <a:r>
-              <a:rPr lang="en-US" altLang="ko-KR" sz="1600" dirty="0">
-                <a:solidFill>
-                  <a:schemeClr val="tx1"/>
-                </a:solidFill>
-              </a:rPr>
-              <a:t> install -g @jsh-1235/math</a:t>
+              <a:rPr lang="en-US" altLang="ko-KR" sz="1400" dirty="0" smtClean="0"/>
+              <a:t> ls</a:t>
             </a:r>
           </a:p>
           <a:p>
@@ -5373,44 +8027,12 @@
               <a:buChar char="•"/>
             </a:pPr>
             <a:r>
-              <a:rPr lang="ko-KR" altLang="en-US" sz="1600" dirty="0" smtClean="0">
-                <a:solidFill>
-                  <a:schemeClr val="tx1"/>
-                </a:solidFill>
-              </a:rPr>
-              <a:t>로컬 설치 </a:t>
-            </a:r>
-            <a:r>
-              <a:rPr lang="en-US" altLang="ko-KR" sz="1600" dirty="0">
-                <a:solidFill>
-                  <a:schemeClr val="tx1"/>
-                </a:solidFill>
-              </a:rPr>
-              <a:t>: </a:t>
-            </a:r>
-            <a:r>
-              <a:rPr lang="en-US" altLang="ko-KR" sz="1600" dirty="0" err="1">
-                <a:solidFill>
-                  <a:schemeClr val="tx1"/>
-                </a:solidFill>
-              </a:rPr>
+              <a:rPr lang="en-US" altLang="ko-KR" sz="1400" dirty="0" err="1" smtClean="0"/>
               <a:t>npm</a:t>
             </a:r>
             <a:r>
-              <a:rPr lang="en-US" altLang="ko-KR" sz="1600" dirty="0">
-                <a:solidFill>
-                  <a:schemeClr val="tx1"/>
-                </a:solidFill>
-              </a:rPr>
-              <a:t> install </a:t>
-            </a:r>
-            <a:r>
-              <a:rPr lang="en-US" altLang="ko-KR" sz="1600" dirty="0" smtClean="0">
-                <a:solidFill>
-                  <a:schemeClr val="tx1"/>
-                </a:solidFill>
-              </a:rPr>
-              <a:t>@jsh-1235/math --save</a:t>
+              <a:rPr lang="en-US" altLang="ko-KR" sz="1400" dirty="0" smtClean="0"/>
+              <a:t> kill-port</a:t>
             </a:r>
           </a:p>
           <a:p>
@@ -5421,46 +8043,261 @@
               <a:buFont typeface="Arial" panose="020B0604020202020204" pitchFamily="34" charset="0"/>
               <a:buChar char="•"/>
             </a:pPr>
+            <a:r>
+              <a:rPr lang="en-US" altLang="ko-KR" sz="1400" dirty="0" err="1" smtClean="0"/>
+              <a:t>npm</a:t>
+            </a:r>
+            <a:r>
+              <a:rPr lang="en-US" altLang="ko-KR" sz="1400" dirty="0" smtClean="0"/>
+              <a:t> list (Local Module)</a:t>
+            </a:r>
+          </a:p>
+          <a:p>
+            <a:pPr marL="742950" lvl="1" indent="-285750" latinLnBrk="0">
+              <a:lnSpc>
+                <a:spcPct val="150000"/>
+              </a:lnSpc>
+              <a:buFont typeface="Arial" panose="020B0604020202020204" pitchFamily="34" charset="0"/>
+              <a:buChar char="•"/>
+            </a:pPr>
+            <a:r>
+              <a:rPr lang="en-US" altLang="ko-KR" sz="1400" dirty="0" err="1" smtClean="0"/>
+              <a:t>npm</a:t>
+            </a:r>
+            <a:r>
+              <a:rPr lang="en-US" altLang="ko-KR" sz="1400" dirty="0" smtClean="0"/>
+              <a:t> list -g (Global Module)</a:t>
+            </a:r>
+          </a:p>
+          <a:p>
+            <a:pPr marL="1200150" lvl="2" indent="-285750" latinLnBrk="0">
+              <a:lnSpc>
+                <a:spcPct val="150000"/>
+              </a:lnSpc>
+              <a:buFont typeface="Wingdings" panose="05000000000000000000" pitchFamily="2" charset="2"/>
+              <a:buChar char="ü"/>
+            </a:pPr>
+            <a:r>
+              <a:rPr lang="en-US" altLang="ko-KR" sz="1200" dirty="0" err="1" smtClean="0"/>
+              <a:t>npm</a:t>
+            </a:r>
+            <a:r>
+              <a:rPr lang="en-US" altLang="ko-KR" sz="1200" dirty="0" smtClean="0"/>
+              <a:t> </a:t>
+            </a:r>
+            <a:r>
+              <a:rPr lang="en-US" altLang="ko-KR" sz="1200" dirty="0" smtClean="0"/>
+              <a:t>list –g –depth=0</a:t>
+            </a:r>
+          </a:p>
+          <a:p>
+            <a:pPr marL="1200150" lvl="2" indent="-285750" latinLnBrk="0">
+              <a:lnSpc>
+                <a:spcPct val="150000"/>
+              </a:lnSpc>
+              <a:buFont typeface="Wingdings" panose="05000000000000000000" pitchFamily="2" charset="2"/>
+              <a:buChar char="ü"/>
+            </a:pPr>
+            <a:r>
+              <a:rPr lang="en-US" altLang="ko-KR" sz="1200" dirty="0" err="1"/>
+              <a:t>npm</a:t>
+            </a:r>
+            <a:r>
+              <a:rPr lang="en-US" altLang="ko-KR" sz="1200" dirty="0"/>
+              <a:t> list –g –</a:t>
+            </a:r>
+            <a:r>
+              <a:rPr lang="en-US" altLang="ko-KR" sz="1200" dirty="0" smtClean="0"/>
+              <a:t>depth=1</a:t>
+            </a:r>
+          </a:p>
+          <a:p>
+            <a:pPr marL="742950" lvl="1" indent="-285750" latinLnBrk="0">
+              <a:lnSpc>
+                <a:spcPct val="150000"/>
+              </a:lnSpc>
+              <a:buFont typeface="Arial" panose="020B0604020202020204" pitchFamily="34" charset="0"/>
+              <a:buChar char="•"/>
+            </a:pPr>
+            <a:endParaRPr lang="en-US" altLang="ko-KR" sz="1400" dirty="0" smtClean="0">
+              <a:solidFill>
+                <a:srgbClr val="FF0000"/>
+              </a:solidFill>
+            </a:endParaRPr>
+          </a:p>
+          <a:p>
+            <a:pPr marL="285750" indent="-285750">
+              <a:lnSpc>
+                <a:spcPct val="150000"/>
+              </a:lnSpc>
+              <a:buFont typeface="Wingdings" panose="05000000000000000000" pitchFamily="2" charset="2"/>
+              <a:buChar char="Ø"/>
+            </a:pPr>
+            <a:r>
+              <a:rPr lang="en-US" altLang="ko-KR" sz="2000" dirty="0" smtClean="0">
+                <a:solidFill>
+                  <a:srgbClr val="0000FF"/>
+                </a:solidFill>
+                <a:latin typeface="+mn-ea"/>
+              </a:rPr>
+              <a:t>NPM </a:t>
+            </a:r>
+            <a:r>
+              <a:rPr lang="ko-KR" altLang="en-US" sz="2000" dirty="0" smtClean="0">
+                <a:solidFill>
+                  <a:srgbClr val="0000FF"/>
+                </a:solidFill>
+                <a:latin typeface="+mn-ea"/>
+              </a:rPr>
+              <a:t>모듈 검색</a:t>
+            </a:r>
+            <a:endParaRPr lang="en-US" altLang="ko-KR" sz="1400" dirty="0" smtClean="0">
+              <a:solidFill>
+                <a:srgbClr val="FF0000"/>
+              </a:solidFill>
+            </a:endParaRPr>
+          </a:p>
+          <a:p>
+            <a:pPr marL="742950" lvl="1" indent="-285750" latinLnBrk="0">
+              <a:lnSpc>
+                <a:spcPct val="150000"/>
+              </a:lnSpc>
+              <a:buFont typeface="Arial" panose="020B0604020202020204" pitchFamily="34" charset="0"/>
+              <a:buChar char="•"/>
+            </a:pPr>
+            <a:r>
+              <a:rPr lang="en-US" altLang="ko-KR" sz="1400" dirty="0" err="1" smtClean="0">
+                <a:solidFill>
+                  <a:srgbClr val="FF0000"/>
+                </a:solidFill>
+              </a:rPr>
+              <a:t>npm</a:t>
+            </a:r>
+            <a:r>
+              <a:rPr lang="en-US" altLang="ko-KR" sz="1400" dirty="0" smtClean="0">
+                <a:solidFill>
+                  <a:srgbClr val="FF0000"/>
+                </a:solidFill>
+              </a:rPr>
+              <a:t> info kill-port</a:t>
+            </a:r>
+          </a:p>
+          <a:p>
+            <a:pPr marL="742950" lvl="1" indent="-285750" latinLnBrk="0">
+              <a:lnSpc>
+                <a:spcPct val="150000"/>
+              </a:lnSpc>
+              <a:buFont typeface="Arial" panose="020B0604020202020204" pitchFamily="34" charset="0"/>
+              <a:buChar char="•"/>
+            </a:pPr>
+            <a:r>
+              <a:rPr lang="en-US" altLang="ko-KR" sz="1400" dirty="0" err="1" smtClean="0">
+                <a:solidFill>
+                  <a:srgbClr val="FF0000"/>
+                </a:solidFill>
+              </a:rPr>
+              <a:t>npm</a:t>
+            </a:r>
+            <a:r>
+              <a:rPr lang="en-US" altLang="ko-KR" sz="1400" dirty="0" smtClean="0">
+                <a:solidFill>
+                  <a:srgbClr val="FF0000"/>
+                </a:solidFill>
+              </a:rPr>
+              <a:t> search kill-port</a:t>
+            </a:r>
+          </a:p>
+          <a:p>
+            <a:pPr marL="742950" lvl="1" indent="-285750" latinLnBrk="0">
+              <a:lnSpc>
+                <a:spcPct val="150000"/>
+              </a:lnSpc>
+              <a:buFont typeface="Arial" panose="020B0604020202020204" pitchFamily="34" charset="0"/>
+              <a:buChar char="•"/>
+            </a:pPr>
+            <a:r>
+              <a:rPr lang="en-US" altLang="ko-KR" sz="1400" dirty="0" err="1">
+                <a:solidFill>
+                  <a:srgbClr val="FF0000"/>
+                </a:solidFill>
+              </a:rPr>
+              <a:t>npm</a:t>
+            </a:r>
+            <a:r>
+              <a:rPr lang="en-US" altLang="ko-KR" sz="1400" dirty="0">
+                <a:solidFill>
+                  <a:srgbClr val="FF0000"/>
+                </a:solidFill>
+              </a:rPr>
+              <a:t> </a:t>
+            </a:r>
+            <a:r>
+              <a:rPr lang="en-US" altLang="ko-KR" sz="1400" dirty="0" smtClean="0">
+                <a:solidFill>
+                  <a:srgbClr val="FF0000"/>
+                </a:solidFill>
+              </a:rPr>
+              <a:t>docs kill-port</a:t>
+            </a:r>
+            <a:endParaRPr lang="en-US" altLang="ko-KR" sz="1400" dirty="0" smtClean="0">
+              <a:solidFill>
+                <a:srgbClr val="FF0000"/>
+              </a:solidFill>
+            </a:endParaRPr>
+          </a:p>
+          <a:p>
+            <a:pPr marL="742950" lvl="1" indent="-285750" latinLnBrk="0">
+              <a:lnSpc>
+                <a:spcPct val="150000"/>
+              </a:lnSpc>
+              <a:buFont typeface="Arial" panose="020B0604020202020204" pitchFamily="34" charset="0"/>
+              <a:buChar char="•"/>
+            </a:pPr>
+            <a:r>
+              <a:rPr lang="en-US" altLang="ko-KR" sz="1400" dirty="0" err="1" smtClean="0">
+                <a:solidFill>
+                  <a:srgbClr val="FF0000"/>
+                </a:solidFill>
+              </a:rPr>
+              <a:t>npm</a:t>
+            </a:r>
+            <a:r>
+              <a:rPr lang="en-US" altLang="ko-KR" sz="1400" dirty="0" smtClean="0">
+                <a:solidFill>
+                  <a:srgbClr val="FF0000"/>
+                </a:solidFill>
+              </a:rPr>
+              <a:t> </a:t>
+            </a:r>
+            <a:r>
+              <a:rPr lang="en-US" altLang="ko-KR" sz="1400" dirty="0" smtClean="0">
+                <a:solidFill>
+                  <a:srgbClr val="FF0000"/>
+                </a:solidFill>
+              </a:rPr>
+              <a:t>outdated</a:t>
+            </a:r>
+            <a:endParaRPr lang="en-US" altLang="ko-KR" sz="1400" dirty="0">
+              <a:solidFill>
+                <a:srgbClr val="FF0000"/>
+              </a:solidFill>
+            </a:endParaRPr>
+          </a:p>
+          <a:p>
+            <a:pPr marL="742950" lvl="1" indent="-285750" latinLnBrk="0">
+              <a:lnSpc>
+                <a:spcPct val="150000"/>
+              </a:lnSpc>
+              <a:buFont typeface="Arial" panose="020B0604020202020204" pitchFamily="34" charset="0"/>
+              <a:buChar char="•"/>
+            </a:pPr>
             <a:endParaRPr lang="en-US" altLang="ko-KR" sz="1600" dirty="0">
               <a:solidFill>
-                <a:srgbClr val="00B0F0"/>
+                <a:srgbClr val="FF0000"/>
               </a:solidFill>
             </a:endParaRPr>
           </a:p>
           <a:p>
-            <a:pPr marL="285750" indent="-285750">
-              <a:lnSpc>
-                <a:spcPct val="150000"/>
-              </a:lnSpc>
-              <a:buFont typeface="Wingdings" panose="05000000000000000000" pitchFamily="2" charset="2"/>
-              <a:buChar char="Ø"/>
-            </a:pPr>
-            <a:r>
-              <a:rPr lang="en-US" altLang="ko-KR" sz="2000" dirty="0">
-                <a:solidFill>
-                  <a:srgbClr val="0000FF"/>
-                </a:solidFill>
-                <a:latin typeface="+mn-ea"/>
-              </a:rPr>
-              <a:t> </a:t>
-            </a:r>
-            <a:r>
-              <a:rPr lang="ko-KR" altLang="en-US" sz="2000" dirty="0" smtClean="0">
-                <a:solidFill>
-                  <a:srgbClr val="0000FF"/>
-                </a:solidFill>
-                <a:latin typeface="+mn-ea"/>
-              </a:rPr>
-              <a:t>업데이트</a:t>
-            </a:r>
-            <a:endParaRPr lang="en-US" altLang="ko-KR" sz="2000" dirty="0">
-              <a:solidFill>
-                <a:srgbClr val="0000FF"/>
-              </a:solidFill>
-              <a:latin typeface="+mn-ea"/>
-            </a:endParaRPr>
-          </a:p>
-          <a:p>
             <a:pPr marL="742950" lvl="1" indent="-285750" latinLnBrk="0">
               <a:lnSpc>
                 <a:spcPct val="150000"/>
@@ -5468,296 +8305,9 @@
               <a:buFont typeface="Arial" panose="020B0604020202020204" pitchFamily="34" charset="0"/>
               <a:buChar char="•"/>
             </a:pPr>
-            <a:r>
-              <a:rPr lang="ko-KR" altLang="en-US" sz="1600" dirty="0">
-                <a:solidFill>
-                  <a:schemeClr val="tx1"/>
-                </a:solidFill>
-              </a:rPr>
-              <a:t>전역 삭제 </a:t>
-            </a:r>
-            <a:r>
-              <a:rPr lang="en-US" altLang="ko-KR" sz="1600" dirty="0">
-                <a:solidFill>
-                  <a:schemeClr val="tx1"/>
-                </a:solidFill>
-              </a:rPr>
-              <a:t>: </a:t>
-            </a:r>
-            <a:r>
-              <a:rPr lang="en-US" altLang="ko-KR" sz="1600" dirty="0" err="1">
-                <a:solidFill>
-                  <a:schemeClr val="tx1"/>
-                </a:solidFill>
-              </a:rPr>
-              <a:t>npm</a:t>
-            </a:r>
-            <a:r>
-              <a:rPr lang="en-US" altLang="ko-KR" sz="1600" dirty="0">
-                <a:solidFill>
-                  <a:schemeClr val="tx1"/>
-                </a:solidFill>
-              </a:rPr>
-              <a:t> </a:t>
-            </a:r>
-            <a:r>
-              <a:rPr lang="en-US" altLang="ko-KR" sz="1600" dirty="0" smtClean="0">
-                <a:solidFill>
-                  <a:schemeClr val="tx1"/>
-                </a:solidFill>
-              </a:rPr>
-              <a:t>update @jsh-1235/math -g</a:t>
-            </a:r>
-            <a:endParaRPr lang="en-US" altLang="ko-KR" sz="1600" dirty="0">
-              <a:solidFill>
-                <a:schemeClr val="tx1"/>
-              </a:solidFill>
-            </a:endParaRPr>
-          </a:p>
-          <a:p>
-            <a:pPr marL="742950" lvl="1" indent="-285750" latinLnBrk="0">
-              <a:lnSpc>
-                <a:spcPct val="150000"/>
-              </a:lnSpc>
-              <a:buFont typeface="Arial" panose="020B0604020202020204" pitchFamily="34" charset="0"/>
-              <a:buChar char="•"/>
-            </a:pPr>
-            <a:r>
-              <a:rPr lang="ko-KR" altLang="en-US" sz="1600" dirty="0">
-                <a:solidFill>
-                  <a:schemeClr val="tx1"/>
-                </a:solidFill>
-              </a:rPr>
-              <a:t>로컬 삭제 </a:t>
-            </a:r>
-            <a:r>
-              <a:rPr lang="en-US" altLang="ko-KR" sz="1600" dirty="0">
-                <a:solidFill>
-                  <a:schemeClr val="tx1"/>
-                </a:solidFill>
-              </a:rPr>
-              <a:t>: </a:t>
-            </a:r>
-            <a:r>
-              <a:rPr lang="en-US" altLang="ko-KR" sz="1600" dirty="0" err="1">
-                <a:solidFill>
-                  <a:schemeClr val="tx1"/>
-                </a:solidFill>
-              </a:rPr>
-              <a:t>npm</a:t>
-            </a:r>
-            <a:r>
-              <a:rPr lang="en-US" altLang="ko-KR" sz="1600" dirty="0">
-                <a:solidFill>
-                  <a:schemeClr val="tx1"/>
-                </a:solidFill>
-              </a:rPr>
-              <a:t> </a:t>
-            </a:r>
-            <a:r>
-              <a:rPr lang="en-US" altLang="ko-KR" sz="1600" dirty="0" smtClean="0">
-                <a:solidFill>
-                  <a:schemeClr val="tx1"/>
-                </a:solidFill>
-              </a:rPr>
-              <a:t>update </a:t>
-            </a:r>
-            <a:r>
-              <a:rPr lang="en-US" altLang="ko-KR" sz="1600" dirty="0">
-                <a:solidFill>
-                  <a:schemeClr val="tx1"/>
-                </a:solidFill>
-              </a:rPr>
-              <a:t>@</a:t>
-            </a:r>
-            <a:r>
-              <a:rPr lang="en-US" altLang="ko-KR" sz="1600" dirty="0" smtClean="0">
-                <a:solidFill>
-                  <a:schemeClr val="tx1"/>
-                </a:solidFill>
-              </a:rPr>
-              <a:t>jsh-1235/math</a:t>
-            </a:r>
-          </a:p>
-          <a:p>
-            <a:pPr marL="742950" lvl="1" indent="-285750" latinLnBrk="0">
-              <a:lnSpc>
-                <a:spcPct val="150000"/>
-              </a:lnSpc>
-              <a:buFont typeface="Arial" panose="020B0604020202020204" pitchFamily="34" charset="0"/>
-              <a:buChar char="•"/>
-            </a:pPr>
-            <a:endParaRPr lang="en-US" altLang="ko-KR" sz="1600" dirty="0">
-              <a:solidFill>
-                <a:srgbClr val="00B0F0"/>
-              </a:solidFill>
-            </a:endParaRPr>
-          </a:p>
-          <a:p>
-            <a:pPr marL="285750" indent="-285750">
-              <a:lnSpc>
-                <a:spcPct val="150000"/>
-              </a:lnSpc>
-              <a:buFont typeface="Wingdings" panose="05000000000000000000" pitchFamily="2" charset="2"/>
-              <a:buChar char="Ø"/>
-            </a:pPr>
-            <a:r>
-              <a:rPr lang="ko-KR" altLang="en-US" sz="2000" dirty="0" smtClean="0">
-                <a:solidFill>
-                  <a:srgbClr val="0000FF"/>
-                </a:solidFill>
-                <a:latin typeface="+mn-ea"/>
-              </a:rPr>
-              <a:t>삭제</a:t>
-            </a:r>
-            <a:endParaRPr lang="en-US" altLang="ko-KR" sz="2000" dirty="0">
-              <a:solidFill>
-                <a:srgbClr val="0000FF"/>
-              </a:solidFill>
-              <a:latin typeface="+mn-ea"/>
-            </a:endParaRPr>
-          </a:p>
-          <a:p>
-            <a:pPr marL="742950" lvl="1" indent="-285750" latinLnBrk="0">
-              <a:lnSpc>
-                <a:spcPct val="150000"/>
-              </a:lnSpc>
-              <a:buFont typeface="Arial" panose="020B0604020202020204" pitchFamily="34" charset="0"/>
-              <a:buChar char="•"/>
-            </a:pPr>
-            <a:r>
-              <a:rPr lang="ko-KR" altLang="en-US" sz="1600" dirty="0">
-                <a:solidFill>
-                  <a:schemeClr val="tx1"/>
-                </a:solidFill>
-              </a:rPr>
-              <a:t>전역 </a:t>
-            </a:r>
-            <a:r>
-              <a:rPr lang="ko-KR" altLang="en-US" sz="1600" dirty="0" smtClean="0">
-                <a:solidFill>
-                  <a:schemeClr val="tx1"/>
-                </a:solidFill>
-              </a:rPr>
-              <a:t>삭제 </a:t>
-            </a:r>
-            <a:r>
-              <a:rPr lang="en-US" altLang="ko-KR" sz="1600" dirty="0">
-                <a:solidFill>
-                  <a:schemeClr val="tx1"/>
-                </a:solidFill>
-              </a:rPr>
-              <a:t>: </a:t>
-            </a:r>
-            <a:r>
-              <a:rPr lang="en-US" altLang="ko-KR" sz="1600" dirty="0" err="1">
-                <a:solidFill>
-                  <a:schemeClr val="tx1"/>
-                </a:solidFill>
-              </a:rPr>
-              <a:t>npm</a:t>
-            </a:r>
-            <a:r>
-              <a:rPr lang="en-US" altLang="ko-KR" sz="1600" dirty="0">
-                <a:solidFill>
-                  <a:schemeClr val="tx1"/>
-                </a:solidFill>
-              </a:rPr>
-              <a:t> </a:t>
-            </a:r>
-            <a:r>
-              <a:rPr lang="en-US" altLang="ko-KR" sz="1600" dirty="0" smtClean="0">
-                <a:solidFill>
-                  <a:schemeClr val="tx1"/>
-                </a:solidFill>
-              </a:rPr>
-              <a:t>uninstall –g </a:t>
-            </a:r>
-            <a:r>
-              <a:rPr lang="en-US" altLang="ko-KR" sz="1600" dirty="0">
-                <a:solidFill>
-                  <a:schemeClr val="tx1"/>
-                </a:solidFill>
-              </a:rPr>
-              <a:t>@jsh-1235/math</a:t>
-            </a:r>
-          </a:p>
-          <a:p>
-            <a:pPr marL="742950" lvl="1" indent="-285750" latinLnBrk="0">
-              <a:lnSpc>
-                <a:spcPct val="150000"/>
-              </a:lnSpc>
-              <a:buFont typeface="Arial" panose="020B0604020202020204" pitchFamily="34" charset="0"/>
-              <a:buChar char="•"/>
-            </a:pPr>
-            <a:r>
-              <a:rPr lang="ko-KR" altLang="en-US" sz="1600" dirty="0">
-                <a:solidFill>
-                  <a:schemeClr val="tx1"/>
-                </a:solidFill>
-              </a:rPr>
-              <a:t>로컬 </a:t>
-            </a:r>
-            <a:r>
-              <a:rPr lang="ko-KR" altLang="en-US" sz="1600" dirty="0" smtClean="0">
-                <a:solidFill>
-                  <a:schemeClr val="tx1"/>
-                </a:solidFill>
-              </a:rPr>
-              <a:t>삭제 </a:t>
-            </a:r>
-            <a:r>
-              <a:rPr lang="en-US" altLang="ko-KR" sz="1600" dirty="0">
-                <a:solidFill>
-                  <a:schemeClr val="tx1"/>
-                </a:solidFill>
-              </a:rPr>
-              <a:t>: </a:t>
-            </a:r>
-            <a:r>
-              <a:rPr lang="en-US" altLang="ko-KR" sz="1600" dirty="0" err="1">
-                <a:solidFill>
-                  <a:schemeClr val="tx1"/>
-                </a:solidFill>
-              </a:rPr>
-              <a:t>npm</a:t>
-            </a:r>
-            <a:r>
-              <a:rPr lang="en-US" altLang="ko-KR" sz="1600" dirty="0">
-                <a:solidFill>
-                  <a:schemeClr val="tx1"/>
-                </a:solidFill>
-              </a:rPr>
-              <a:t> </a:t>
-            </a:r>
-            <a:r>
-              <a:rPr lang="en-US" altLang="ko-KR" sz="1600" dirty="0" smtClean="0">
-                <a:solidFill>
-                  <a:schemeClr val="tx1"/>
-                </a:solidFill>
-              </a:rPr>
-              <a:t>uninstall </a:t>
-            </a:r>
-            <a:r>
-              <a:rPr lang="en-US" altLang="ko-KR" sz="1600" dirty="0">
-                <a:solidFill>
-                  <a:schemeClr val="tx1"/>
-                </a:solidFill>
-              </a:rPr>
-              <a:t>@jsh-1235/math --save</a:t>
-            </a:r>
-          </a:p>
-          <a:p>
-            <a:pPr marL="742950" lvl="1" indent="-285750" latinLnBrk="0">
-              <a:lnSpc>
-                <a:spcPct val="150000"/>
-              </a:lnSpc>
-              <a:buFont typeface="Arial" panose="020B0604020202020204" pitchFamily="34" charset="0"/>
-              <a:buChar char="•"/>
-            </a:pPr>
             <a:endParaRPr lang="en-US" altLang="ko-KR" sz="1600" dirty="0" smtClean="0">
               <a:solidFill>
-                <a:srgbClr val="00B0F0"/>
+                <a:srgbClr val="FF0000"/>
               </a:solidFill>
             </a:endParaRPr>
           </a:p>
@@ -5766,7 +8316,7 @@
     </p:spTree>
     <p:extLst>
       <p:ext uri="{BB962C8B-B14F-4D97-AF65-F5344CB8AC3E}">
-        <p14:creationId xmlns:p14="http://schemas.microsoft.com/office/powerpoint/2010/main" val="1827895962"/>
+        <p14:creationId xmlns:p14="http://schemas.microsoft.com/office/powerpoint/2010/main" val="286315309"/>
       </p:ext>
     </p:extLst>
   </p:cSld>
@@ -5783,7 +8333,7 @@
 </p:sld>
 </file>
 
-<file path=ppt/slides/slide8.xml><?xml version="1.0" encoding="utf-8"?>
+<file path=ppt/slides/slide9.xml><?xml version="1.0" encoding="utf-8"?>
 <p:sld xmlns:a="http://schemas.openxmlformats.org/drawingml/2006/main" xmlns:r="http://schemas.openxmlformats.org/officeDocument/2006/relationships" xmlns:p="http://schemas.openxmlformats.org/presentationml/2006/main">
   <p:cSld>
     <p:spTree>
@@ -5827,7 +8377,14 @@
                 <a:latin typeface="HY헤드라인M" pitchFamily="18" charset="-127"/>
                 <a:ea typeface="HY헤드라인M" pitchFamily="18" charset="-127"/>
               </a:rPr>
-              <a:t>NPX (NPM Package Runner)</a:t>
+              <a:t>NPM Package </a:t>
+            </a:r>
+            <a:r>
+              <a:rPr lang="ko-KR" altLang="en-US" sz="2400" dirty="0" smtClean="0">
+                <a:latin typeface="HY헤드라인M" pitchFamily="18" charset="-127"/>
+                <a:ea typeface="HY헤드라인M" pitchFamily="18" charset="-127"/>
+              </a:rPr>
+              <a:t>업데이트</a:t>
             </a:r>
             <a:endParaRPr lang="ko-KR" altLang="en-US" sz="2400" dirty="0">
               <a:latin typeface="HY헤드라인M" pitchFamily="18" charset="-127"/>
@@ -5845,7 +8402,7 @@
           <p:nvPr/>
         </p:nvPicPr>
         <p:blipFill>
-          <a:blip r:embed="rId3" cstate="print">
+          <a:blip r:embed="rId2" cstate="print">
             <a:extLst>
               <a:ext uri="{28A0092B-C50C-407E-A947-70E740481C1C}">
                 <a14:useLocalDpi xmlns:a14="http://schemas.microsoft.com/office/drawing/2010/main" val="0"/>
@@ -5916,7 +8473,7 @@
                 </a:solidFill>
                 <a:latin typeface="+mn-ea"/>
               </a:rPr>
-              <a:t>개요</a:t>
+              <a:t>명령어</a:t>
             </a:r>
             <a:endParaRPr lang="en-US" altLang="ko-KR" sz="2000" dirty="0">
               <a:solidFill>
@@ -5934,17 +8491,26 @@
               <a:buChar char="•"/>
             </a:pPr>
             <a:r>
+              <a:rPr lang="en-US" altLang="ko-KR" sz="1400" dirty="0" err="1"/>
+              <a:t>npm</a:t>
+            </a:r>
+            <a:r>
+              <a:rPr lang="en-US" altLang="ko-KR" sz="1400" dirty="0"/>
+              <a:t> install -g </a:t>
+            </a:r>
+            <a:r>
               <a:rPr lang="en-US" altLang="ko-KR" sz="1400" dirty="0" err="1" smtClean="0"/>
               <a:t>npm</a:t>
             </a:r>
             <a:r>
+              <a:rPr lang="en-US" altLang="ko-KR" sz="1400" dirty="0" smtClean="0"/>
+              <a:t>-check-update : </a:t>
+            </a:r>
+            <a:r>
               <a:rPr lang="ko-KR" altLang="en-US" sz="1400" dirty="0" smtClean="0"/>
-              <a:t>을 통해서 설치할 수 있는 모듈을 쉽고 간단하게 사용할 수 있도록 도와주는 도구이다</a:t>
-            </a:r>
-            <a:r>
-              <a:rPr lang="en-US" altLang="ko-KR" sz="1400" dirty="0" smtClean="0"/>
-              <a:t>.</a:t>
-            </a:r>
+              <a:t>전역적으로 업데이트 수행</a:t>
+            </a:r>
+            <a:endParaRPr lang="en-US" altLang="ko-KR" sz="1400" dirty="0" smtClean="0"/>
           </a:p>
           <a:p>
             <a:pPr marL="742950" lvl="1" indent="-285750" latinLnBrk="0">
@@ -5955,12 +8521,54 @@
               <a:buChar char="•"/>
             </a:pPr>
             <a:r>
-              <a:rPr lang="ko-KR" altLang="en-US" sz="1400" dirty="0" smtClean="0"/>
-              <a:t>한번만 설치되고 사용 후 폐기되는 패키지를 실행할 수 있다</a:t>
-            </a:r>
-            <a:r>
-              <a:rPr lang="en-US" altLang="ko-KR" sz="1400" dirty="0" smtClean="0"/>
-              <a:t>.</a:t>
+              <a:rPr lang="en-US" altLang="ko-KR" sz="1400" dirty="0" err="1">
+                <a:solidFill>
+                  <a:schemeClr val="bg1">
+                    <a:lumMod val="75000"/>
+                  </a:schemeClr>
+                </a:solidFill>
+              </a:rPr>
+              <a:t>ncu</a:t>
+            </a:r>
+            <a:r>
+              <a:rPr lang="en-US" altLang="ko-KR" sz="1400" dirty="0">
+                <a:solidFill>
+                  <a:schemeClr val="bg1">
+                    <a:lumMod val="75000"/>
+                  </a:schemeClr>
+                </a:solidFill>
+              </a:rPr>
+              <a:t> </a:t>
+            </a:r>
+            <a:r>
+              <a:rPr lang="en-US" altLang="ko-KR" sz="1400" dirty="0" smtClean="0">
+                <a:solidFill>
+                  <a:schemeClr val="bg1">
+                    <a:lumMod val="75000"/>
+                  </a:schemeClr>
+                </a:solidFill>
+              </a:rPr>
+              <a:t>–u : </a:t>
+            </a:r>
+            <a:r>
+              <a:rPr lang="ko-KR" altLang="en-US" sz="1400" dirty="0" smtClean="0">
+                <a:solidFill>
+                  <a:schemeClr val="bg1">
+                    <a:lumMod val="75000"/>
+                  </a:schemeClr>
+                </a:solidFill>
+              </a:rPr>
+              <a:t>업데이트 항목 표시 </a:t>
+            </a:r>
+            <a:r>
+              <a:rPr lang="en-US" altLang="ko-KR" sz="1400" dirty="0" smtClean="0">
+                <a:solidFill>
+                  <a:schemeClr val="bg1">
+                    <a:lumMod val="75000"/>
+                  </a:schemeClr>
+                </a:solidFill>
+              </a:rPr>
+              <a:t>(outdated)</a:t>
             </a:r>
           </a:p>
           <a:p>
@@ -5971,7 +8579,147 @@
               <a:buFont typeface="Arial" panose="020B0604020202020204" pitchFamily="34" charset="0"/>
               <a:buChar char="•"/>
             </a:pPr>
-            <a:endParaRPr lang="en-US" altLang="ko-KR" sz="1400" dirty="0" smtClean="0"/>
+            <a:r>
+              <a:rPr lang="en-US" altLang="ko-KR" sz="1400" dirty="0" err="1" smtClean="0">
+                <a:solidFill>
+                  <a:srgbClr val="FF0000"/>
+                </a:solidFill>
+              </a:rPr>
+              <a:t>npx</a:t>
+            </a:r>
+            <a:r>
+              <a:rPr lang="en-US" altLang="ko-KR" sz="1400" dirty="0" smtClean="0">
+                <a:solidFill>
+                  <a:srgbClr val="FF0000"/>
+                </a:solidFill>
+              </a:rPr>
+              <a:t> </a:t>
+            </a:r>
+            <a:r>
+              <a:rPr lang="en-US" altLang="ko-KR" sz="1400" dirty="0" err="1">
+                <a:solidFill>
+                  <a:srgbClr val="FF0000"/>
+                </a:solidFill>
+              </a:rPr>
+              <a:t>npm</a:t>
+            </a:r>
+            <a:r>
+              <a:rPr lang="en-US" altLang="ko-KR" sz="1400" dirty="0">
+                <a:solidFill>
+                  <a:srgbClr val="FF0000"/>
+                </a:solidFill>
+              </a:rPr>
+              <a:t>-check-updates</a:t>
+            </a:r>
+          </a:p>
+          <a:p>
+            <a:pPr marL="742950" lvl="1" indent="-285750" latinLnBrk="0">
+              <a:lnSpc>
+                <a:spcPct val="150000"/>
+              </a:lnSpc>
+              <a:buFont typeface="Arial" panose="020B0604020202020204" pitchFamily="34" charset="0"/>
+              <a:buChar char="•"/>
+            </a:pPr>
+            <a:r>
+              <a:rPr lang="en-US" altLang="ko-KR" sz="1400" dirty="0" err="1">
+                <a:solidFill>
+                  <a:srgbClr val="FF0000"/>
+                </a:solidFill>
+              </a:rPr>
+              <a:t>npx</a:t>
+            </a:r>
+            <a:r>
+              <a:rPr lang="en-US" altLang="ko-KR" sz="1400" dirty="0">
+                <a:solidFill>
+                  <a:srgbClr val="FF0000"/>
+                </a:solidFill>
+              </a:rPr>
+              <a:t> </a:t>
+            </a:r>
+            <a:r>
+              <a:rPr lang="en-US" altLang="ko-KR" sz="1400" dirty="0" err="1">
+                <a:solidFill>
+                  <a:srgbClr val="FF0000"/>
+                </a:solidFill>
+              </a:rPr>
+              <a:t>npm</a:t>
+            </a:r>
+            <a:r>
+              <a:rPr lang="en-US" altLang="ko-KR" sz="1400" dirty="0">
+                <a:solidFill>
+                  <a:srgbClr val="FF0000"/>
+                </a:solidFill>
+              </a:rPr>
+              <a:t>-check-updates -</a:t>
+            </a:r>
+            <a:r>
+              <a:rPr lang="en-US" altLang="ko-KR" sz="1400" dirty="0" smtClean="0">
+                <a:solidFill>
+                  <a:srgbClr val="FF0000"/>
+                </a:solidFill>
+              </a:rPr>
+              <a:t>u (check &amp; update)</a:t>
+            </a:r>
+          </a:p>
+          <a:p>
+            <a:pPr marL="742950" lvl="1" indent="-285750" latinLnBrk="0">
+              <a:lnSpc>
+                <a:spcPct val="150000"/>
+              </a:lnSpc>
+              <a:buFont typeface="Arial" panose="020B0604020202020204" pitchFamily="34" charset="0"/>
+              <a:buChar char="•"/>
+            </a:pPr>
+            <a:r>
+              <a:rPr lang="en-US" altLang="ko-KR" sz="1400" dirty="0" err="1">
+                <a:solidFill>
+                  <a:srgbClr val="FF0000"/>
+                </a:solidFill>
+              </a:rPr>
+              <a:t>npm</a:t>
+            </a:r>
+            <a:r>
+              <a:rPr lang="en-US" altLang="ko-KR" sz="1400" dirty="0">
+                <a:solidFill>
+                  <a:srgbClr val="FF0000"/>
+                </a:solidFill>
+              </a:rPr>
+              <a:t> install  : </a:t>
+            </a:r>
+            <a:r>
+              <a:rPr lang="ko-KR" altLang="en-US" sz="1400" dirty="0">
+                <a:solidFill>
+                  <a:srgbClr val="FF0000"/>
+                </a:solidFill>
+              </a:rPr>
+              <a:t>실제 업데이트 </a:t>
+            </a:r>
+            <a:r>
+              <a:rPr lang="ko-KR" altLang="en-US" sz="1400" dirty="0" smtClean="0">
+                <a:solidFill>
+                  <a:srgbClr val="FF0000"/>
+                </a:solidFill>
+              </a:rPr>
+              <a:t>수행</a:t>
+            </a:r>
+            <a:endParaRPr lang="en-US" altLang="ko-KR" sz="1400" dirty="0" smtClean="0">
+              <a:solidFill>
+                <a:srgbClr val="FF0000"/>
+              </a:solidFill>
+            </a:endParaRPr>
+          </a:p>
+          <a:p>
+            <a:pPr marL="742950" lvl="1" indent="-285750" latinLnBrk="0">
+              <a:lnSpc>
+                <a:spcPct val="150000"/>
+              </a:lnSpc>
+              <a:buFont typeface="Arial" panose="020B0604020202020204" pitchFamily="34" charset="0"/>
+              <a:buChar char="•"/>
+            </a:pPr>
+            <a:endParaRPr lang="en-US" altLang="ko-KR" sz="1400" dirty="0">
+              <a:solidFill>
+                <a:srgbClr val="FF0000"/>
+              </a:solidFill>
+            </a:endParaRPr>
           </a:p>
           <a:p>
             <a:pPr marL="285750" indent="-285750">
@@ -5982,13 +8730,22 @@
               <a:buChar char="Ø"/>
             </a:pPr>
             <a:r>
+              <a:rPr lang="en-US" altLang="ko-KR" sz="2000" dirty="0" smtClean="0">
+                <a:solidFill>
+                  <a:srgbClr val="0000FF"/>
+                </a:solidFill>
+                <a:latin typeface="+mn-ea"/>
+              </a:rPr>
+              <a:t>Dependencies </a:t>
+            </a:r>
+            <a:r>
               <a:rPr lang="ko-KR" altLang="en-US" sz="2000" dirty="0" smtClean="0">
                 <a:solidFill>
                   <a:srgbClr val="0000FF"/>
                 </a:solidFill>
                 <a:latin typeface="+mn-ea"/>
               </a:rPr>
-              <a:t>작업 절차</a:t>
+              <a:t>목록 자동 설치</a:t>
             </a:r>
             <a:endParaRPr lang="en-US" altLang="ko-KR" sz="2000" dirty="0">
               <a:solidFill>
@@ -6006,151 +8763,68 @@
               <a:buChar char="•"/>
             </a:pPr>
             <a:r>
-              <a:rPr lang="ko-KR" altLang="en-US" sz="1400" dirty="0"/>
-              <a:t>기본적으로 </a:t>
-            </a:r>
-            <a:r>
-              <a:rPr lang="ko-KR" altLang="en-US" sz="1400" dirty="0" smtClean="0"/>
-              <a:t>실행 되어야 할 </a:t>
-            </a:r>
-            <a:r>
-              <a:rPr lang="ko-KR" altLang="en-US" sz="1400" dirty="0"/>
-              <a:t>패키지가 경로에 있는지 먼저 </a:t>
-            </a:r>
-            <a:r>
-              <a:rPr lang="ko-KR" altLang="en-US" sz="1400" dirty="0" smtClean="0"/>
-              <a:t>확인한다</a:t>
-            </a:r>
-            <a:r>
-              <a:rPr lang="en-US" altLang="ko-KR" sz="1400" dirty="0" smtClean="0"/>
-              <a:t>.</a:t>
-            </a:r>
-            <a:endParaRPr lang="en-US" altLang="ko-KR" sz="1400" dirty="0"/>
-          </a:p>
-          <a:p>
-            <a:pPr marL="742950" lvl="1" indent="-285750" latinLnBrk="0">
-              <a:lnSpc>
-                <a:spcPct val="150000"/>
-              </a:lnSpc>
-              <a:buFont typeface="Arial" panose="020B0604020202020204" pitchFamily="34" charset="0"/>
-              <a:buChar char="•"/>
-            </a:pPr>
-            <a:r>
-              <a:rPr lang="ko-KR" altLang="en-US" sz="1400" dirty="0" smtClean="0"/>
-              <a:t>경로에 </a:t>
-            </a:r>
-            <a:r>
-              <a:rPr lang="ko-KR" altLang="en-US" sz="1400" dirty="0"/>
-              <a:t>제대로 있다면</a:t>
-            </a:r>
-            <a:r>
-              <a:rPr lang="en-US" altLang="ko-KR" sz="1400" dirty="0"/>
-              <a:t>, </a:t>
-            </a:r>
-            <a:r>
-              <a:rPr lang="ko-KR" altLang="en-US" sz="1400" dirty="0"/>
-              <a:t>그대로 </a:t>
-            </a:r>
-            <a:r>
-              <a:rPr lang="ko-KR" altLang="en-US" sz="1400" dirty="0" smtClean="0"/>
-              <a:t>실행한다</a:t>
-            </a:r>
-            <a:r>
-              <a:rPr lang="en-US" altLang="ko-KR" sz="1400" dirty="0" smtClean="0"/>
-              <a:t>.</a:t>
-            </a:r>
-            <a:endParaRPr lang="en-US" altLang="ko-KR" sz="1400" dirty="0"/>
-          </a:p>
-          <a:p>
-            <a:pPr marL="742950" lvl="1" indent="-285750" latinLnBrk="0">
-              <a:lnSpc>
-                <a:spcPct val="150000"/>
-              </a:lnSpc>
-              <a:buFont typeface="Arial" panose="020B0604020202020204" pitchFamily="34" charset="0"/>
-              <a:buChar char="•"/>
-            </a:pPr>
-            <a:r>
-              <a:rPr lang="ko-KR" altLang="en-US" sz="1400" dirty="0" smtClean="0"/>
-              <a:t>그렇지 </a:t>
-            </a:r>
-            <a:r>
-              <a:rPr lang="ko-KR" altLang="en-US" sz="1400" dirty="0"/>
-              <a:t>않다면 패키지는 설치되어 있지 않다는 걸 의미하고</a:t>
-            </a:r>
-            <a:r>
-              <a:rPr lang="en-US" altLang="ko-KR" sz="1400" dirty="0"/>
-              <a:t>, </a:t>
-            </a:r>
-            <a:r>
-              <a:rPr lang="en-US" altLang="ko-KR" sz="1400" dirty="0" err="1"/>
-              <a:t>npx</a:t>
-            </a:r>
-            <a:r>
-              <a:rPr lang="ko-KR" altLang="en-US" sz="1400" dirty="0"/>
-              <a:t>가 최신 버전의 패키지를 설치를 한 후에 </a:t>
-            </a:r>
-            <a:r>
-              <a:rPr lang="ko-KR" altLang="en-US" sz="1400" dirty="0" smtClean="0"/>
-              <a:t>실행한다</a:t>
-            </a:r>
-            <a:r>
-              <a:rPr lang="en-US" altLang="ko-KR" sz="1400" dirty="0" smtClean="0"/>
-              <a:t>.</a:t>
-            </a:r>
-          </a:p>
-          <a:p>
-            <a:pPr marL="742950" lvl="1" indent="-285750" latinLnBrk="0">
-              <a:lnSpc>
-                <a:spcPct val="150000"/>
-              </a:lnSpc>
-              <a:buFont typeface="Arial" panose="020B0604020202020204" pitchFamily="34" charset="0"/>
-              <a:buChar char="•"/>
-            </a:pPr>
-            <a:endParaRPr lang="en-US" altLang="ko-KR" sz="1400" dirty="0" smtClean="0"/>
-          </a:p>
-          <a:p>
-            <a:pPr marL="285750" indent="-285750">
-              <a:lnSpc>
-                <a:spcPct val="150000"/>
-              </a:lnSpc>
-              <a:buFont typeface="Wingdings" panose="05000000000000000000" pitchFamily="2" charset="2"/>
-              <a:buChar char="Ø"/>
-            </a:pPr>
-            <a:r>
-              <a:rPr lang="ko-KR" altLang="en-US" sz="2000" dirty="0" smtClean="0">
-                <a:solidFill>
-                  <a:srgbClr val="0000FF"/>
-                </a:solidFill>
-                <a:latin typeface="+mn-ea"/>
-              </a:rPr>
-              <a:t>실행</a:t>
-            </a:r>
-            <a:endParaRPr lang="en-US" altLang="ko-KR" sz="2000" dirty="0">
-              <a:solidFill>
-                <a:srgbClr val="0000FF"/>
-              </a:solidFill>
-              <a:latin typeface="+mn-ea"/>
-            </a:endParaRPr>
-          </a:p>
-          <a:p>
-            <a:pPr marL="742950" lvl="1" indent="-285750" latinLnBrk="0">
-              <a:lnSpc>
-                <a:spcPct val="150000"/>
-              </a:lnSpc>
-              <a:buFont typeface="Arial" panose="020B0604020202020204" pitchFamily="34" charset="0"/>
-              <a:buChar char="•"/>
-            </a:pPr>
-            <a:r>
-              <a:rPr lang="en-US" altLang="ko-KR" sz="1600" dirty="0" err="1"/>
-              <a:t>npx</a:t>
-            </a:r>
-            <a:r>
-              <a:rPr lang="en-US" altLang="ko-KR" sz="1600" dirty="0"/>
-              <a:t> -p @jsh-1235/math math-sum </a:t>
-            </a:r>
-            <a:r>
-              <a:rPr lang="en-US" altLang="ko-KR" sz="1600" dirty="0" smtClean="0"/>
-              <a:t>1,2,3,4,5</a:t>
+              <a:rPr lang="en-US" altLang="ko-KR" sz="1400" dirty="0" err="1">
+                <a:solidFill>
+                  <a:srgbClr val="FF0000"/>
+                </a:solidFill>
+              </a:rPr>
+              <a:t>npm</a:t>
+            </a:r>
+            <a:r>
+              <a:rPr lang="en-US" altLang="ko-KR" sz="1400" dirty="0">
+                <a:solidFill>
+                  <a:srgbClr val="FF0000"/>
+                </a:solidFill>
+              </a:rPr>
+              <a:t> install </a:t>
+            </a:r>
+            <a:r>
+              <a:rPr lang="en-US" altLang="ko-KR" sz="1400" dirty="0" err="1" smtClean="0">
+                <a:solidFill>
+                  <a:srgbClr val="FF0000"/>
+                </a:solidFill>
+              </a:rPr>
+              <a:t>package.json</a:t>
+            </a:r>
+            <a:r>
+              <a:rPr lang="en-US" altLang="ko-KR" sz="1400" dirty="0" smtClean="0">
+                <a:solidFill>
+                  <a:srgbClr val="FF0000"/>
+                </a:solidFill>
+              </a:rPr>
+              <a:t> (</a:t>
+            </a:r>
+            <a:r>
+              <a:rPr lang="en-US" altLang="ko-KR" sz="1400" dirty="0" err="1" smtClean="0">
+                <a:solidFill>
+                  <a:srgbClr val="FF0000"/>
+                </a:solidFill>
+              </a:rPr>
+              <a:t>package.json</a:t>
+            </a:r>
+            <a:r>
+              <a:rPr lang="en-US" altLang="ko-KR" sz="1400" dirty="0" smtClean="0">
+                <a:solidFill>
+                  <a:srgbClr val="FF0000"/>
+                </a:solidFill>
+              </a:rPr>
+              <a:t>  </a:t>
+            </a:r>
+            <a:r>
+              <a:rPr lang="ko-KR" altLang="en-US" sz="1400" dirty="0" smtClean="0">
+                <a:solidFill>
+                  <a:srgbClr val="FF0000"/>
+                </a:solidFill>
+              </a:rPr>
+              <a:t>생략 가능</a:t>
+            </a:r>
+            <a:r>
+              <a:rPr lang="en-US" altLang="ko-KR" sz="1400" dirty="0" smtClean="0">
+                <a:solidFill>
+                  <a:srgbClr val="FF0000"/>
+                </a:solidFill>
+              </a:rPr>
+              <a:t>)</a:t>
             </a:r>
             <a:endParaRPr lang="en-US" altLang="ko-KR" sz="1600" dirty="0">
               <a:solidFill>
@@ -6177,7 +8851,7 @@
     </p:spTree>
     <p:extLst>
       <p:ext uri="{BB962C8B-B14F-4D97-AF65-F5344CB8AC3E}">
-        <p14:creationId xmlns:p14="http://schemas.microsoft.com/office/powerpoint/2010/main" val="2963273625"/>
+        <p14:creationId xmlns:p14="http://schemas.microsoft.com/office/powerpoint/2010/main" val="2401105115"/>
       </p:ext>
     </p:extLst>
   </p:cSld>

--- a/Back-End/NodeJS/NPM 개발 도구.pptx
+++ b/Back-End/NodeJS/NPM 개발 도구.pptx
@@ -5,10 +5,10 @@
     <p:sldMasterId id="2147483659" r:id="rId1"/>
   </p:sldMasterIdLst>
   <p:notesMasterIdLst>
-    <p:notesMasterId r:id="rId15"/>
+    <p:notesMasterId r:id="rId16"/>
   </p:notesMasterIdLst>
   <p:handoutMasterIdLst>
-    <p:handoutMasterId r:id="rId16"/>
+    <p:handoutMasterId r:id="rId17"/>
   </p:handoutMasterIdLst>
   <p:sldIdLst>
     <p:sldId id="615" r:id="rId2"/>
@@ -24,6 +24,7 @@
     <p:sldId id="619" r:id="rId12"/>
     <p:sldId id="620" r:id="rId13"/>
     <p:sldId id="621" r:id="rId14"/>
+    <p:sldId id="631" r:id="rId15"/>
   </p:sldIdLst>
   <p:sldSz cx="9144000" cy="6858000" type="screen4x3"/>
   <p:notesSz cx="6865938" cy="9998075"/>
@@ -256,7 +257,7 @@
           <a:p>
             <a:fld id="{0701E38F-D71B-4628-B377-F26FA834EB07}" type="datetimeFigureOut">
               <a:rPr lang="ko-KR" altLang="en-US" smtClean="0"/>
-              <a:t>2022-12-13</a:t>
+              <a:t>2022-12-14</a:t>
             </a:fld>
             <a:endParaRPr lang="ko-KR" altLang="en-US"/>
           </a:p>
@@ -422,7 +423,7 @@
             <a:fld id="{BC75A1C1-99F9-4ED1-B968-97F8F766565C}" type="datetimeFigureOut">
               <a:rPr lang="ko-KR" altLang="en-US" smtClean="0"/>
               <a:pPr/>
-              <a:t>2022-12-13</a:t>
+              <a:t>2022-12-14</a:t>
             </a:fld>
             <a:endParaRPr lang="ko-KR" altLang="en-US"/>
           </a:p>
@@ -1024,6 +1025,91 @@
     <p:extLst>
       <p:ext uri="{BB962C8B-B14F-4D97-AF65-F5344CB8AC3E}">
         <p14:creationId xmlns:p14="http://schemas.microsoft.com/office/powerpoint/2010/main" val="890436140"/>
+      </p:ext>
+    </p:extLst>
+  </p:cSld>
+  <p:clrMapOvr>
+    <a:masterClrMapping/>
+  </p:clrMapOvr>
+</p:notes>
+</file>
+
+<file path=ppt/notesSlides/notesSlide5.xml><?xml version="1.0" encoding="utf-8"?>
+<p:notes xmlns:a="http://schemas.openxmlformats.org/drawingml/2006/main" xmlns:r="http://schemas.openxmlformats.org/officeDocument/2006/relationships" xmlns:p="http://schemas.openxmlformats.org/presentationml/2006/main">
+  <p:cSld>
+    <p:spTree>
+      <p:nvGrpSpPr>
+        <p:cNvPr id="1" name=""/>
+        <p:cNvGrpSpPr/>
+        <p:nvPr/>
+      </p:nvGrpSpPr>
+      <p:grpSpPr>
+        <a:xfrm>
+          <a:off x="0" y="0"/>
+          <a:ext cx="0" cy="0"/>
+          <a:chOff x="0" y="0"/>
+          <a:chExt cx="0" cy="0"/>
+        </a:xfrm>
+      </p:grpSpPr>
+      <p:sp>
+        <p:nvSpPr>
+          <p:cNvPr id="2" name="슬라이드 이미지 개체 틀 1"/>
+          <p:cNvSpPr>
+            <a:spLocks noGrp="1" noRot="1" noChangeAspect="1"/>
+          </p:cNvSpPr>
+          <p:nvPr>
+            <p:ph type="sldImg"/>
+          </p:nvPr>
+        </p:nvSpPr>
+        <p:spPr/>
+      </p:sp>
+      <p:sp>
+        <p:nvSpPr>
+          <p:cNvPr id="3" name="슬라이드 노트 개체 틀 2"/>
+          <p:cNvSpPr>
+            <a:spLocks noGrp="1"/>
+          </p:cNvSpPr>
+          <p:nvPr>
+            <p:ph type="body" idx="1"/>
+          </p:nvPr>
+        </p:nvSpPr>
+        <p:spPr/>
+        <p:txBody>
+          <a:bodyPr/>
+          <a:lstStyle/>
+          <a:p>
+            <a:endParaRPr lang="ko-KR" altLang="en-US" dirty="0"/>
+          </a:p>
+        </p:txBody>
+      </p:sp>
+      <p:sp>
+        <p:nvSpPr>
+          <p:cNvPr id="4" name="슬라이드 번호 개체 틀 3"/>
+          <p:cNvSpPr>
+            <a:spLocks noGrp="1"/>
+          </p:cNvSpPr>
+          <p:nvPr>
+            <p:ph type="sldNum" sz="quarter" idx="10"/>
+          </p:nvPr>
+        </p:nvSpPr>
+        <p:spPr/>
+        <p:txBody>
+          <a:bodyPr/>
+          <a:lstStyle/>
+          <a:p>
+            <a:fld id="{2925679C-3CF1-4175-AC10-4B4E045DB2D3}" type="slidenum">
+              <a:rPr lang="ko-KR" altLang="en-US" smtClean="0"/>
+              <a:pPr/>
+              <a:t>14</a:t>
+            </a:fld>
+            <a:endParaRPr lang="ko-KR" altLang="en-US"/>
+          </a:p>
+        </p:txBody>
+      </p:sp>
+    </p:spTree>
+    <p:extLst>
+      <p:ext uri="{BB962C8B-B14F-4D97-AF65-F5344CB8AC3E}">
+        <p14:creationId xmlns:p14="http://schemas.microsoft.com/office/powerpoint/2010/main" val="3673088985"/>
       </p:ext>
     </p:extLst>
   </p:cSld>
@@ -2873,14 +2959,7 @@
                 <a:latin typeface="HY헤드라인M" pitchFamily="18" charset="-127"/>
                 <a:ea typeface="HY헤드라인M" pitchFamily="18" charset="-127"/>
               </a:rPr>
-              <a:t>프로젝트 </a:t>
-            </a:r>
-            <a:r>
-              <a:rPr lang="ko-KR" altLang="en-US" sz="2400" dirty="0" smtClean="0">
-                <a:latin typeface="HY헤드라인M" pitchFamily="18" charset="-127"/>
-                <a:ea typeface="HY헤드라인M" pitchFamily="18" charset="-127"/>
-              </a:rPr>
-              <a:t>만들기</a:t>
+              <a:t>프로젝트 만들기</a:t>
             </a:r>
             <a:endParaRPr lang="ko-KR" altLang="en-US" sz="2400" dirty="0">
               <a:latin typeface="HY헤드라인M" pitchFamily="18" charset="-127"/>
@@ -3165,15 +3244,7 @@
                   <a:srgbClr val="00B0F0"/>
                 </a:solidFill>
               </a:rPr>
-              <a:t> –</a:t>
-            </a:r>
-            <a:r>
-              <a:rPr lang="en-US" altLang="ko-KR" sz="1600" dirty="0" smtClean="0">
-                <a:solidFill>
-                  <a:srgbClr val="00B0F0"/>
-                </a:solidFill>
-              </a:rPr>
-              <a:t>y</a:t>
+              <a:t> –y</a:t>
             </a:r>
           </a:p>
           <a:p>
@@ -3778,11 +3849,6 @@
               </a:rPr>
               <a:t>@1.0.0</a:t>
             </a:r>
-            <a:endParaRPr lang="en-US" altLang="ko-KR" sz="1600" dirty="0" smtClean="0">
-              <a:solidFill>
-                <a:schemeClr val="tx1"/>
-              </a:solidFill>
-            </a:endParaRPr>
           </a:p>
           <a:p>
             <a:pPr marL="742950" lvl="1" indent="-285750" latinLnBrk="0">
@@ -3890,15 +3956,7 @@
                   <a:schemeClr val="tx1"/>
                 </a:solidFill>
               </a:rPr>
-              <a:t>-</a:t>
-            </a:r>
-            <a:r>
-              <a:rPr lang="en-US" altLang="ko-KR" sz="1600" dirty="0" smtClean="0">
-                <a:solidFill>
-                  <a:schemeClr val="tx1"/>
-                </a:solidFill>
-              </a:rPr>
-              <a:t>f</a:t>
+              <a:t>-f</a:t>
             </a:r>
           </a:p>
           <a:p>
@@ -3965,11 +4023,6 @@
               </a:rPr>
               <a:t>.</a:t>
             </a:r>
-            <a:endParaRPr lang="en-US" altLang="ko-KR" sz="1600" dirty="0">
-              <a:solidFill>
-                <a:srgbClr val="FF0000"/>
-              </a:solidFill>
-            </a:endParaRPr>
           </a:p>
           <a:p>
             <a:pPr marL="1200150" lvl="2" indent="-285750" latinLnBrk="0">
@@ -5214,6 +5267,715 @@
 </p:sld>
 </file>
 
+<file path=ppt/slides/slide14.xml><?xml version="1.0" encoding="utf-8"?>
+<p:sld xmlns:a="http://schemas.openxmlformats.org/drawingml/2006/main" xmlns:r="http://schemas.openxmlformats.org/officeDocument/2006/relationships" xmlns:p="http://schemas.openxmlformats.org/presentationml/2006/main">
+  <p:cSld>
+    <p:spTree>
+      <p:nvGrpSpPr>
+        <p:cNvPr id="1" name=""/>
+        <p:cNvGrpSpPr/>
+        <p:nvPr/>
+      </p:nvGrpSpPr>
+      <p:grpSpPr>
+        <a:xfrm>
+          <a:off x="0" y="0"/>
+          <a:ext cx="0" cy="0"/>
+          <a:chOff x="0" y="0"/>
+          <a:chExt cx="0" cy="0"/>
+        </a:xfrm>
+      </p:grpSpPr>
+      <p:sp>
+        <p:nvSpPr>
+          <p:cNvPr id="3" name="TextBox 2"/>
+          <p:cNvSpPr txBox="1"/>
+          <p:nvPr/>
+        </p:nvSpPr>
+        <p:spPr>
+          <a:xfrm>
+            <a:off x="548640" y="470346"/>
+            <a:ext cx="8055807" cy="461665"/>
+          </a:xfrm>
+          <a:prstGeom prst="rect">
+            <a:avLst/>
+          </a:prstGeom>
+          <a:noFill/>
+        </p:spPr>
+        <p:txBody>
+          <a:bodyPr wrap="square" rtlCol="0">
+            <a:spAutoFit/>
+          </a:bodyPr>
+          <a:lstStyle/>
+          <a:p>
+            <a:r>
+              <a:rPr lang="en-US" altLang="ko-KR" sz="2400" dirty="0" smtClean="0">
+                <a:latin typeface="HY헤드라인M" pitchFamily="18" charset="-127"/>
+                <a:ea typeface="HY헤드라인M" pitchFamily="18" charset="-127"/>
+              </a:rPr>
+              <a:t>NPM (Ubuntu)</a:t>
+            </a:r>
+            <a:endParaRPr lang="ko-KR" altLang="en-US" sz="2400" dirty="0">
+              <a:latin typeface="HY헤드라인M" pitchFamily="18" charset="-127"/>
+              <a:ea typeface="HY헤드라인M" pitchFamily="18" charset="-127"/>
+            </a:endParaRPr>
+          </a:p>
+        </p:txBody>
+      </p:sp>
+      <p:pic>
+        <p:nvPicPr>
+          <p:cNvPr id="2" name="그림 1"/>
+          <p:cNvPicPr>
+            <a:picLocks noChangeAspect="1"/>
+          </p:cNvPicPr>
+          <p:nvPr/>
+        </p:nvPicPr>
+        <p:blipFill>
+          <a:blip r:embed="rId3" cstate="print">
+            <a:extLst>
+              <a:ext uri="{28A0092B-C50C-407E-A947-70E740481C1C}">
+                <a14:useLocalDpi xmlns:a14="http://schemas.microsoft.com/office/drawing/2010/main" val="0"/>
+              </a:ext>
+            </a:extLst>
+          </a:blip>
+          <a:stretch>
+            <a:fillRect/>
+          </a:stretch>
+        </p:blipFill>
+        <p:spPr>
+          <a:xfrm>
+            <a:off x="7596744" y="2925352"/>
+            <a:ext cx="71600" cy="71600"/>
+          </a:xfrm>
+          <a:prstGeom prst="rect">
+            <a:avLst/>
+          </a:prstGeom>
+        </p:spPr>
+      </p:pic>
+      <p:sp>
+        <p:nvSpPr>
+          <p:cNvPr id="5" name="모서리가 둥근 직사각형 4"/>
+          <p:cNvSpPr/>
+          <p:nvPr/>
+        </p:nvSpPr>
+        <p:spPr>
+          <a:xfrm>
+            <a:off x="439982" y="1196752"/>
+            <a:ext cx="8164465" cy="5345844"/>
+          </a:xfrm>
+          <a:prstGeom prst="roundRect">
+            <a:avLst>
+              <a:gd name="adj" fmla="val 8134"/>
+            </a:avLst>
+          </a:prstGeom>
+          <a:ln/>
+        </p:spPr>
+        <p:style>
+          <a:lnRef idx="2">
+            <a:schemeClr val="accent1"/>
+          </a:lnRef>
+          <a:fillRef idx="1">
+            <a:schemeClr val="lt1"/>
+          </a:fillRef>
+          <a:effectRef idx="0">
+            <a:schemeClr val="accent1"/>
+          </a:effectRef>
+          <a:fontRef idx="minor">
+            <a:schemeClr val="dk1"/>
+          </a:fontRef>
+        </p:style>
+        <p:txBody>
+          <a:bodyPr rtlCol="0" anchor="t"/>
+          <a:lstStyle/>
+          <a:p>
+            <a:pPr marL="285750" indent="-285750">
+              <a:lnSpc>
+                <a:spcPct val="150000"/>
+              </a:lnSpc>
+              <a:buFont typeface="Wingdings" panose="05000000000000000000" pitchFamily="2" charset="2"/>
+              <a:buChar char="Ø"/>
+            </a:pPr>
+            <a:r>
+              <a:rPr lang="ko-KR" altLang="en-US" dirty="0" smtClean="0">
+                <a:solidFill>
+                  <a:srgbClr val="0000FF"/>
+                </a:solidFill>
+                <a:latin typeface="+mn-ea"/>
+              </a:rPr>
+              <a:t>정의</a:t>
+            </a:r>
+            <a:endParaRPr lang="en-US" altLang="ko-KR" dirty="0">
+              <a:solidFill>
+                <a:srgbClr val="0000FF"/>
+              </a:solidFill>
+              <a:latin typeface="+mn-ea"/>
+            </a:endParaRPr>
+          </a:p>
+          <a:p>
+            <a:pPr marL="742950" lvl="1" indent="-285750" latinLnBrk="0">
+              <a:lnSpc>
+                <a:spcPct val="150000"/>
+              </a:lnSpc>
+              <a:buFont typeface="Arial" panose="020B0604020202020204" pitchFamily="34" charset="0"/>
+              <a:buChar char="•"/>
+            </a:pPr>
+            <a:r>
+              <a:rPr lang="en-US" altLang="ko-KR" sz="1200" dirty="0" err="1">
+                <a:latin typeface="+mn-ea"/>
+              </a:rPr>
+              <a:t>nvm</a:t>
+            </a:r>
+            <a:r>
+              <a:rPr lang="en-US" altLang="ko-KR" sz="1200" dirty="0">
+                <a:latin typeface="+mn-ea"/>
+              </a:rPr>
+              <a:t> is a version manager for node.js, designed to be installed per-user, and invoked per-shell. </a:t>
+            </a:r>
+            <a:endParaRPr lang="en-US" altLang="ko-KR" dirty="0" smtClean="0">
+              <a:solidFill>
+                <a:srgbClr val="0000FF"/>
+              </a:solidFill>
+              <a:latin typeface="+mn-ea"/>
+            </a:endParaRPr>
+          </a:p>
+          <a:p>
+            <a:pPr marL="285750" indent="-285750">
+              <a:lnSpc>
+                <a:spcPct val="150000"/>
+              </a:lnSpc>
+              <a:buFont typeface="Wingdings" panose="05000000000000000000" pitchFamily="2" charset="2"/>
+              <a:buChar char="Ø"/>
+            </a:pPr>
+            <a:r>
+              <a:rPr lang="ko-KR" altLang="en-US" dirty="0" smtClean="0">
+                <a:solidFill>
+                  <a:srgbClr val="0000FF"/>
+                </a:solidFill>
+                <a:latin typeface="+mn-ea"/>
+              </a:rPr>
+              <a:t>설치</a:t>
+            </a:r>
+            <a:endParaRPr lang="en-US" altLang="ko-KR" dirty="0">
+              <a:solidFill>
+                <a:srgbClr val="0000FF"/>
+              </a:solidFill>
+              <a:latin typeface="+mn-ea"/>
+            </a:endParaRPr>
+          </a:p>
+          <a:p>
+            <a:pPr marL="742950" lvl="1" indent="-285750" latinLnBrk="0">
+              <a:lnSpc>
+                <a:spcPct val="150000"/>
+              </a:lnSpc>
+              <a:buFont typeface="Arial" panose="020B0604020202020204" pitchFamily="34" charset="0"/>
+              <a:buChar char="•"/>
+            </a:pPr>
+            <a:r>
+              <a:rPr lang="en-US" altLang="ko-KR" sz="1200" dirty="0">
+                <a:latin typeface="+mn-ea"/>
+              </a:rPr>
+              <a:t>curl -o- </a:t>
+            </a:r>
+            <a:r>
+              <a:rPr lang="en-US" altLang="ko-KR" sz="1200" dirty="0">
+                <a:latin typeface="+mn-ea"/>
+                <a:hlinkClick r:id="rId4"/>
+              </a:rPr>
+              <a:t>https://</a:t>
+            </a:r>
+            <a:r>
+              <a:rPr lang="en-US" altLang="ko-KR" sz="1200" dirty="0" smtClean="0">
+                <a:latin typeface="+mn-ea"/>
+                <a:hlinkClick r:id="rId4"/>
+              </a:rPr>
+              <a:t>raw.githubusercontent.com/nvm-sh/nvm/v0.39.2/install.sh</a:t>
+            </a:r>
+            <a:endParaRPr lang="en-US" altLang="ko-KR" sz="1200" dirty="0" smtClean="0">
+              <a:latin typeface="+mn-ea"/>
+            </a:endParaRPr>
+          </a:p>
+          <a:p>
+            <a:pPr marL="1200150" lvl="2" indent="-285750" latinLnBrk="0">
+              <a:lnSpc>
+                <a:spcPct val="150000"/>
+              </a:lnSpc>
+              <a:buFont typeface="Wingdings" panose="05000000000000000000" pitchFamily="2" charset="2"/>
+              <a:buChar char="ü"/>
+            </a:pPr>
+            <a:r>
+              <a:rPr lang="en-US" altLang="ko-KR" sz="1100" dirty="0" smtClean="0">
+                <a:latin typeface="+mn-ea"/>
+              </a:rPr>
+              <a:t>Github</a:t>
+            </a:r>
+            <a:r>
+              <a:rPr lang="ko-KR" altLang="en-US" sz="1100" dirty="0" smtClean="0">
+                <a:latin typeface="+mn-ea"/>
+              </a:rPr>
+              <a:t>에서 최신 버전의 </a:t>
+            </a:r>
+            <a:r>
+              <a:rPr lang="en-US" altLang="ko-KR" sz="1100" dirty="0" err="1" smtClean="0">
+                <a:latin typeface="+mn-ea"/>
+              </a:rPr>
+              <a:t>nvm</a:t>
+            </a:r>
+            <a:r>
+              <a:rPr lang="en-US" altLang="ko-KR" sz="1100" dirty="0" smtClean="0">
+                <a:latin typeface="+mn-ea"/>
+              </a:rPr>
+              <a:t> </a:t>
+            </a:r>
+            <a:r>
+              <a:rPr lang="ko-KR" altLang="en-US" sz="1100" dirty="0" smtClean="0">
+                <a:latin typeface="+mn-ea"/>
+              </a:rPr>
+              <a:t>설치 </a:t>
+            </a:r>
+            <a:r>
+              <a:rPr lang="ko-KR" altLang="en-US" sz="1100" dirty="0" err="1" smtClean="0">
+                <a:latin typeface="+mn-ea"/>
+              </a:rPr>
+              <a:t>스트립트</a:t>
+            </a:r>
+            <a:r>
+              <a:rPr lang="ko-KR" altLang="en-US" sz="1100" dirty="0" smtClean="0">
+                <a:latin typeface="+mn-ea"/>
+              </a:rPr>
+              <a:t> 다운로드 및 검사</a:t>
+            </a:r>
+            <a:endParaRPr lang="en-US" altLang="ko-KR" sz="1100" dirty="0" smtClean="0">
+              <a:latin typeface="+mn-ea"/>
+            </a:endParaRPr>
+          </a:p>
+          <a:p>
+            <a:pPr marL="742950" lvl="1" indent="-285750" latinLnBrk="0">
+              <a:lnSpc>
+                <a:spcPct val="150000"/>
+              </a:lnSpc>
+              <a:buFont typeface="Arial" panose="020B0604020202020204" pitchFamily="34" charset="0"/>
+              <a:buChar char="•"/>
+            </a:pPr>
+            <a:r>
+              <a:rPr lang="pt-BR" altLang="ko-KR" sz="1200" dirty="0">
+                <a:latin typeface="+mn-ea"/>
+              </a:rPr>
+              <a:t>curl -o- https://</a:t>
+            </a:r>
+            <a:r>
+              <a:rPr lang="pt-BR" altLang="ko-KR" sz="1200" dirty="0" smtClean="0">
+                <a:latin typeface="+mn-ea"/>
+              </a:rPr>
+              <a:t>raw.githubusercontent.com/nvm-sh/nvm/v0.39.2/install.sh </a:t>
+            </a:r>
+            <a:r>
+              <a:rPr lang="pt-BR" altLang="ko-KR" sz="1200" dirty="0">
+                <a:latin typeface="+mn-ea"/>
+              </a:rPr>
+              <a:t>| bash </a:t>
+            </a:r>
+            <a:endParaRPr lang="pt-BR" altLang="ko-KR" sz="1200" dirty="0" smtClean="0">
+              <a:latin typeface="+mn-ea"/>
+            </a:endParaRPr>
+          </a:p>
+          <a:p>
+            <a:pPr marL="1200150" lvl="2" indent="-285750" latinLnBrk="0">
+              <a:lnSpc>
+                <a:spcPct val="150000"/>
+              </a:lnSpc>
+              <a:buFont typeface="Wingdings" panose="05000000000000000000" pitchFamily="2" charset="2"/>
+              <a:buChar char="ü"/>
+            </a:pPr>
+            <a:r>
+              <a:rPr lang="ko-KR" altLang="en-US" sz="1100" dirty="0" smtClean="0">
+                <a:latin typeface="+mn-ea"/>
+              </a:rPr>
+              <a:t>현재 계정에 </a:t>
+            </a:r>
+            <a:r>
+              <a:rPr lang="en-US" altLang="ko-KR" sz="1100" dirty="0" err="1" smtClean="0">
+                <a:latin typeface="+mn-ea"/>
+              </a:rPr>
+              <a:t>nvm</a:t>
+            </a:r>
+            <a:r>
+              <a:rPr lang="en-US" altLang="ko-KR" sz="1100" dirty="0" smtClean="0">
+                <a:latin typeface="+mn-ea"/>
+              </a:rPr>
+              <a:t> </a:t>
+            </a:r>
+            <a:r>
+              <a:rPr lang="ko-KR" altLang="en-US" sz="1100" dirty="0" smtClean="0">
+                <a:latin typeface="+mn-ea"/>
+              </a:rPr>
+              <a:t>설치</a:t>
+            </a:r>
+            <a:endParaRPr lang="pt-BR" altLang="ko-KR" sz="1100" dirty="0" smtClean="0">
+              <a:latin typeface="+mn-ea"/>
+            </a:endParaRPr>
+          </a:p>
+          <a:p>
+            <a:pPr marL="742950" lvl="1" indent="-285750" latinLnBrk="0">
+              <a:lnSpc>
+                <a:spcPct val="150000"/>
+              </a:lnSpc>
+              <a:buFont typeface="Arial" panose="020B0604020202020204" pitchFamily="34" charset="0"/>
+              <a:buChar char="•"/>
+            </a:pPr>
+            <a:r>
+              <a:rPr lang="en-US" altLang="ko-KR" sz="1200" dirty="0" smtClean="0">
+                <a:latin typeface="+mn-ea"/>
+              </a:rPr>
+              <a:t>source </a:t>
+            </a:r>
+            <a:r>
+              <a:rPr lang="en-US" altLang="ko-KR" sz="1200" dirty="0">
+                <a:latin typeface="+mn-ea"/>
+              </a:rPr>
+              <a:t>~/.</a:t>
+            </a:r>
+            <a:r>
+              <a:rPr lang="en-US" altLang="ko-KR" sz="1200" dirty="0" err="1" smtClean="0">
+                <a:latin typeface="+mn-ea"/>
+              </a:rPr>
+              <a:t>bashrc</a:t>
+            </a:r>
+            <a:endParaRPr lang="en-US" altLang="ko-KR" sz="1200" dirty="0" smtClean="0">
+              <a:latin typeface="+mn-ea"/>
+            </a:endParaRPr>
+          </a:p>
+          <a:p>
+            <a:pPr marL="1200150" lvl="2" indent="-285750" latinLnBrk="0">
+              <a:lnSpc>
+                <a:spcPct val="150000"/>
+              </a:lnSpc>
+              <a:buFont typeface="Wingdings" panose="05000000000000000000" pitchFamily="2" charset="2"/>
+              <a:buChar char="ü"/>
+            </a:pPr>
+            <a:r>
+              <a:rPr lang="en-US" altLang="ko-KR" sz="1100" dirty="0" smtClean="0">
+                <a:latin typeface="+mn-ea"/>
+              </a:rPr>
+              <a:t>.</a:t>
+            </a:r>
+            <a:r>
+              <a:rPr lang="en-US" altLang="ko-KR" sz="1100" dirty="0" err="1" smtClean="0">
+                <a:latin typeface="+mn-ea"/>
+              </a:rPr>
+              <a:t>bashrc</a:t>
+            </a:r>
+            <a:r>
+              <a:rPr lang="en-US" altLang="ko-KR" sz="1100" dirty="0" smtClean="0">
+                <a:latin typeface="+mn-ea"/>
+              </a:rPr>
+              <a:t> </a:t>
+            </a:r>
+            <a:r>
+              <a:rPr lang="ko-KR" altLang="en-US" sz="1100" dirty="0" smtClean="0">
+                <a:latin typeface="+mn-ea"/>
+              </a:rPr>
+              <a:t>파일 수정 후 바로 적용</a:t>
+            </a:r>
+            <a:endParaRPr lang="en-US" altLang="ko-KR" sz="1100" dirty="0">
+              <a:latin typeface="+mn-ea"/>
+            </a:endParaRPr>
+          </a:p>
+          <a:p>
+            <a:pPr marL="742950" lvl="1" indent="-285750" latinLnBrk="0">
+              <a:lnSpc>
+                <a:spcPct val="150000"/>
+              </a:lnSpc>
+              <a:buFont typeface="Arial" panose="020B0604020202020204" pitchFamily="34" charset="0"/>
+              <a:buChar char="•"/>
+            </a:pPr>
+            <a:r>
+              <a:rPr lang="en-US" altLang="ko-KR" sz="1200" dirty="0" err="1">
+                <a:latin typeface="+mn-ea"/>
+              </a:rPr>
+              <a:t>nvm</a:t>
+            </a:r>
+            <a:r>
+              <a:rPr lang="en-US" altLang="ko-KR" sz="1200" dirty="0">
+                <a:latin typeface="+mn-ea"/>
+              </a:rPr>
+              <a:t> </a:t>
+            </a:r>
+            <a:r>
+              <a:rPr lang="en-US" altLang="ko-KR" sz="1200" dirty="0" smtClean="0">
+                <a:latin typeface="+mn-ea"/>
+              </a:rPr>
+              <a:t>list-remote</a:t>
+            </a:r>
+          </a:p>
+          <a:p>
+            <a:pPr marL="1200150" lvl="2" indent="-285750" latinLnBrk="0">
+              <a:lnSpc>
+                <a:spcPct val="150000"/>
+              </a:lnSpc>
+              <a:buFont typeface="Wingdings" panose="05000000000000000000" pitchFamily="2" charset="2"/>
+              <a:buChar char="ü"/>
+            </a:pPr>
+            <a:r>
+              <a:rPr lang="ko-KR" altLang="en-US" sz="1100" dirty="0" smtClean="0">
+                <a:latin typeface="+mn-ea"/>
+              </a:rPr>
+              <a:t>설치 가능한 </a:t>
+            </a:r>
+            <a:r>
+              <a:rPr lang="en-US" altLang="ko-KR" sz="1100" dirty="0" smtClean="0">
+                <a:latin typeface="+mn-ea"/>
+              </a:rPr>
+              <a:t>node </a:t>
+            </a:r>
+            <a:r>
+              <a:rPr lang="ko-KR" altLang="en-US" sz="1100" dirty="0" smtClean="0">
+                <a:latin typeface="+mn-ea"/>
+              </a:rPr>
+              <a:t>버전</a:t>
+            </a:r>
+            <a:r>
+              <a:rPr lang="en-US" altLang="ko-KR" sz="1100" dirty="0" smtClean="0">
+                <a:latin typeface="+mn-ea"/>
+              </a:rPr>
+              <a:t> </a:t>
+            </a:r>
+            <a:r>
+              <a:rPr lang="ko-KR" altLang="en-US" sz="1100" dirty="0" smtClean="0">
+                <a:latin typeface="+mn-ea"/>
+              </a:rPr>
+              <a:t>목록 확인</a:t>
+            </a:r>
+            <a:endParaRPr lang="en-US" altLang="ko-KR" sz="1100" dirty="0">
+              <a:latin typeface="+mn-ea"/>
+            </a:endParaRPr>
+          </a:p>
+          <a:p>
+            <a:pPr marL="742950" lvl="1" indent="-285750" latinLnBrk="0">
+              <a:lnSpc>
+                <a:spcPct val="150000"/>
+              </a:lnSpc>
+              <a:buFont typeface="Arial" panose="020B0604020202020204" pitchFamily="34" charset="0"/>
+              <a:buChar char="•"/>
+            </a:pPr>
+            <a:r>
+              <a:rPr lang="en-US" altLang="ko-KR" sz="1200" dirty="0" err="1">
+                <a:latin typeface="+mn-ea"/>
+              </a:rPr>
+              <a:t>nvm</a:t>
+            </a:r>
+            <a:r>
+              <a:rPr lang="en-US" altLang="ko-KR" sz="1200" dirty="0">
+                <a:latin typeface="+mn-ea"/>
+              </a:rPr>
+              <a:t> install </a:t>
+            </a:r>
+            <a:r>
+              <a:rPr lang="en-US" altLang="ko-KR" sz="1200" dirty="0" smtClean="0">
+                <a:latin typeface="+mn-ea"/>
+              </a:rPr>
+              <a:t>v16.13.1</a:t>
+            </a:r>
+          </a:p>
+          <a:p>
+            <a:pPr marL="1200150" lvl="2" indent="-285750" latinLnBrk="0">
+              <a:lnSpc>
+                <a:spcPct val="150000"/>
+              </a:lnSpc>
+              <a:buFont typeface="Wingdings" panose="05000000000000000000" pitchFamily="2" charset="2"/>
+              <a:buChar char="ü"/>
+            </a:pPr>
+            <a:r>
+              <a:rPr lang="ko-KR" altLang="en-US" sz="1100" dirty="0" smtClean="0">
+                <a:latin typeface="+mn-ea"/>
+              </a:rPr>
+              <a:t>원하는 </a:t>
+            </a:r>
+            <a:r>
+              <a:rPr lang="en-US" altLang="ko-KR" sz="1100" dirty="0" smtClean="0">
+                <a:latin typeface="+mn-ea"/>
+              </a:rPr>
+              <a:t>node </a:t>
+            </a:r>
+            <a:r>
+              <a:rPr lang="ko-KR" altLang="en-US" sz="1100" dirty="0" smtClean="0">
+                <a:latin typeface="+mn-ea"/>
+              </a:rPr>
+              <a:t>버전 선택 후 설치</a:t>
+            </a:r>
+            <a:endParaRPr lang="en-US" altLang="ko-KR" sz="1100" dirty="0">
+              <a:latin typeface="+mn-ea"/>
+            </a:endParaRPr>
+          </a:p>
+          <a:p>
+            <a:pPr marL="742950" lvl="1" indent="-285750" latinLnBrk="0">
+              <a:lnSpc>
+                <a:spcPct val="150000"/>
+              </a:lnSpc>
+              <a:buFont typeface="Arial" panose="020B0604020202020204" pitchFamily="34" charset="0"/>
+              <a:buChar char="•"/>
+            </a:pPr>
+            <a:r>
+              <a:rPr lang="en-US" altLang="ko-KR" sz="1200" dirty="0" err="1">
+                <a:latin typeface="+mn-ea"/>
+              </a:rPr>
+              <a:t>nvm</a:t>
+            </a:r>
+            <a:r>
+              <a:rPr lang="en-US" altLang="ko-KR" sz="1200" dirty="0">
+                <a:latin typeface="+mn-ea"/>
+              </a:rPr>
+              <a:t> list</a:t>
+            </a:r>
+          </a:p>
+          <a:p>
+            <a:pPr marL="1200150" lvl="2" indent="-285750" latinLnBrk="0">
+              <a:lnSpc>
+                <a:spcPct val="150000"/>
+              </a:lnSpc>
+              <a:buFont typeface="Wingdings" panose="05000000000000000000" pitchFamily="2" charset="2"/>
+              <a:buChar char="ü"/>
+            </a:pPr>
+            <a:r>
+              <a:rPr lang="ko-KR" altLang="en-US" sz="1100" dirty="0" smtClean="0">
+                <a:latin typeface="+mn-ea"/>
+              </a:rPr>
+              <a:t>현재 활성화 된 </a:t>
+            </a:r>
+            <a:r>
+              <a:rPr lang="en-US" altLang="ko-KR" sz="1100" dirty="0" smtClean="0">
+                <a:latin typeface="+mn-ea"/>
+              </a:rPr>
+              <a:t>node </a:t>
+            </a:r>
+            <a:r>
+              <a:rPr lang="ko-KR" altLang="en-US" sz="1100" dirty="0" smtClean="0">
+                <a:latin typeface="+mn-ea"/>
+              </a:rPr>
+              <a:t>버전 확인</a:t>
+            </a:r>
+            <a:endParaRPr lang="en-US" altLang="ko-KR" sz="1100" dirty="0">
+              <a:latin typeface="+mn-ea"/>
+            </a:endParaRPr>
+          </a:p>
+          <a:p>
+            <a:pPr marL="742950" lvl="1" indent="-285750" latinLnBrk="0">
+              <a:lnSpc>
+                <a:spcPct val="150000"/>
+              </a:lnSpc>
+              <a:buFont typeface="Arial" panose="020B0604020202020204" pitchFamily="34" charset="0"/>
+              <a:buChar char="•"/>
+            </a:pPr>
+            <a:r>
+              <a:rPr lang="en-US" altLang="ko-KR" sz="1200" dirty="0" err="1">
+                <a:latin typeface="+mn-ea"/>
+              </a:rPr>
+              <a:t>nvm</a:t>
+            </a:r>
+            <a:r>
+              <a:rPr lang="en-US" altLang="ko-KR" sz="1200" dirty="0">
+                <a:latin typeface="+mn-ea"/>
+              </a:rPr>
+              <a:t> use </a:t>
+            </a:r>
+            <a:r>
+              <a:rPr lang="en-US" altLang="ko-KR" sz="1200" dirty="0" smtClean="0">
+                <a:latin typeface="+mn-ea"/>
+              </a:rPr>
+              <a:t>v16.13.1</a:t>
+            </a:r>
+          </a:p>
+          <a:p>
+            <a:pPr marL="1200150" lvl="2" indent="-285750" latinLnBrk="0">
+              <a:lnSpc>
+                <a:spcPct val="150000"/>
+              </a:lnSpc>
+              <a:buFont typeface="Wingdings" panose="05000000000000000000" pitchFamily="2" charset="2"/>
+              <a:buChar char="ü"/>
+            </a:pPr>
+            <a:r>
+              <a:rPr lang="ko-KR" altLang="en-US" sz="1100" dirty="0" smtClean="0">
+                <a:latin typeface="+mn-ea"/>
+              </a:rPr>
+              <a:t>설치된 </a:t>
+            </a:r>
+            <a:r>
+              <a:rPr lang="en-US" altLang="ko-KR" sz="1100" dirty="0" smtClean="0">
+                <a:latin typeface="+mn-ea"/>
+              </a:rPr>
+              <a:t>node </a:t>
+            </a:r>
+            <a:r>
+              <a:rPr lang="ko-KR" altLang="en-US" sz="1100" dirty="0" smtClean="0">
+                <a:latin typeface="+mn-ea"/>
+              </a:rPr>
+              <a:t>버전 중에 활성화 시킬 버전 선택</a:t>
+            </a:r>
+            <a:endParaRPr lang="en-US" altLang="ko-KR" sz="1100" dirty="0">
+              <a:latin typeface="+mn-ea"/>
+            </a:endParaRPr>
+          </a:p>
+          <a:p>
+            <a:pPr marL="742950" lvl="1" indent="-285750" latinLnBrk="0">
+              <a:lnSpc>
+                <a:spcPct val="150000"/>
+              </a:lnSpc>
+              <a:buFont typeface="Arial" panose="020B0604020202020204" pitchFamily="34" charset="0"/>
+              <a:buChar char="•"/>
+            </a:pPr>
+            <a:endParaRPr lang="en-US" altLang="ko-KR" sz="1200" dirty="0" smtClean="0">
+              <a:latin typeface="+mn-ea"/>
+            </a:endParaRPr>
+          </a:p>
+          <a:p>
+            <a:pPr marL="1200150" lvl="2" indent="-285750" latinLnBrk="0">
+              <a:lnSpc>
+                <a:spcPct val="150000"/>
+              </a:lnSpc>
+              <a:buFont typeface="Arial" panose="020B0604020202020204" pitchFamily="34" charset="0"/>
+              <a:buChar char="•"/>
+            </a:pPr>
+            <a:endParaRPr lang="en-US" altLang="ko-KR" sz="1600" dirty="0" smtClean="0">
+              <a:solidFill>
+                <a:srgbClr val="FF0000"/>
+              </a:solidFill>
+              <a:latin typeface="+mn-ea"/>
+            </a:endParaRPr>
+          </a:p>
+          <a:p>
+            <a:pPr marL="742950" lvl="1" indent="-285750" latinLnBrk="0">
+              <a:lnSpc>
+                <a:spcPct val="150000"/>
+              </a:lnSpc>
+              <a:buFont typeface="Arial" panose="020B0604020202020204" pitchFamily="34" charset="0"/>
+              <a:buChar char="•"/>
+            </a:pPr>
+            <a:endParaRPr lang="en-US" altLang="ko-KR" sz="1600" dirty="0" smtClean="0">
+              <a:solidFill>
+                <a:srgbClr val="FF0000"/>
+              </a:solidFill>
+              <a:latin typeface="+mn-ea"/>
+            </a:endParaRPr>
+          </a:p>
+        </p:txBody>
+      </p:sp>
+    </p:spTree>
+    <p:extLst>
+      <p:ext uri="{BB962C8B-B14F-4D97-AF65-F5344CB8AC3E}">
+        <p14:creationId xmlns:p14="http://schemas.microsoft.com/office/powerpoint/2010/main" val="55970075"/>
+      </p:ext>
+    </p:extLst>
+  </p:cSld>
+  <p:clrMapOvr>
+    <a:masterClrMapping/>
+  </p:clrMapOvr>
+  <p:timing>
+    <p:tnLst>
+      <p:par>
+        <p:cTn id="1" dur="indefinite" restart="never" nodeType="tmRoot"/>
+      </p:par>
+    </p:tnLst>
+  </p:timing>
+</p:sld>
+</file>
+
 <file path=ppt/slides/slide2.xml><?xml version="1.0" encoding="utf-8"?>
 <p:sld xmlns:a="http://schemas.openxmlformats.org/drawingml/2006/main" xmlns:r="http://schemas.openxmlformats.org/officeDocument/2006/relationships" xmlns:p="http://schemas.openxmlformats.org/presentationml/2006/main">
   <p:cSld>
@@ -6682,11 +7444,7 @@
             </a:r>
             <a:r>
               <a:rPr lang="en-US" altLang="ko-KR" sz="1400" dirty="0" smtClean="0"/>
-              <a:t>commands</a:t>
-            </a:r>
-            <a:r>
-              <a:rPr lang="en-US" altLang="ko-KR" sz="1400" dirty="0" smtClean="0"/>
-              <a:t>)</a:t>
+              <a:t>commands)</a:t>
             </a:r>
           </a:p>
           <a:p>
@@ -7123,15 +7881,7 @@
             </a:r>
             <a:r>
               <a:rPr lang="en-US" altLang="ko-KR" sz="1400" dirty="0" smtClean="0"/>
-              <a:t> </a:t>
-            </a:r>
-            <a:r>
-              <a:rPr lang="en-US" altLang="ko-KR" sz="1400" dirty="0" smtClean="0"/>
-              <a:t>install </a:t>
-            </a:r>
-            <a:r>
-              <a:rPr lang="en-US" altLang="ko-KR" sz="1400" dirty="0" smtClean="0"/>
-              <a:t>–</a:t>
+              <a:t> install –</a:t>
             </a:r>
             <a:r>
               <a:rPr lang="en-US" altLang="ko-KR" sz="1400" dirty="0"/>
@@ -7230,11 +7980,7 @@
             </a:r>
             <a:r>
               <a:rPr lang="en-US" altLang="ko-KR" sz="1400" dirty="0" smtClean="0"/>
-              <a:t> uninstall </a:t>
-            </a:r>
-            <a:r>
-              <a:rPr lang="en-US" altLang="ko-KR" sz="1400" dirty="0" smtClean="0"/>
-              <a:t>kill-port</a:t>
+              <a:t> uninstall kill-port</a:t>
             </a:r>
           </a:p>
           <a:p>
@@ -7257,7 +8003,6 @@
               <a:rPr lang="en-US" altLang="ko-KR" sz="1400" dirty="0" smtClean="0"/>
               <a:t>uninstall -g kill-port</a:t>
             </a:r>
-            <a:endParaRPr lang="en-US" altLang="ko-KR" sz="1400" dirty="0" smtClean="0"/>
           </a:p>
           <a:p>
             <a:pPr lvl="1" latinLnBrk="0">
@@ -7350,15 +8095,7 @@
                   <a:srgbClr val="FF0000"/>
                 </a:solidFill>
               </a:rPr>
-              <a:t>-check-updates -</a:t>
-            </a:r>
-            <a:r>
-              <a:rPr lang="en-US" altLang="ko-KR" sz="1400" dirty="0" smtClean="0">
-                <a:solidFill>
-                  <a:srgbClr val="FF0000"/>
-                </a:solidFill>
-              </a:rPr>
-              <a:t>u</a:t>
+              <a:t>-check-updates -u</a:t>
             </a:r>
           </a:p>
           <a:p>
@@ -7983,16 +8720,7 @@
                 </a:solidFill>
                 <a:latin typeface="+mn-ea"/>
               </a:rPr>
-              <a:t>설치된 </a:t>
-            </a:r>
-            <a:r>
-              <a:rPr lang="ko-KR" altLang="en-US" sz="2000" dirty="0" smtClean="0">
-                <a:solidFill>
-                  <a:srgbClr val="0000FF"/>
-                </a:solidFill>
-                <a:latin typeface="+mn-ea"/>
-              </a:rPr>
-              <a:t>모듈 확인</a:t>
+              <a:t>설치된 모듈 확인</a:t>
             </a:r>
             <a:endParaRPr lang="en-US" altLang="ko-KR" sz="2000" dirty="0" smtClean="0">
               <a:solidFill>
@@ -8083,11 +8811,7 @@
             </a:r>
             <a:r>
               <a:rPr lang="en-US" altLang="ko-KR" sz="1200" dirty="0" smtClean="0"/>
-              <a:t> </a:t>
-            </a:r>
-            <a:r>
-              <a:rPr lang="en-US" altLang="ko-KR" sz="1200" dirty="0" smtClean="0"/>
-              <a:t>list –g –depth=0</a:t>
+              <a:t> list –g –depth=0</a:t>
             </a:r>
           </a:p>
           <a:p>
@@ -8239,11 +8963,6 @@
               </a:rPr>
               <a:t>docs kill-port</a:t>
             </a:r>
-            <a:endParaRPr lang="en-US" altLang="ko-KR" sz="1400" dirty="0" smtClean="0">
-              <a:solidFill>
-                <a:srgbClr val="FF0000"/>
-              </a:solidFill>
-            </a:endParaRPr>
           </a:p>
           <a:p>
             <a:pPr marL="742950" lvl="1" indent="-285750" latinLnBrk="0">
@@ -8267,15 +8986,7 @@
                   <a:srgbClr val="FF0000"/>
                 </a:solidFill>
               </a:rPr>
-              <a:t> </a:t>
-            </a:r>
-            <a:r>
-              <a:rPr lang="en-US" altLang="ko-KR" sz="1400" dirty="0" smtClean="0">
-                <a:solidFill>
-                  <a:srgbClr val="FF0000"/>
-                </a:solidFill>
-              </a:rPr>
-              <a:t>outdated</a:t>
+              <a:t> outdated</a:t>
             </a:r>
             <a:endParaRPr lang="en-US" altLang="ko-KR" sz="1400" dirty="0">
               <a:solidFill>

--- a/Back-End/NodeJS/NPM 개발 도구.pptx
+++ b/Back-End/NodeJS/NPM 개발 도구.pptx
@@ -5,10 +5,10 @@
     <p:sldMasterId id="2147483659" r:id="rId1"/>
   </p:sldMasterIdLst>
   <p:notesMasterIdLst>
-    <p:notesMasterId r:id="rId16"/>
+    <p:notesMasterId r:id="rId17"/>
   </p:notesMasterIdLst>
   <p:handoutMasterIdLst>
-    <p:handoutMasterId r:id="rId17"/>
+    <p:handoutMasterId r:id="rId18"/>
   </p:handoutMasterIdLst>
   <p:sldIdLst>
     <p:sldId id="615" r:id="rId2"/>
@@ -25,6 +25,7 @@
     <p:sldId id="620" r:id="rId13"/>
     <p:sldId id="621" r:id="rId14"/>
     <p:sldId id="631" r:id="rId15"/>
+    <p:sldId id="632" r:id="rId16"/>
   </p:sldIdLst>
   <p:sldSz cx="9144000" cy="6858000" type="screen4x3"/>
   <p:notesSz cx="6865938" cy="9998075"/>
@@ -257,7 +258,7 @@
           <a:p>
             <a:fld id="{0701E38F-D71B-4628-B377-F26FA834EB07}" type="datetimeFigureOut">
               <a:rPr lang="ko-KR" altLang="en-US" smtClean="0"/>
-              <a:t>2022-12-14</a:t>
+              <a:t>2023-01-13</a:t>
             </a:fld>
             <a:endParaRPr lang="ko-KR" altLang="en-US"/>
           </a:p>
@@ -423,7 +424,7 @@
             <a:fld id="{BC75A1C1-99F9-4ED1-B968-97F8F766565C}" type="datetimeFigureOut">
               <a:rPr lang="ko-KR" altLang="en-US" smtClean="0"/>
               <a:pPr/>
-              <a:t>2022-12-14</a:t>
+              <a:t>2023-01-13</a:t>
             </a:fld>
             <a:endParaRPr lang="ko-KR" altLang="en-US"/>
           </a:p>
@@ -1110,6 +1111,91 @@
     <p:extLst>
       <p:ext uri="{BB962C8B-B14F-4D97-AF65-F5344CB8AC3E}">
         <p14:creationId xmlns:p14="http://schemas.microsoft.com/office/powerpoint/2010/main" val="3673088985"/>
+      </p:ext>
+    </p:extLst>
+  </p:cSld>
+  <p:clrMapOvr>
+    <a:masterClrMapping/>
+  </p:clrMapOvr>
+</p:notes>
+</file>
+
+<file path=ppt/notesSlides/notesSlide6.xml><?xml version="1.0" encoding="utf-8"?>
+<p:notes xmlns:a="http://schemas.openxmlformats.org/drawingml/2006/main" xmlns:r="http://schemas.openxmlformats.org/officeDocument/2006/relationships" xmlns:p="http://schemas.openxmlformats.org/presentationml/2006/main">
+  <p:cSld>
+    <p:spTree>
+      <p:nvGrpSpPr>
+        <p:cNvPr id="1" name=""/>
+        <p:cNvGrpSpPr/>
+        <p:nvPr/>
+      </p:nvGrpSpPr>
+      <p:grpSpPr>
+        <a:xfrm>
+          <a:off x="0" y="0"/>
+          <a:ext cx="0" cy="0"/>
+          <a:chOff x="0" y="0"/>
+          <a:chExt cx="0" cy="0"/>
+        </a:xfrm>
+      </p:grpSpPr>
+      <p:sp>
+        <p:nvSpPr>
+          <p:cNvPr id="2" name="슬라이드 이미지 개체 틀 1"/>
+          <p:cNvSpPr>
+            <a:spLocks noGrp="1" noRot="1" noChangeAspect="1"/>
+          </p:cNvSpPr>
+          <p:nvPr>
+            <p:ph type="sldImg"/>
+          </p:nvPr>
+        </p:nvSpPr>
+        <p:spPr/>
+      </p:sp>
+      <p:sp>
+        <p:nvSpPr>
+          <p:cNvPr id="3" name="슬라이드 노트 개체 틀 2"/>
+          <p:cNvSpPr>
+            <a:spLocks noGrp="1"/>
+          </p:cNvSpPr>
+          <p:nvPr>
+            <p:ph type="body" idx="1"/>
+          </p:nvPr>
+        </p:nvSpPr>
+        <p:spPr/>
+        <p:txBody>
+          <a:bodyPr/>
+          <a:lstStyle/>
+          <a:p>
+            <a:endParaRPr lang="ko-KR" altLang="en-US" dirty="0"/>
+          </a:p>
+        </p:txBody>
+      </p:sp>
+      <p:sp>
+        <p:nvSpPr>
+          <p:cNvPr id="4" name="슬라이드 번호 개체 틀 3"/>
+          <p:cNvSpPr>
+            <a:spLocks noGrp="1"/>
+          </p:cNvSpPr>
+          <p:nvPr>
+            <p:ph type="sldNum" sz="quarter" idx="10"/>
+          </p:nvPr>
+        </p:nvSpPr>
+        <p:spPr/>
+        <p:txBody>
+          <a:bodyPr/>
+          <a:lstStyle/>
+          <a:p>
+            <a:fld id="{2925679C-3CF1-4175-AC10-4B4E045DB2D3}" type="slidenum">
+              <a:rPr lang="ko-KR" altLang="en-US" smtClean="0"/>
+              <a:pPr/>
+              <a:t>15</a:t>
+            </a:fld>
+            <a:endParaRPr lang="ko-KR" altLang="en-US"/>
+          </a:p>
+        </p:txBody>
+      </p:sp>
+    </p:spTree>
+    <p:extLst>
+      <p:ext uri="{BB962C8B-B14F-4D97-AF65-F5344CB8AC3E}">
+        <p14:creationId xmlns:p14="http://schemas.microsoft.com/office/powerpoint/2010/main" val="3051035686"/>
       </p:ext>
     </p:extLst>
   </p:cSld>
@@ -5960,6 +6046,504 @@
     <p:extLst>
       <p:ext uri="{BB962C8B-B14F-4D97-AF65-F5344CB8AC3E}">
         <p14:creationId xmlns:p14="http://schemas.microsoft.com/office/powerpoint/2010/main" val="55970075"/>
+      </p:ext>
+    </p:extLst>
+  </p:cSld>
+  <p:clrMapOvr>
+    <a:masterClrMapping/>
+  </p:clrMapOvr>
+  <p:timing>
+    <p:tnLst>
+      <p:par>
+        <p:cTn id="1" dur="indefinite" restart="never" nodeType="tmRoot"/>
+      </p:par>
+    </p:tnLst>
+  </p:timing>
+</p:sld>
+</file>
+
+<file path=ppt/slides/slide15.xml><?xml version="1.0" encoding="utf-8"?>
+<p:sld xmlns:a="http://schemas.openxmlformats.org/drawingml/2006/main" xmlns:r="http://schemas.openxmlformats.org/officeDocument/2006/relationships" xmlns:p="http://schemas.openxmlformats.org/presentationml/2006/main">
+  <p:cSld>
+    <p:spTree>
+      <p:nvGrpSpPr>
+        <p:cNvPr id="1" name=""/>
+        <p:cNvGrpSpPr/>
+        <p:nvPr/>
+      </p:nvGrpSpPr>
+      <p:grpSpPr>
+        <a:xfrm>
+          <a:off x="0" y="0"/>
+          <a:ext cx="0" cy="0"/>
+          <a:chOff x="0" y="0"/>
+          <a:chExt cx="0" cy="0"/>
+        </a:xfrm>
+      </p:grpSpPr>
+      <p:sp>
+        <p:nvSpPr>
+          <p:cNvPr id="3" name="TextBox 2"/>
+          <p:cNvSpPr txBox="1"/>
+          <p:nvPr/>
+        </p:nvSpPr>
+        <p:spPr>
+          <a:xfrm>
+            <a:off x="548640" y="470346"/>
+            <a:ext cx="8055807" cy="461665"/>
+          </a:xfrm>
+          <a:prstGeom prst="rect">
+            <a:avLst/>
+          </a:prstGeom>
+          <a:noFill/>
+        </p:spPr>
+        <p:txBody>
+          <a:bodyPr wrap="square" rtlCol="0">
+            <a:spAutoFit/>
+          </a:bodyPr>
+          <a:lstStyle/>
+          <a:p>
+            <a:r>
+              <a:rPr lang="en-US" altLang="ko-KR" sz="2400" dirty="0" smtClean="0">
+                <a:latin typeface="HY헤드라인M" pitchFamily="18" charset="-127"/>
+                <a:ea typeface="HY헤드라인M" pitchFamily="18" charset="-127"/>
+              </a:rPr>
+              <a:t>NPM </a:t>
+            </a:r>
+            <a:r>
+              <a:rPr lang="en-US" altLang="ko-KR" sz="2400" dirty="0" smtClean="0">
+                <a:latin typeface="HY헤드라인M" pitchFamily="18" charset="-127"/>
+                <a:ea typeface="HY헤드라인M" pitchFamily="18" charset="-127"/>
+              </a:rPr>
+              <a:t>Audit</a:t>
+            </a:r>
+            <a:endParaRPr lang="ko-KR" altLang="en-US" sz="2400" dirty="0">
+              <a:latin typeface="HY헤드라인M" pitchFamily="18" charset="-127"/>
+              <a:ea typeface="HY헤드라인M" pitchFamily="18" charset="-127"/>
+            </a:endParaRPr>
+          </a:p>
+        </p:txBody>
+      </p:sp>
+      <p:pic>
+        <p:nvPicPr>
+          <p:cNvPr id="2" name="그림 1"/>
+          <p:cNvPicPr>
+            <a:picLocks noChangeAspect="1"/>
+          </p:cNvPicPr>
+          <p:nvPr/>
+        </p:nvPicPr>
+        <p:blipFill>
+          <a:blip r:embed="rId3" cstate="print">
+            <a:extLst>
+              <a:ext uri="{28A0092B-C50C-407E-A947-70E740481C1C}">
+                <a14:useLocalDpi xmlns:a14="http://schemas.microsoft.com/office/drawing/2010/main" val="0"/>
+              </a:ext>
+            </a:extLst>
+          </a:blip>
+          <a:stretch>
+            <a:fillRect/>
+          </a:stretch>
+        </p:blipFill>
+        <p:spPr>
+          <a:xfrm>
+            <a:off x="7596744" y="2925352"/>
+            <a:ext cx="71600" cy="71600"/>
+          </a:xfrm>
+          <a:prstGeom prst="rect">
+            <a:avLst/>
+          </a:prstGeom>
+        </p:spPr>
+      </p:pic>
+      <p:sp>
+        <p:nvSpPr>
+          <p:cNvPr id="5" name="모서리가 둥근 직사각형 4"/>
+          <p:cNvSpPr/>
+          <p:nvPr/>
+        </p:nvSpPr>
+        <p:spPr>
+          <a:xfrm>
+            <a:off x="439982" y="1196752"/>
+            <a:ext cx="8164465" cy="5345844"/>
+          </a:xfrm>
+          <a:prstGeom prst="roundRect">
+            <a:avLst>
+              <a:gd name="adj" fmla="val 8134"/>
+            </a:avLst>
+          </a:prstGeom>
+          <a:ln/>
+        </p:spPr>
+        <p:style>
+          <a:lnRef idx="2">
+            <a:schemeClr val="accent1"/>
+          </a:lnRef>
+          <a:fillRef idx="1">
+            <a:schemeClr val="lt1"/>
+          </a:fillRef>
+          <a:effectRef idx="0">
+            <a:schemeClr val="accent1"/>
+          </a:effectRef>
+          <a:fontRef idx="minor">
+            <a:schemeClr val="dk1"/>
+          </a:fontRef>
+        </p:style>
+        <p:txBody>
+          <a:bodyPr rtlCol="0" anchor="t"/>
+          <a:lstStyle/>
+          <a:p>
+            <a:pPr marL="285750" indent="-285750">
+              <a:lnSpc>
+                <a:spcPct val="150000"/>
+              </a:lnSpc>
+              <a:buFont typeface="Wingdings" panose="05000000000000000000" pitchFamily="2" charset="2"/>
+              <a:buChar char="Ø"/>
+            </a:pPr>
+            <a:r>
+              <a:rPr lang="ko-KR" altLang="en-US" dirty="0" smtClean="0">
+                <a:solidFill>
+                  <a:srgbClr val="0000FF"/>
+                </a:solidFill>
+                <a:latin typeface="+mn-ea"/>
+              </a:rPr>
+              <a:t>정의</a:t>
+            </a:r>
+            <a:endParaRPr lang="en-US" altLang="ko-KR" dirty="0">
+              <a:solidFill>
+                <a:srgbClr val="0000FF"/>
+              </a:solidFill>
+              <a:latin typeface="+mn-ea"/>
+            </a:endParaRPr>
+          </a:p>
+          <a:p>
+            <a:pPr marL="742950" lvl="1" indent="-285750" latinLnBrk="0">
+              <a:lnSpc>
+                <a:spcPct val="150000"/>
+              </a:lnSpc>
+              <a:buFont typeface="Arial" panose="020B0604020202020204" pitchFamily="34" charset="0"/>
+              <a:buChar char="•"/>
+            </a:pPr>
+            <a:r>
+              <a:rPr lang="ko-KR" altLang="en-US" sz="1400" dirty="0" smtClean="0">
+                <a:latin typeface="+mn-ea"/>
+              </a:rPr>
+              <a:t>보안 취약성 검사</a:t>
+            </a:r>
+            <a:endParaRPr lang="en-US" altLang="ko-KR" sz="1400" dirty="0" smtClean="0">
+              <a:latin typeface="+mn-ea"/>
+            </a:endParaRPr>
+          </a:p>
+          <a:p>
+            <a:pPr marL="742950" lvl="1" indent="-285750" latinLnBrk="0">
+              <a:lnSpc>
+                <a:spcPct val="150000"/>
+              </a:lnSpc>
+              <a:buFont typeface="Arial" panose="020B0604020202020204" pitchFamily="34" charset="0"/>
+              <a:buChar char="•"/>
+            </a:pPr>
+            <a:endParaRPr lang="en-US" altLang="ko-KR" dirty="0" smtClean="0">
+              <a:solidFill>
+                <a:srgbClr val="0000FF"/>
+              </a:solidFill>
+              <a:latin typeface="+mn-ea"/>
+            </a:endParaRPr>
+          </a:p>
+          <a:p>
+            <a:pPr marL="285750" indent="-285750">
+              <a:lnSpc>
+                <a:spcPct val="150000"/>
+              </a:lnSpc>
+              <a:buFont typeface="Wingdings" panose="05000000000000000000" pitchFamily="2" charset="2"/>
+              <a:buChar char="Ø"/>
+            </a:pPr>
+            <a:r>
+              <a:rPr lang="ko-KR" altLang="en-US" dirty="0" smtClean="0">
+                <a:solidFill>
+                  <a:srgbClr val="0000FF"/>
+                </a:solidFill>
+                <a:latin typeface="+mn-ea"/>
+              </a:rPr>
+              <a:t>사용법</a:t>
+            </a:r>
+            <a:endParaRPr lang="en-US" altLang="ko-KR" dirty="0">
+              <a:solidFill>
+                <a:srgbClr val="0000FF"/>
+              </a:solidFill>
+              <a:latin typeface="+mn-ea"/>
+            </a:endParaRPr>
+          </a:p>
+          <a:p>
+            <a:pPr marL="742950" lvl="1" indent="-285750" latinLnBrk="0">
+              <a:lnSpc>
+                <a:spcPct val="150000"/>
+              </a:lnSpc>
+              <a:buFont typeface="Arial" panose="020B0604020202020204" pitchFamily="34" charset="0"/>
+              <a:buChar char="•"/>
+            </a:pPr>
+            <a:r>
+              <a:rPr lang="en-US" altLang="ko-KR" sz="1400" dirty="0" err="1" smtClean="0">
+                <a:solidFill>
+                  <a:srgbClr val="FF0000"/>
+                </a:solidFill>
+                <a:latin typeface="+mn-ea"/>
+              </a:rPr>
+              <a:t>npm</a:t>
+            </a:r>
+            <a:r>
+              <a:rPr lang="en-US" altLang="ko-KR" sz="1400" dirty="0" smtClean="0">
+                <a:solidFill>
+                  <a:srgbClr val="FF0000"/>
+                </a:solidFill>
+                <a:latin typeface="+mn-ea"/>
+              </a:rPr>
+              <a:t> audit</a:t>
+            </a:r>
+          </a:p>
+          <a:p>
+            <a:pPr marL="1200150" lvl="2" indent="-285750" latinLnBrk="0">
+              <a:lnSpc>
+                <a:spcPct val="150000"/>
+              </a:lnSpc>
+              <a:buFont typeface="Wingdings" panose="05000000000000000000" pitchFamily="2" charset="2"/>
+              <a:buChar char="ü"/>
+            </a:pPr>
+            <a:r>
+              <a:rPr lang="ko-KR" altLang="en-US" sz="1200" dirty="0" smtClean="0">
+                <a:latin typeface="+mn-ea"/>
+              </a:rPr>
+              <a:t>프로젝트에서 사용하는 모듈의 취약성을 검사한다</a:t>
+            </a:r>
+            <a:r>
+              <a:rPr lang="en-US" altLang="ko-KR" sz="1200" dirty="0" smtClean="0">
+                <a:latin typeface="+mn-ea"/>
+              </a:rPr>
+              <a:t>.</a:t>
+            </a:r>
+          </a:p>
+          <a:p>
+            <a:pPr marL="1200150" lvl="2" indent="-285750" latinLnBrk="0">
+              <a:lnSpc>
+                <a:spcPct val="150000"/>
+              </a:lnSpc>
+              <a:buFont typeface="Wingdings" panose="05000000000000000000" pitchFamily="2" charset="2"/>
+              <a:buChar char="ü"/>
+            </a:pPr>
+            <a:r>
+              <a:rPr lang="en-US" altLang="ko-KR" sz="1200" dirty="0" err="1"/>
+              <a:t>npm</a:t>
+            </a:r>
+            <a:r>
+              <a:rPr lang="en-US" altLang="ko-KR" sz="1200" dirty="0"/>
+              <a:t> audit –production </a:t>
+            </a:r>
+            <a:r>
+              <a:rPr lang="en-US" altLang="ko-KR" sz="1200" dirty="0" smtClean="0"/>
+              <a:t>(</a:t>
+            </a:r>
+            <a:r>
+              <a:rPr lang="en-US" altLang="ko-KR" sz="1200" dirty="0" err="1" smtClean="0"/>
+              <a:t>devDependencies</a:t>
+            </a:r>
+            <a:r>
+              <a:rPr lang="ko-KR" altLang="en-US" sz="1200" dirty="0" smtClean="0"/>
+              <a:t>에 설치된 모듈의 검사는 생략한다</a:t>
+            </a:r>
+            <a:r>
+              <a:rPr lang="en-US" altLang="ko-KR" sz="1200" dirty="0" smtClean="0"/>
+              <a:t>.)</a:t>
+            </a:r>
+            <a:endParaRPr lang="en-US" altLang="ko-KR" sz="1200" dirty="0" smtClean="0">
+              <a:latin typeface="+mn-ea"/>
+            </a:endParaRPr>
+          </a:p>
+          <a:p>
+            <a:pPr marL="1200150" lvl="2" indent="-285750" latinLnBrk="0">
+              <a:lnSpc>
+                <a:spcPct val="150000"/>
+              </a:lnSpc>
+              <a:buFont typeface="Wingdings" panose="05000000000000000000" pitchFamily="2" charset="2"/>
+              <a:buChar char="ü"/>
+            </a:pPr>
+            <a:endParaRPr lang="en-US" altLang="ko-KR" sz="1200" dirty="0">
+              <a:latin typeface="+mn-ea"/>
+            </a:endParaRPr>
+          </a:p>
+          <a:p>
+            <a:pPr marL="742950" lvl="1" indent="-285750" latinLnBrk="0">
+              <a:lnSpc>
+                <a:spcPct val="150000"/>
+              </a:lnSpc>
+              <a:buFont typeface="Arial" panose="020B0604020202020204" pitchFamily="34" charset="0"/>
+              <a:buChar char="•"/>
+            </a:pPr>
+            <a:r>
+              <a:rPr lang="en-US" altLang="ko-KR" sz="1400" dirty="0" err="1">
+                <a:solidFill>
+                  <a:srgbClr val="FF0000"/>
+                </a:solidFill>
+                <a:latin typeface="+mn-ea"/>
+              </a:rPr>
+              <a:t>npm</a:t>
+            </a:r>
+            <a:r>
+              <a:rPr lang="en-US" altLang="ko-KR" sz="1400" dirty="0">
+                <a:solidFill>
+                  <a:srgbClr val="FF0000"/>
+                </a:solidFill>
+                <a:latin typeface="+mn-ea"/>
+              </a:rPr>
+              <a:t> </a:t>
+            </a:r>
+            <a:r>
+              <a:rPr lang="en-US" altLang="ko-KR" sz="1400" dirty="0" smtClean="0">
+                <a:solidFill>
+                  <a:srgbClr val="FF0000"/>
+                </a:solidFill>
+                <a:latin typeface="+mn-ea"/>
+              </a:rPr>
+              <a:t>audit fix</a:t>
+            </a:r>
+            <a:endParaRPr lang="en-US" altLang="ko-KR" sz="1400" dirty="0">
+              <a:solidFill>
+                <a:srgbClr val="FF0000"/>
+              </a:solidFill>
+              <a:latin typeface="+mn-ea"/>
+            </a:endParaRPr>
+          </a:p>
+          <a:p>
+            <a:pPr marL="1200150" lvl="2" indent="-285750" latinLnBrk="0">
+              <a:lnSpc>
+                <a:spcPct val="150000"/>
+              </a:lnSpc>
+              <a:buFont typeface="Wingdings" panose="05000000000000000000" pitchFamily="2" charset="2"/>
+              <a:buChar char="ü"/>
+            </a:pPr>
+            <a:r>
+              <a:rPr lang="ko-KR" altLang="en-US" sz="1200" dirty="0" smtClean="0">
+                <a:latin typeface="+mn-ea"/>
+              </a:rPr>
+              <a:t>취약점을 가진 종속성에 대해 호환되는 버전으로 자동으로 업데이트를 해준다</a:t>
+            </a:r>
+            <a:r>
+              <a:rPr lang="en-US" altLang="ko-KR" sz="1200" dirty="0" smtClean="0">
+                <a:latin typeface="+mn-ea"/>
+              </a:rPr>
+              <a:t>.</a:t>
+            </a:r>
+          </a:p>
+          <a:p>
+            <a:pPr marL="1200150" lvl="2" indent="-285750" latinLnBrk="0">
+              <a:lnSpc>
+                <a:spcPct val="150000"/>
+              </a:lnSpc>
+              <a:buFont typeface="Wingdings" panose="05000000000000000000" pitchFamily="2" charset="2"/>
+              <a:buChar char="ü"/>
+            </a:pPr>
+            <a:endParaRPr lang="en-US" altLang="ko-KR" sz="1200" dirty="0">
+              <a:latin typeface="+mn-ea"/>
+            </a:endParaRPr>
+          </a:p>
+          <a:p>
+            <a:pPr marL="742950" lvl="1" indent="-285750" latinLnBrk="0">
+              <a:lnSpc>
+                <a:spcPct val="150000"/>
+              </a:lnSpc>
+              <a:buFont typeface="Arial" panose="020B0604020202020204" pitchFamily="34" charset="0"/>
+              <a:buChar char="•"/>
+            </a:pPr>
+            <a:r>
+              <a:rPr lang="en-US" altLang="ko-KR" sz="1400" dirty="0" err="1">
+                <a:solidFill>
+                  <a:srgbClr val="FF0000"/>
+                </a:solidFill>
+                <a:latin typeface="+mn-ea"/>
+              </a:rPr>
+              <a:t>npm</a:t>
+            </a:r>
+            <a:r>
+              <a:rPr lang="en-US" altLang="ko-KR" sz="1400" dirty="0">
+                <a:solidFill>
+                  <a:srgbClr val="FF0000"/>
+                </a:solidFill>
+                <a:latin typeface="+mn-ea"/>
+              </a:rPr>
+              <a:t> audit </a:t>
+            </a:r>
+            <a:r>
+              <a:rPr lang="en-US" altLang="ko-KR" sz="1400" dirty="0" smtClean="0">
+                <a:solidFill>
+                  <a:srgbClr val="FF0000"/>
+                </a:solidFill>
+                <a:latin typeface="+mn-ea"/>
+              </a:rPr>
+              <a:t>fix --force</a:t>
+            </a:r>
+            <a:endParaRPr lang="en-US" altLang="ko-KR" sz="1400" dirty="0">
+              <a:solidFill>
+                <a:srgbClr val="FF0000"/>
+              </a:solidFill>
+              <a:latin typeface="+mn-ea"/>
+            </a:endParaRPr>
+          </a:p>
+          <a:p>
+            <a:pPr marL="1200150" lvl="2" indent="-285750" latinLnBrk="0">
+              <a:lnSpc>
+                <a:spcPct val="150000"/>
+              </a:lnSpc>
+              <a:buFont typeface="Wingdings" panose="05000000000000000000" pitchFamily="2" charset="2"/>
+              <a:buChar char="ü"/>
+            </a:pPr>
+            <a:r>
+              <a:rPr lang="ko-KR" altLang="en-US" sz="1200" dirty="0">
+                <a:latin typeface="+mn-ea"/>
+              </a:rPr>
+              <a:t>취약점을 가진 종속성에 대해 호환되는 버전으로 자동으로 업데이트를 해준다</a:t>
+            </a:r>
+            <a:r>
+              <a:rPr lang="en-US" altLang="ko-KR" sz="1200" dirty="0">
+                <a:latin typeface="+mn-ea"/>
+              </a:rPr>
+              <a:t>.</a:t>
+            </a:r>
+          </a:p>
+          <a:p>
+            <a:pPr marL="1200150" lvl="2" indent="-285750" latinLnBrk="0">
+              <a:lnSpc>
+                <a:spcPct val="150000"/>
+              </a:lnSpc>
+              <a:buFont typeface="Wingdings" panose="05000000000000000000" pitchFamily="2" charset="2"/>
+              <a:buChar char="ü"/>
+            </a:pPr>
+            <a:endParaRPr lang="en-US" altLang="ko-KR" sz="1200" dirty="0">
+              <a:latin typeface="+mn-ea"/>
+            </a:endParaRPr>
+          </a:p>
+          <a:p>
+            <a:pPr marL="1200150" lvl="2" indent="-285750" latinLnBrk="0">
+              <a:lnSpc>
+                <a:spcPct val="150000"/>
+              </a:lnSpc>
+              <a:buFont typeface="Wingdings" panose="05000000000000000000" pitchFamily="2" charset="2"/>
+              <a:buChar char="ü"/>
+            </a:pPr>
+            <a:endParaRPr lang="en-US" altLang="ko-KR" sz="1200" dirty="0">
+              <a:latin typeface="+mn-ea"/>
+            </a:endParaRPr>
+          </a:p>
+          <a:p>
+            <a:pPr marL="1200150" lvl="2" indent="-285750" latinLnBrk="0">
+              <a:lnSpc>
+                <a:spcPct val="150000"/>
+              </a:lnSpc>
+              <a:buFont typeface="Wingdings" panose="05000000000000000000" pitchFamily="2" charset="2"/>
+              <a:buChar char="ü"/>
+            </a:pPr>
+            <a:endParaRPr lang="en-US" altLang="ko-KR" sz="1200" dirty="0" smtClean="0">
+              <a:latin typeface="+mn-ea"/>
+            </a:endParaRPr>
+          </a:p>
+        </p:txBody>
+      </p:sp>
+    </p:spTree>
+    <p:extLst>
+      <p:ext uri="{BB962C8B-B14F-4D97-AF65-F5344CB8AC3E}">
+        <p14:creationId xmlns:p14="http://schemas.microsoft.com/office/powerpoint/2010/main" val="4188961992"/>
       </p:ext>
     </p:extLst>
   </p:cSld>

--- a/Back-End/NodeJS/NPM 개발 도구.pptx
+++ b/Back-End/NodeJS/NPM 개발 도구.pptx
@@ -258,7 +258,7 @@
           <a:p>
             <a:fld id="{0701E38F-D71B-4628-B377-F26FA834EB07}" type="datetimeFigureOut">
               <a:rPr lang="ko-KR" altLang="en-US" smtClean="0"/>
-              <a:t>2023-01-13</a:t>
+              <a:t>2024-09-25</a:t>
             </a:fld>
             <a:endParaRPr lang="ko-KR" altLang="en-US"/>
           </a:p>
@@ -424,7 +424,7 @@
             <a:fld id="{BC75A1C1-99F9-4ED1-B968-97F8F766565C}" type="datetimeFigureOut">
               <a:rPr lang="ko-KR" altLang="en-US" smtClean="0"/>
               <a:pPr/>
-              <a:t>2023-01-13</a:t>
+              <a:t>2024-09-25</a:t>
             </a:fld>
             <a:endParaRPr lang="ko-KR" altLang="en-US"/>
           </a:p>
@@ -6106,14 +6106,7 @@
                 <a:latin typeface="HY헤드라인M" pitchFamily="18" charset="-127"/>
                 <a:ea typeface="HY헤드라인M" pitchFamily="18" charset="-127"/>
               </a:rPr>
-              <a:t>NPM </a:t>
-            </a:r>
-            <a:r>
-              <a:rPr lang="en-US" altLang="ko-KR" sz="2400" dirty="0" smtClean="0">
-                <a:latin typeface="HY헤드라인M" pitchFamily="18" charset="-127"/>
-                <a:ea typeface="HY헤드라인M" pitchFamily="18" charset="-127"/>
-              </a:rPr>
-              <a:t>Audit</a:t>
+              <a:t>NPM Audit</a:t>
             </a:r>
             <a:endParaRPr lang="ko-KR" altLang="en-US" sz="2400" dirty="0">
               <a:latin typeface="HY헤드라인M" pitchFamily="18" charset="-127"/>
@@ -7985,12 +7978,38 @@
               <a:buChar char="•"/>
             </a:pPr>
             <a:r>
+              <a:rPr lang="en-US" altLang="ko-KR" sz="1400" dirty="0" err="1"/>
+              <a:t>npm</a:t>
+            </a:r>
+            <a:r>
+              <a:rPr lang="en-US" altLang="ko-KR" sz="1400" dirty="0"/>
+              <a:t> install -g </a:t>
+            </a:r>
+            <a:r>
+              <a:rPr lang="en-US" altLang="ko-KR" sz="1400" dirty="0" err="1"/>
+              <a:t>npm@latest</a:t>
+            </a:r>
+            <a:endParaRPr lang="en-US" altLang="ko-KR" sz="1400" dirty="0" smtClean="0"/>
+          </a:p>
+          <a:p>
+            <a:pPr marL="742950" lvl="1" indent="-285750" latinLnBrk="0">
+              <a:lnSpc>
+                <a:spcPct val="150000"/>
+              </a:lnSpc>
+              <a:buFont typeface="Arial" panose="020B0604020202020204" pitchFamily="34" charset="0"/>
+              <a:buChar char="•"/>
+            </a:pPr>
+            <a:r>
               <a:rPr lang="en-US" altLang="ko-KR" sz="1400" dirty="0" err="1" smtClean="0"/>
               <a:t>npm</a:t>
             </a:r>
             <a:r>
               <a:rPr lang="en-US" altLang="ko-KR" sz="1400" dirty="0" smtClean="0"/>
-              <a:t> -v</a:t>
+              <a:t> </a:t>
+            </a:r>
+            <a:r>
+              <a:rPr lang="en-US" altLang="ko-KR" sz="1400" dirty="0" smtClean="0"/>
+              <a:t>-v</a:t>
             </a:r>
           </a:p>
           <a:p>
